--- a/Presentation.pptx
+++ b/Presentation.pptx
@@ -1,38 +1,38 @@
 
 <file path=ppt/presentation.xml><?xml version="1.0" encoding="utf-8"?>
-<p:presentation xmlns:a="http://schemas.openxmlformats.org/drawingml/2006/main" xmlns:r="http://schemas.openxmlformats.org/officeDocument/2006/relationships" xmlns:mc="http://schemas.openxmlformats.org/markup-compatibility/2006" xmlns:mv="urn:schemas-microsoft-com:mac:vml" xmlns:p="http://schemas.openxmlformats.org/presentationml/2006/main" xmlns:c="http://schemas.openxmlformats.org/drawingml/2006/chart" xmlns:dgm="http://schemas.openxmlformats.org/drawingml/2006/diagram" xmlns:o="urn:schemas-microsoft-com:office:office" xmlns:v="urn:schemas-microsoft-com:vml" xmlns:pvml="urn:schemas-microsoft-com:office:powerpoint" xmlns:com="http://schemas.openxmlformats.org/drawingml/2006/compatibility" xmlns:p14="http://schemas.microsoft.com/office/powerpoint/2010/main" xmlns:p15="http://schemas.microsoft.com/office/powerpoint/2012/main" xmlns:ahyp="http://schemas.microsoft.com/office/drawing/2018/hyperlinkcolor" autoCompressPictures="0" embedTrueTypeFonts="1" strictFirstAndLastChars="0" saveSubsetFonts="1">
+<p:presentation xmlns:a="http://schemas.openxmlformats.org/drawingml/2006/main" xmlns:r="http://schemas.openxmlformats.org/officeDocument/2006/relationships" xmlns:p="http://schemas.openxmlformats.org/presentationml/2006/main" strictFirstAndLastChars="0" embedTrueTypeFonts="1" saveSubsetFonts="1" autoCompressPictures="0">
   <p:sldMasterIdLst>
-    <p:sldMasterId id="2147483659" r:id="rId4"/>
+    <p:sldMasterId id="2147483659" r:id="rId1"/>
   </p:sldMasterIdLst>
   <p:notesMasterIdLst>
-    <p:notesMasterId r:id="rId5"/>
+    <p:notesMasterId r:id="rId14"/>
   </p:notesMasterIdLst>
   <p:sldIdLst>
-    <p:sldId id="256" r:id="rId6"/>
-    <p:sldId id="257" r:id="rId7"/>
-    <p:sldId id="258" r:id="rId8"/>
-    <p:sldId id="259" r:id="rId9"/>
-    <p:sldId id="260" r:id="rId10"/>
-    <p:sldId id="261" r:id="rId11"/>
-    <p:sldId id="262" r:id="rId12"/>
-    <p:sldId id="263" r:id="rId13"/>
-    <p:sldId id="264" r:id="rId14"/>
-    <p:sldId id="265" r:id="rId15"/>
-    <p:sldId id="266" r:id="rId16"/>
-    <p:sldId id="267" r:id="rId17"/>
+    <p:sldId id="256" r:id="rId2"/>
+    <p:sldId id="257" r:id="rId3"/>
+    <p:sldId id="258" r:id="rId4"/>
+    <p:sldId id="259" r:id="rId5"/>
+    <p:sldId id="260" r:id="rId6"/>
+    <p:sldId id="261" r:id="rId7"/>
+    <p:sldId id="262" r:id="rId8"/>
+    <p:sldId id="263" r:id="rId9"/>
+    <p:sldId id="264" r:id="rId10"/>
+    <p:sldId id="265" r:id="rId11"/>
+    <p:sldId id="266" r:id="rId12"/>
+    <p:sldId id="267" r:id="rId13"/>
   </p:sldIdLst>
-  <p:sldSz cy="5143500" cx="9144000"/>
+  <p:sldSz cx="9144000" cy="5143500" type="screen16x9"/>
   <p:notesSz cx="6858000" cy="9144000"/>
   <p:embeddedFontLst>
     <p:embeddedFont>
-      <p:font typeface="Old Standard TT"/>
-      <p:regular r:id="rId18"/>
-      <p:bold r:id="rId19"/>
-      <p:italic r:id="rId20"/>
+      <p:font typeface="Old Standard TT" panose="020B0604020202020204" charset="0"/>
+      <p:regular r:id="rId15"/>
+      <p:bold r:id="rId16"/>
+      <p:italic r:id="rId17"/>
     </p:embeddedFont>
   </p:embeddedFontLst>
   <p:defaultTextStyle>
-    <a:defPPr lvl="0" marR="0" rtl="0" algn="l">
+    <a:defPPr marR="0" lvl="0" algn="l" rtl="0">
       <a:lnSpc>
         <a:spcPct val="100000"/>
       </a:lnSpc>
@@ -43,7 +43,7 @@
         <a:spcPts val="0"/>
       </a:spcAft>
     </a:defPPr>
-    <a:lvl1pPr lvl="0" marR="0" rtl="0" algn="l">
+    <a:lvl1pPr marR="0" lvl="0" algn="l" rtl="0">
       <a:lnSpc>
         <a:spcPct val="100000"/>
       </a:lnSpc>
@@ -57,7 +57,7 @@
         <a:srgbClr val="000000"/>
       </a:buClr>
       <a:buFont typeface="Arial"/>
-      <a:defRPr b="0" i="0" sz="1400" u="none" cap="none" strike="noStrike">
+      <a:defRPr sz="1400" b="0" i="0" u="none" strike="noStrike" cap="none">
         <a:solidFill>
           <a:srgbClr val="000000"/>
         </a:solidFill>
@@ -67,7 +67,7 @@
         <a:sym typeface="Arial"/>
       </a:defRPr>
     </a:lvl1pPr>
-    <a:lvl2pPr lvl="1" marR="0" rtl="0" algn="l">
+    <a:lvl2pPr marR="0" lvl="1" algn="l" rtl="0">
       <a:lnSpc>
         <a:spcPct val="100000"/>
       </a:lnSpc>
@@ -81,7 +81,7 @@
         <a:srgbClr val="000000"/>
       </a:buClr>
       <a:buFont typeface="Arial"/>
-      <a:defRPr b="0" i="0" sz="1400" u="none" cap="none" strike="noStrike">
+      <a:defRPr sz="1400" b="0" i="0" u="none" strike="noStrike" cap="none">
         <a:solidFill>
           <a:srgbClr val="000000"/>
         </a:solidFill>
@@ -91,7 +91,7 @@
         <a:sym typeface="Arial"/>
       </a:defRPr>
     </a:lvl2pPr>
-    <a:lvl3pPr lvl="2" marR="0" rtl="0" algn="l">
+    <a:lvl3pPr marR="0" lvl="2" algn="l" rtl="0">
       <a:lnSpc>
         <a:spcPct val="100000"/>
       </a:lnSpc>
@@ -105,7 +105,7 @@
         <a:srgbClr val="000000"/>
       </a:buClr>
       <a:buFont typeface="Arial"/>
-      <a:defRPr b="0" i="0" sz="1400" u="none" cap="none" strike="noStrike">
+      <a:defRPr sz="1400" b="0" i="0" u="none" strike="noStrike" cap="none">
         <a:solidFill>
           <a:srgbClr val="000000"/>
         </a:solidFill>
@@ -115,7 +115,7 @@
         <a:sym typeface="Arial"/>
       </a:defRPr>
     </a:lvl3pPr>
-    <a:lvl4pPr lvl="3" marR="0" rtl="0" algn="l">
+    <a:lvl4pPr marR="0" lvl="3" algn="l" rtl="0">
       <a:lnSpc>
         <a:spcPct val="100000"/>
       </a:lnSpc>
@@ -129,7 +129,7 @@
         <a:srgbClr val="000000"/>
       </a:buClr>
       <a:buFont typeface="Arial"/>
-      <a:defRPr b="0" i="0" sz="1400" u="none" cap="none" strike="noStrike">
+      <a:defRPr sz="1400" b="0" i="0" u="none" strike="noStrike" cap="none">
         <a:solidFill>
           <a:srgbClr val="000000"/>
         </a:solidFill>
@@ -139,7 +139,7 @@
         <a:sym typeface="Arial"/>
       </a:defRPr>
     </a:lvl4pPr>
-    <a:lvl5pPr lvl="4" marR="0" rtl="0" algn="l">
+    <a:lvl5pPr marR="0" lvl="4" algn="l" rtl="0">
       <a:lnSpc>
         <a:spcPct val="100000"/>
       </a:lnSpc>
@@ -153,7 +153,7 @@
         <a:srgbClr val="000000"/>
       </a:buClr>
       <a:buFont typeface="Arial"/>
-      <a:defRPr b="0" i="0" sz="1400" u="none" cap="none" strike="noStrike">
+      <a:defRPr sz="1400" b="0" i="0" u="none" strike="noStrike" cap="none">
         <a:solidFill>
           <a:srgbClr val="000000"/>
         </a:solidFill>
@@ -163,7 +163,7 @@
         <a:sym typeface="Arial"/>
       </a:defRPr>
     </a:lvl5pPr>
-    <a:lvl6pPr lvl="5" marR="0" rtl="0" algn="l">
+    <a:lvl6pPr marR="0" lvl="5" algn="l" rtl="0">
       <a:lnSpc>
         <a:spcPct val="100000"/>
       </a:lnSpc>
@@ -177,7 +177,7 @@
         <a:srgbClr val="000000"/>
       </a:buClr>
       <a:buFont typeface="Arial"/>
-      <a:defRPr b="0" i="0" sz="1400" u="none" cap="none" strike="noStrike">
+      <a:defRPr sz="1400" b="0" i="0" u="none" strike="noStrike" cap="none">
         <a:solidFill>
           <a:srgbClr val="000000"/>
         </a:solidFill>
@@ -187,7 +187,7 @@
         <a:sym typeface="Arial"/>
       </a:defRPr>
     </a:lvl6pPr>
-    <a:lvl7pPr lvl="6" marR="0" rtl="0" algn="l">
+    <a:lvl7pPr marR="0" lvl="6" algn="l" rtl="0">
       <a:lnSpc>
         <a:spcPct val="100000"/>
       </a:lnSpc>
@@ -201,7 +201,7 @@
         <a:srgbClr val="000000"/>
       </a:buClr>
       <a:buFont typeface="Arial"/>
-      <a:defRPr b="0" i="0" sz="1400" u="none" cap="none" strike="noStrike">
+      <a:defRPr sz="1400" b="0" i="0" u="none" strike="noStrike" cap="none">
         <a:solidFill>
           <a:srgbClr val="000000"/>
         </a:solidFill>
@@ -211,7 +211,7 @@
         <a:sym typeface="Arial"/>
       </a:defRPr>
     </a:lvl7pPr>
-    <a:lvl8pPr lvl="7" marR="0" rtl="0" algn="l">
+    <a:lvl8pPr marR="0" lvl="7" algn="l" rtl="0">
       <a:lnSpc>
         <a:spcPct val="100000"/>
       </a:lnSpc>
@@ -225,7 +225,7 @@
         <a:srgbClr val="000000"/>
       </a:buClr>
       <a:buFont typeface="Arial"/>
-      <a:defRPr b="0" i="0" sz="1400" u="none" cap="none" strike="noStrike">
+      <a:defRPr sz="1400" b="0" i="0" u="none" strike="noStrike" cap="none">
         <a:solidFill>
           <a:srgbClr val="000000"/>
         </a:solidFill>
@@ -235,7 +235,7 @@
         <a:sym typeface="Arial"/>
       </a:defRPr>
     </a:lvl8pPr>
-    <a:lvl9pPr lvl="8" marR="0" rtl="0" algn="l">
+    <a:lvl9pPr marR="0" lvl="8" algn="l" rtl="0">
       <a:lnSpc>
         <a:spcPct val="100000"/>
       </a:lnSpc>
@@ -249,7 +249,7 @@
         <a:srgbClr val="000000"/>
       </a:buClr>
       <a:buFont typeface="Arial"/>
-      <a:defRPr b="0" i="0" sz="1400" u="none" cap="none" strike="noStrike">
+      <a:defRPr sz="1400" b="0" i="0" u="none" strike="noStrike" cap="none">
         <a:solidFill>
           <a:srgbClr val="000000"/>
         </a:solidFill>
@@ -262,7 +262,7 @@
   </p:defaultTextStyle>
   <p:extLst>
     <p:ext uri="{EFAFB233-063F-42B5-8137-9DF3F51BA10A}">
-      <p15:sldGuideLst>
+      <p15:sldGuideLst xmlns:p15="http://schemas.microsoft.com/office/powerpoint/2012/main">
         <p15:guide id="1" orient="horz" pos="1620">
           <p15:clr>
             <a:srgbClr val="A4A3A4"/>
@@ -280,11 +280,16 @@
 </file>
 
 <file path=ppt/notesMasters/notesMaster1.xml><?xml version="1.0" encoding="utf-8"?>
-<p:notesMaster xmlns:a="http://schemas.openxmlformats.org/drawingml/2006/main" xmlns:r="http://schemas.openxmlformats.org/officeDocument/2006/relationships" xmlns:mc="http://schemas.openxmlformats.org/markup-compatibility/2006" xmlns:mv="urn:schemas-microsoft-com:mac:vml" xmlns:p="http://schemas.openxmlformats.org/presentationml/2006/main" xmlns:c="http://schemas.openxmlformats.org/drawingml/2006/chart" xmlns:dgm="http://schemas.openxmlformats.org/drawingml/2006/diagram" xmlns:o="urn:schemas-microsoft-com:office:office" xmlns:v="urn:schemas-microsoft-com:vml" xmlns:pvml="urn:schemas-microsoft-com:office:powerpoint" xmlns:com="http://schemas.openxmlformats.org/drawingml/2006/compatibility" xmlns:p14="http://schemas.microsoft.com/office/powerpoint/2010/main" xmlns:p15="http://schemas.microsoft.com/office/powerpoint/2012/main" xmlns:ahyp="http://schemas.microsoft.com/office/drawing/2018/hyperlinkcolor">
+<p:notesMaster xmlns:a="http://schemas.openxmlformats.org/drawingml/2006/main" xmlns:r="http://schemas.openxmlformats.org/officeDocument/2006/relationships" xmlns:p="http://schemas.openxmlformats.org/presentationml/2006/main">
   <p:cSld>
+    <p:bg>
+      <p:bgRef idx="1001">
+        <a:schemeClr val="bg1"/>
+      </p:bgRef>
+    </p:bg>
     <p:spTree>
       <p:nvGrpSpPr>
-        <p:cNvPr id="2" name="Shape 2"/>
+        <p:cNvPr id="1" name="Shape 2"/>
         <p:cNvGrpSpPr/>
         <p:nvPr/>
       </p:nvGrpSpPr>
@@ -299,9 +304,11 @@
       <p:sp>
         <p:nvSpPr>
           <p:cNvPr id="3" name="Google Shape;3;n"/>
-          <p:cNvSpPr/>
+          <p:cNvSpPr>
+            <a:spLocks noGrp="1" noRot="1" noChangeAspect="1"/>
+          </p:cNvSpPr>
           <p:nvPr>
-            <p:ph idx="2" type="sldImg"/>
+            <p:ph type="sldImg" idx="2"/>
           </p:nvPr>
         </p:nvSpPr>
         <p:spPr>
@@ -310,9 +317,13 @@
             <a:ext cx="6096075" cy="3429000"/>
           </a:xfrm>
           <a:custGeom>
-            <a:rect b="b" l="l" r="r" t="t"/>
+            <a:avLst/>
+            <a:gdLst/>
+            <a:ahLst/>
+            <a:cxnLst/>
+            <a:rect l="l" t="t" r="r" b="b"/>
             <a:pathLst>
-              <a:path extrusionOk="0" h="120000" w="120000">
+              <a:path w="120000" h="120000" extrusionOk="0">
                 <a:moveTo>
                   <a:pt x="0" y="0"/>
                 </a:moveTo>
@@ -330,23 +341,25 @@
             </a:pathLst>
           </a:custGeom>
           <a:noFill/>
-          <a:ln cap="flat" cmpd="sng" w="9525">
+          <a:ln w="9525" cap="flat" cmpd="sng">
             <a:solidFill>
               <a:srgbClr val="000000"/>
             </a:solidFill>
             <a:prstDash val="solid"/>
             <a:round/>
-            <a:headEnd len="sm" w="sm" type="none"/>
-            <a:tailEnd len="sm" w="sm" type="none"/>
+            <a:headEnd type="none" w="sm" len="sm"/>
+            <a:tailEnd type="none" w="sm" len="sm"/>
           </a:ln>
         </p:spPr>
       </p:sp>
       <p:sp>
         <p:nvSpPr>
           <p:cNvPr id="4" name="Google Shape;4;n"/>
-          <p:cNvSpPr txBox="1"/>
+          <p:cNvSpPr txBox="1">
+            <a:spLocks noGrp="1"/>
+          </p:cNvSpPr>
           <p:nvPr>
-            <p:ph idx="1" type="body"/>
+            <p:ph type="body" idx="1"/>
           </p:nvPr>
         </p:nvSpPr>
         <p:spPr>
@@ -363,11 +376,11 @@
           </a:ln>
         </p:spPr>
         <p:txBody>
-          <a:bodyPr anchorCtr="0" anchor="t" bIns="91425" lIns="91425" spcFirstLastPara="1" rIns="91425" wrap="square" tIns="91425">
+          <a:bodyPr spcFirstLastPara="1" wrap="square" lIns="91425" tIns="91425" rIns="91425" bIns="91425" anchor="t" anchorCtr="0">
             <a:noAutofit/>
           </a:bodyPr>
           <a:lstStyle>
-            <a:lvl1pPr indent="-298450" lvl="0" marL="457200">
+            <a:lvl1pPr marL="457200" lvl="0" indent="-298450">
               <a:spcBef>
                 <a:spcPts val="0"/>
               </a:spcBef>
@@ -378,7 +391,7 @@
               <a:buChar char="●"/>
               <a:defRPr sz="1100"/>
             </a:lvl1pPr>
-            <a:lvl2pPr indent="-298450" lvl="1" marL="914400">
+            <a:lvl2pPr marL="914400" lvl="1" indent="-298450">
               <a:spcBef>
                 <a:spcPts val="0"/>
               </a:spcBef>
@@ -389,7 +402,7 @@
               <a:buChar char="○"/>
               <a:defRPr sz="1100"/>
             </a:lvl2pPr>
-            <a:lvl3pPr indent="-298450" lvl="2" marL="1371600">
+            <a:lvl3pPr marL="1371600" lvl="2" indent="-298450">
               <a:spcBef>
                 <a:spcPts val="0"/>
               </a:spcBef>
@@ -400,7 +413,7 @@
               <a:buChar char="■"/>
               <a:defRPr sz="1100"/>
             </a:lvl3pPr>
-            <a:lvl4pPr indent="-298450" lvl="3" marL="1828800">
+            <a:lvl4pPr marL="1828800" lvl="3" indent="-298450">
               <a:spcBef>
                 <a:spcPts val="0"/>
               </a:spcBef>
@@ -411,7 +424,7 @@
               <a:buChar char="●"/>
               <a:defRPr sz="1100"/>
             </a:lvl4pPr>
-            <a:lvl5pPr indent="-298450" lvl="4" marL="2286000">
+            <a:lvl5pPr marL="2286000" lvl="4" indent="-298450">
               <a:spcBef>
                 <a:spcPts val="0"/>
               </a:spcBef>
@@ -422,7 +435,7 @@
               <a:buChar char="○"/>
               <a:defRPr sz="1100"/>
             </a:lvl5pPr>
-            <a:lvl6pPr indent="-298450" lvl="5" marL="2743200">
+            <a:lvl6pPr marL="2743200" lvl="5" indent="-298450">
               <a:spcBef>
                 <a:spcPts val="0"/>
               </a:spcBef>
@@ -433,7 +446,7 @@
               <a:buChar char="■"/>
               <a:defRPr sz="1100"/>
             </a:lvl6pPr>
-            <a:lvl7pPr indent="-298450" lvl="6" marL="3200400">
+            <a:lvl7pPr marL="3200400" lvl="6" indent="-298450">
               <a:spcBef>
                 <a:spcPts val="0"/>
               </a:spcBef>
@@ -444,7 +457,7 @@
               <a:buChar char="●"/>
               <a:defRPr sz="1100"/>
             </a:lvl7pPr>
-            <a:lvl8pPr indent="-298450" lvl="7" marL="3657600">
+            <a:lvl8pPr marL="3657600" lvl="7" indent="-298450">
               <a:spcBef>
                 <a:spcPts val="0"/>
               </a:spcBef>
@@ -455,7 +468,7 @@
               <a:buChar char="○"/>
               <a:defRPr sz="1100"/>
             </a:lvl8pPr>
-            <a:lvl9pPr indent="-298450" lvl="8" marL="4114800">
+            <a:lvl9pPr marL="4114800" lvl="8" indent="-298450">
               <a:spcBef>
                 <a:spcPts val="0"/>
               </a:spcBef>
@@ -467,14 +480,16 @@
               <a:defRPr sz="1100"/>
             </a:lvl9pPr>
           </a:lstStyle>
-          <a:p/>
+          <a:p>
+            <a:endParaRPr/>
+          </a:p>
         </p:txBody>
       </p:sp>
     </p:spTree>
   </p:cSld>
-  <p:clrMap accent1="accent1" accent2="accent2" accent3="accent3" accent4="accent4" accent5="accent5" accent6="accent6" bg1="lt1" bg2="dk2" tx1="dk1" tx2="lt2" folHlink="folHlink" hlink="hlink"/>
+  <p:clrMap bg1="lt1" tx1="dk1" bg2="dk2" tx2="lt2" accent1="accent1" accent2="accent2" accent3="accent3" accent4="accent4" accent5="accent5" accent6="accent6" hlink="hlink" folHlink="folHlink"/>
   <p:notesStyle>
-    <a:defPPr lvl="0" marR="0" rtl="0" algn="l">
+    <a:defPPr marR="0" lvl="0" algn="l" rtl="0">
       <a:lnSpc>
         <a:spcPct val="100000"/>
       </a:lnSpc>
@@ -485,7 +500,7 @@
         <a:spcPts val="0"/>
       </a:spcAft>
     </a:defPPr>
-    <a:lvl1pPr lvl="0" marR="0" rtl="0" algn="l">
+    <a:lvl1pPr marR="0" lvl="0" algn="l" rtl="0">
       <a:lnSpc>
         <a:spcPct val="100000"/>
       </a:lnSpc>
@@ -499,7 +514,7 @@
         <a:srgbClr val="000000"/>
       </a:buClr>
       <a:buFont typeface="Arial"/>
-      <a:defRPr b="0" i="0" sz="1400" u="none" cap="none" strike="noStrike">
+      <a:defRPr sz="1400" b="0" i="0" u="none" strike="noStrike" cap="none">
         <a:solidFill>
           <a:srgbClr val="000000"/>
         </a:solidFill>
@@ -509,7 +524,7 @@
         <a:sym typeface="Arial"/>
       </a:defRPr>
     </a:lvl1pPr>
-    <a:lvl2pPr lvl="1" marR="0" rtl="0" algn="l">
+    <a:lvl2pPr marR="0" lvl="1" algn="l" rtl="0">
       <a:lnSpc>
         <a:spcPct val="100000"/>
       </a:lnSpc>
@@ -523,7 +538,7 @@
         <a:srgbClr val="000000"/>
       </a:buClr>
       <a:buFont typeface="Arial"/>
-      <a:defRPr b="0" i="0" sz="1400" u="none" cap="none" strike="noStrike">
+      <a:defRPr sz="1400" b="0" i="0" u="none" strike="noStrike" cap="none">
         <a:solidFill>
           <a:srgbClr val="000000"/>
         </a:solidFill>
@@ -533,7 +548,7 @@
         <a:sym typeface="Arial"/>
       </a:defRPr>
     </a:lvl2pPr>
-    <a:lvl3pPr lvl="2" marR="0" rtl="0" algn="l">
+    <a:lvl3pPr marR="0" lvl="2" algn="l" rtl="0">
       <a:lnSpc>
         <a:spcPct val="100000"/>
       </a:lnSpc>
@@ -547,7 +562,7 @@
         <a:srgbClr val="000000"/>
       </a:buClr>
       <a:buFont typeface="Arial"/>
-      <a:defRPr b="0" i="0" sz="1400" u="none" cap="none" strike="noStrike">
+      <a:defRPr sz="1400" b="0" i="0" u="none" strike="noStrike" cap="none">
         <a:solidFill>
           <a:srgbClr val="000000"/>
         </a:solidFill>
@@ -557,7 +572,7 @@
         <a:sym typeface="Arial"/>
       </a:defRPr>
     </a:lvl3pPr>
-    <a:lvl4pPr lvl="3" marR="0" rtl="0" algn="l">
+    <a:lvl4pPr marR="0" lvl="3" algn="l" rtl="0">
       <a:lnSpc>
         <a:spcPct val="100000"/>
       </a:lnSpc>
@@ -571,7 +586,7 @@
         <a:srgbClr val="000000"/>
       </a:buClr>
       <a:buFont typeface="Arial"/>
-      <a:defRPr b="0" i="0" sz="1400" u="none" cap="none" strike="noStrike">
+      <a:defRPr sz="1400" b="0" i="0" u="none" strike="noStrike" cap="none">
         <a:solidFill>
           <a:srgbClr val="000000"/>
         </a:solidFill>
@@ -581,7 +596,7 @@
         <a:sym typeface="Arial"/>
       </a:defRPr>
     </a:lvl4pPr>
-    <a:lvl5pPr lvl="4" marR="0" rtl="0" algn="l">
+    <a:lvl5pPr marR="0" lvl="4" algn="l" rtl="0">
       <a:lnSpc>
         <a:spcPct val="100000"/>
       </a:lnSpc>
@@ -595,7 +610,7 @@
         <a:srgbClr val="000000"/>
       </a:buClr>
       <a:buFont typeface="Arial"/>
-      <a:defRPr b="0" i="0" sz="1400" u="none" cap="none" strike="noStrike">
+      <a:defRPr sz="1400" b="0" i="0" u="none" strike="noStrike" cap="none">
         <a:solidFill>
           <a:srgbClr val="000000"/>
         </a:solidFill>
@@ -605,7 +620,7 @@
         <a:sym typeface="Arial"/>
       </a:defRPr>
     </a:lvl5pPr>
-    <a:lvl6pPr lvl="5" marR="0" rtl="0" algn="l">
+    <a:lvl6pPr marR="0" lvl="5" algn="l" rtl="0">
       <a:lnSpc>
         <a:spcPct val="100000"/>
       </a:lnSpc>
@@ -619,7 +634,7 @@
         <a:srgbClr val="000000"/>
       </a:buClr>
       <a:buFont typeface="Arial"/>
-      <a:defRPr b="0" i="0" sz="1400" u="none" cap="none" strike="noStrike">
+      <a:defRPr sz="1400" b="0" i="0" u="none" strike="noStrike" cap="none">
         <a:solidFill>
           <a:srgbClr val="000000"/>
         </a:solidFill>
@@ -629,7 +644,7 @@
         <a:sym typeface="Arial"/>
       </a:defRPr>
     </a:lvl6pPr>
-    <a:lvl7pPr lvl="6" marR="0" rtl="0" algn="l">
+    <a:lvl7pPr marR="0" lvl="6" algn="l" rtl="0">
       <a:lnSpc>
         <a:spcPct val="100000"/>
       </a:lnSpc>
@@ -643,7 +658,7 @@
         <a:srgbClr val="000000"/>
       </a:buClr>
       <a:buFont typeface="Arial"/>
-      <a:defRPr b="0" i="0" sz="1400" u="none" cap="none" strike="noStrike">
+      <a:defRPr sz="1400" b="0" i="0" u="none" strike="noStrike" cap="none">
         <a:solidFill>
           <a:srgbClr val="000000"/>
         </a:solidFill>
@@ -653,7 +668,7 @@
         <a:sym typeface="Arial"/>
       </a:defRPr>
     </a:lvl7pPr>
-    <a:lvl8pPr lvl="7" marR="0" rtl="0" algn="l">
+    <a:lvl8pPr marR="0" lvl="7" algn="l" rtl="0">
       <a:lnSpc>
         <a:spcPct val="100000"/>
       </a:lnSpc>
@@ -667,7 +682,7 @@
         <a:srgbClr val="000000"/>
       </a:buClr>
       <a:buFont typeface="Arial"/>
-      <a:defRPr b="0" i="0" sz="1400" u="none" cap="none" strike="noStrike">
+      <a:defRPr sz="1400" b="0" i="0" u="none" strike="noStrike" cap="none">
         <a:solidFill>
           <a:srgbClr val="000000"/>
         </a:solidFill>
@@ -677,7 +692,7 @@
         <a:sym typeface="Arial"/>
       </a:defRPr>
     </a:lvl8pPr>
-    <a:lvl9pPr lvl="8" marR="0" rtl="0" algn="l">
+    <a:lvl9pPr marR="0" lvl="8" algn="l" rtl="0">
       <a:lnSpc>
         <a:spcPct val="100000"/>
       </a:lnSpc>
@@ -691,7 +706,7 @@
         <a:srgbClr val="000000"/>
       </a:buClr>
       <a:buFont typeface="Arial"/>
-      <a:defRPr b="0" i="0" sz="1400" u="none" cap="none" strike="noStrike">
+      <a:defRPr sz="1400" b="0" i="0" u="none" strike="noStrike" cap="none">
         <a:solidFill>
           <a:srgbClr val="000000"/>
         </a:solidFill>
@@ -706,11 +721,11 @@
 </file>
 
 <file path=ppt/notesSlides/notesSlide1.xml><?xml version="1.0" encoding="utf-8"?>
-<p:notes xmlns:a="http://schemas.openxmlformats.org/drawingml/2006/main" xmlns:r="http://schemas.openxmlformats.org/officeDocument/2006/relationships" xmlns:mc="http://schemas.openxmlformats.org/markup-compatibility/2006" xmlns:mv="urn:schemas-microsoft-com:mac:vml" xmlns:p="http://schemas.openxmlformats.org/presentationml/2006/main" xmlns:c="http://schemas.openxmlformats.org/drawingml/2006/chart" xmlns:dgm="http://schemas.openxmlformats.org/drawingml/2006/diagram" xmlns:o="urn:schemas-microsoft-com:office:office" xmlns:v="urn:schemas-microsoft-com:vml" xmlns:pvml="urn:schemas-microsoft-com:office:powerpoint" xmlns:com="http://schemas.openxmlformats.org/drawingml/2006/compatibility" xmlns:p14="http://schemas.microsoft.com/office/powerpoint/2010/main" xmlns:p15="http://schemas.microsoft.com/office/powerpoint/2012/main" xmlns:ahyp="http://schemas.microsoft.com/office/drawing/2018/hyperlinkcolor" showMasterPhAnim="0" showMasterSp="0">
+<p:notes xmlns:a="http://schemas.openxmlformats.org/drawingml/2006/main" xmlns:r="http://schemas.openxmlformats.org/officeDocument/2006/relationships" xmlns:p="http://schemas.openxmlformats.org/presentationml/2006/main" showMasterSp="0" showMasterPhAnim="0">
   <p:cSld>
     <p:spTree>
       <p:nvGrpSpPr>
-        <p:cNvPr id="55" name="Shape 55"/>
+        <p:cNvPr id="1" name="Shape 55"/>
         <p:cNvGrpSpPr/>
         <p:nvPr/>
       </p:nvGrpSpPr>
@@ -725,20 +740,26 @@
       <p:sp>
         <p:nvSpPr>
           <p:cNvPr id="56" name="Google Shape;56;g8f72228869_0_21:notes"/>
-          <p:cNvSpPr/>
+          <p:cNvSpPr>
+            <a:spLocks noGrp="1" noRot="1" noChangeAspect="1"/>
+          </p:cNvSpPr>
           <p:nvPr>
-            <p:ph idx="2" type="sldImg"/>
+            <p:ph type="sldImg" idx="2"/>
           </p:nvPr>
         </p:nvSpPr>
         <p:spPr>
           <a:xfrm>
-            <a:off x="381300" y="685800"/>
+            <a:off x="381000" y="685800"/>
             <a:ext cx="6096000" cy="3429000"/>
           </a:xfrm>
           <a:custGeom>
-            <a:rect b="b" l="l" r="r" t="t"/>
+            <a:avLst/>
+            <a:gdLst/>
+            <a:ahLst/>
+            <a:cxnLst/>
+            <a:rect l="l" t="t" r="r" b="b"/>
             <a:pathLst>
-              <a:path extrusionOk="0" h="120000" w="120000">
+              <a:path w="120000" h="120000" extrusionOk="0">
                 <a:moveTo>
                   <a:pt x="0" y="0"/>
                 </a:moveTo>
@@ -760,9 +781,11 @@
       <p:sp>
         <p:nvSpPr>
           <p:cNvPr id="57" name="Google Shape;57;g8f72228869_0_21:notes"/>
-          <p:cNvSpPr txBox="1"/>
+          <p:cNvSpPr txBox="1">
+            <a:spLocks noGrp="1"/>
+          </p:cNvSpPr>
           <p:nvPr>
-            <p:ph idx="1" type="body"/>
+            <p:ph type="body" idx="1"/>
           </p:nvPr>
         </p:nvSpPr>
         <p:spPr>
@@ -775,12 +798,12 @@
           </a:prstGeom>
         </p:spPr>
         <p:txBody>
-          <a:bodyPr anchorCtr="0" anchor="t" bIns="91425" lIns="91425" spcFirstLastPara="1" rIns="91425" wrap="square" tIns="91425">
+          <a:bodyPr spcFirstLastPara="1" wrap="square" lIns="91425" tIns="91425" rIns="91425" bIns="91425" anchor="t" anchorCtr="0">
             <a:noAutofit/>
           </a:bodyPr>
           <a:lstStyle/>
           <a:p>
-            <a:pPr indent="0" lvl="0" marL="0" rtl="0" algn="l">
+            <a:pPr marL="0" lvl="0" indent="0" algn="l" rtl="0">
               <a:spcBef>
                 <a:spcPts val="0"/>
               </a:spcBef>
@@ -789,9 +812,6 @@
               </a:spcAft>
               <a:buNone/>
             </a:pPr>
-            <a:r>
-              <a:t/>
-            </a:r>
             <a:endParaRPr/>
           </a:p>
         </p:txBody>
@@ -805,11 +825,11 @@
 </file>
 
 <file path=ppt/notesSlides/notesSlide10.xml><?xml version="1.0" encoding="utf-8"?>
-<p:notes xmlns:a="http://schemas.openxmlformats.org/drawingml/2006/main" xmlns:r="http://schemas.openxmlformats.org/officeDocument/2006/relationships" xmlns:mc="http://schemas.openxmlformats.org/markup-compatibility/2006" xmlns:mv="urn:schemas-microsoft-com:mac:vml" xmlns:p="http://schemas.openxmlformats.org/presentationml/2006/main" xmlns:c="http://schemas.openxmlformats.org/drawingml/2006/chart" xmlns:dgm="http://schemas.openxmlformats.org/drawingml/2006/diagram" xmlns:o="urn:schemas-microsoft-com:office:office" xmlns:v="urn:schemas-microsoft-com:vml" xmlns:pvml="urn:schemas-microsoft-com:office:powerpoint" xmlns:com="http://schemas.openxmlformats.org/drawingml/2006/compatibility" xmlns:p14="http://schemas.microsoft.com/office/powerpoint/2010/main" xmlns:p15="http://schemas.microsoft.com/office/powerpoint/2012/main" xmlns:ahyp="http://schemas.microsoft.com/office/drawing/2018/hyperlinkcolor" showMasterPhAnim="0" showMasterSp="0">
+<p:notes xmlns:a="http://schemas.openxmlformats.org/drawingml/2006/main" xmlns:r="http://schemas.openxmlformats.org/officeDocument/2006/relationships" xmlns:p="http://schemas.openxmlformats.org/presentationml/2006/main" showMasterSp="0" showMasterPhAnim="0">
   <p:cSld>
     <p:spTree>
       <p:nvGrpSpPr>
-        <p:cNvPr id="119" name="Shape 119"/>
+        <p:cNvPr id="1" name="Shape 119"/>
         <p:cNvGrpSpPr/>
         <p:nvPr/>
       </p:nvGrpSpPr>
@@ -824,9 +844,11 @@
       <p:sp>
         <p:nvSpPr>
           <p:cNvPr id="120" name="Google Shape;120;g8f72228936_1_796:notes"/>
-          <p:cNvSpPr/>
+          <p:cNvSpPr>
+            <a:spLocks noGrp="1" noRot="1" noChangeAspect="1"/>
+          </p:cNvSpPr>
           <p:nvPr>
-            <p:ph idx="2" type="sldImg"/>
+            <p:ph type="sldImg" idx="2"/>
           </p:nvPr>
         </p:nvSpPr>
         <p:spPr>
@@ -835,9 +857,13 @@
             <a:ext cx="6096000" cy="3429000"/>
           </a:xfrm>
           <a:custGeom>
-            <a:rect b="b" l="l" r="r" t="t"/>
+            <a:avLst/>
+            <a:gdLst/>
+            <a:ahLst/>
+            <a:cxnLst/>
+            <a:rect l="l" t="t" r="r" b="b"/>
             <a:pathLst>
-              <a:path extrusionOk="0" h="120000" w="120000">
+              <a:path w="120000" h="120000" extrusionOk="0">
                 <a:moveTo>
                   <a:pt x="0" y="0"/>
                 </a:moveTo>
@@ -859,9 +885,11 @@
       <p:sp>
         <p:nvSpPr>
           <p:cNvPr id="121" name="Google Shape;121;g8f72228936_1_796:notes"/>
-          <p:cNvSpPr txBox="1"/>
+          <p:cNvSpPr txBox="1">
+            <a:spLocks noGrp="1"/>
+          </p:cNvSpPr>
           <p:nvPr>
-            <p:ph idx="1" type="body"/>
+            <p:ph type="body" idx="1"/>
           </p:nvPr>
         </p:nvSpPr>
         <p:spPr>
@@ -874,12 +902,12 @@
           </a:prstGeom>
         </p:spPr>
         <p:txBody>
-          <a:bodyPr anchorCtr="0" anchor="t" bIns="91425" lIns="91425" spcFirstLastPara="1" rIns="91425" wrap="square" tIns="91425">
+          <a:bodyPr spcFirstLastPara="1" wrap="square" lIns="91425" tIns="91425" rIns="91425" bIns="91425" anchor="t" anchorCtr="0">
             <a:noAutofit/>
           </a:bodyPr>
           <a:lstStyle/>
           <a:p>
-            <a:pPr indent="0" lvl="0" marL="0" rtl="0" algn="l">
+            <a:pPr marL="0" lvl="0" indent="0" algn="l" rtl="0">
               <a:spcBef>
                 <a:spcPts val="0"/>
               </a:spcBef>
@@ -888,9 +916,6 @@
               </a:spcAft>
               <a:buNone/>
             </a:pPr>
-            <a:r>
-              <a:t/>
-            </a:r>
             <a:endParaRPr/>
           </a:p>
         </p:txBody>
@@ -904,11 +929,11 @@
 </file>
 
 <file path=ppt/notesSlides/notesSlide11.xml><?xml version="1.0" encoding="utf-8"?>
-<p:notes xmlns:a="http://schemas.openxmlformats.org/drawingml/2006/main" xmlns:r="http://schemas.openxmlformats.org/officeDocument/2006/relationships" xmlns:mc="http://schemas.openxmlformats.org/markup-compatibility/2006" xmlns:mv="urn:schemas-microsoft-com:mac:vml" xmlns:p="http://schemas.openxmlformats.org/presentationml/2006/main" xmlns:c="http://schemas.openxmlformats.org/drawingml/2006/chart" xmlns:dgm="http://schemas.openxmlformats.org/drawingml/2006/diagram" xmlns:o="urn:schemas-microsoft-com:office:office" xmlns:v="urn:schemas-microsoft-com:vml" xmlns:pvml="urn:schemas-microsoft-com:office:powerpoint" xmlns:com="http://schemas.openxmlformats.org/drawingml/2006/compatibility" xmlns:p14="http://schemas.microsoft.com/office/powerpoint/2010/main" xmlns:p15="http://schemas.microsoft.com/office/powerpoint/2012/main" xmlns:ahyp="http://schemas.microsoft.com/office/drawing/2018/hyperlinkcolor" showMasterPhAnim="0" showMasterSp="0">
+<p:notes xmlns:a="http://schemas.openxmlformats.org/drawingml/2006/main" xmlns:r="http://schemas.openxmlformats.org/officeDocument/2006/relationships" xmlns:p="http://schemas.openxmlformats.org/presentationml/2006/main" showMasterSp="0" showMasterPhAnim="0">
   <p:cSld>
     <p:spTree>
       <p:nvGrpSpPr>
-        <p:cNvPr id="126" name="Shape 126"/>
+        <p:cNvPr id="1" name="Shape 126"/>
         <p:cNvGrpSpPr/>
         <p:nvPr/>
       </p:nvGrpSpPr>
@@ -923,9 +948,11 @@
       <p:sp>
         <p:nvSpPr>
           <p:cNvPr id="127" name="Google Shape;127;g8f72228936_2_0:notes"/>
-          <p:cNvSpPr/>
+          <p:cNvSpPr>
+            <a:spLocks noGrp="1" noRot="1" noChangeAspect="1"/>
+          </p:cNvSpPr>
           <p:nvPr>
-            <p:ph idx="2" type="sldImg"/>
+            <p:ph type="sldImg" idx="2"/>
           </p:nvPr>
         </p:nvSpPr>
         <p:spPr>
@@ -934,9 +961,13 @@
             <a:ext cx="6096000" cy="3429000"/>
           </a:xfrm>
           <a:custGeom>
-            <a:rect b="b" l="l" r="r" t="t"/>
+            <a:avLst/>
+            <a:gdLst/>
+            <a:ahLst/>
+            <a:cxnLst/>
+            <a:rect l="l" t="t" r="r" b="b"/>
             <a:pathLst>
-              <a:path extrusionOk="0" h="120000" w="120000">
+              <a:path w="120000" h="120000" extrusionOk="0">
                 <a:moveTo>
                   <a:pt x="0" y="0"/>
                 </a:moveTo>
@@ -958,9 +989,11 @@
       <p:sp>
         <p:nvSpPr>
           <p:cNvPr id="128" name="Google Shape;128;g8f72228936_2_0:notes"/>
-          <p:cNvSpPr txBox="1"/>
+          <p:cNvSpPr txBox="1">
+            <a:spLocks noGrp="1"/>
+          </p:cNvSpPr>
           <p:nvPr>
-            <p:ph idx="1" type="body"/>
+            <p:ph type="body" idx="1"/>
           </p:nvPr>
         </p:nvSpPr>
         <p:spPr>
@@ -973,12 +1006,12 @@
           </a:prstGeom>
         </p:spPr>
         <p:txBody>
-          <a:bodyPr anchorCtr="0" anchor="t" bIns="91425" lIns="91425" spcFirstLastPara="1" rIns="91425" wrap="square" tIns="91425">
+          <a:bodyPr spcFirstLastPara="1" wrap="square" lIns="91425" tIns="91425" rIns="91425" bIns="91425" anchor="t" anchorCtr="0">
             <a:noAutofit/>
           </a:bodyPr>
           <a:lstStyle/>
           <a:p>
-            <a:pPr indent="0" lvl="0" marL="0" rtl="0" algn="l">
+            <a:pPr marL="0" lvl="0" indent="0" algn="l" rtl="0">
               <a:spcBef>
                 <a:spcPts val="0"/>
               </a:spcBef>
@@ -987,9 +1020,6 @@
               </a:spcAft>
               <a:buNone/>
             </a:pPr>
-            <a:r>
-              <a:t/>
-            </a:r>
             <a:endParaRPr/>
           </a:p>
         </p:txBody>
@@ -1003,11 +1033,11 @@
 </file>
 
 <file path=ppt/notesSlides/notesSlide12.xml><?xml version="1.0" encoding="utf-8"?>
-<p:notes xmlns:a="http://schemas.openxmlformats.org/drawingml/2006/main" xmlns:r="http://schemas.openxmlformats.org/officeDocument/2006/relationships" xmlns:mc="http://schemas.openxmlformats.org/markup-compatibility/2006" xmlns:mv="urn:schemas-microsoft-com:mac:vml" xmlns:p="http://schemas.openxmlformats.org/presentationml/2006/main" xmlns:c="http://schemas.openxmlformats.org/drawingml/2006/chart" xmlns:dgm="http://schemas.openxmlformats.org/drawingml/2006/diagram" xmlns:o="urn:schemas-microsoft-com:office:office" xmlns:v="urn:schemas-microsoft-com:vml" xmlns:pvml="urn:schemas-microsoft-com:office:powerpoint" xmlns:com="http://schemas.openxmlformats.org/drawingml/2006/compatibility" xmlns:p14="http://schemas.microsoft.com/office/powerpoint/2010/main" xmlns:p15="http://schemas.microsoft.com/office/powerpoint/2012/main" xmlns:ahyp="http://schemas.microsoft.com/office/drawing/2018/hyperlinkcolor" showMasterPhAnim="0" showMasterSp="0">
+<p:notes xmlns:a="http://schemas.openxmlformats.org/drawingml/2006/main" xmlns:r="http://schemas.openxmlformats.org/officeDocument/2006/relationships" xmlns:p="http://schemas.openxmlformats.org/presentationml/2006/main" showMasterSp="0" showMasterPhAnim="0">
   <p:cSld>
     <p:spTree>
       <p:nvGrpSpPr>
-        <p:cNvPr id="133" name="Shape 133"/>
+        <p:cNvPr id="1" name="Shape 133"/>
         <p:cNvGrpSpPr/>
         <p:nvPr/>
       </p:nvGrpSpPr>
@@ -1022,9 +1052,11 @@
       <p:sp>
         <p:nvSpPr>
           <p:cNvPr id="134" name="Google Shape;134;g8f72228936_2_5:notes"/>
-          <p:cNvSpPr/>
+          <p:cNvSpPr>
+            <a:spLocks noGrp="1" noRot="1" noChangeAspect="1"/>
+          </p:cNvSpPr>
           <p:nvPr>
-            <p:ph idx="2" type="sldImg"/>
+            <p:ph type="sldImg" idx="2"/>
           </p:nvPr>
         </p:nvSpPr>
         <p:spPr>
@@ -1033,9 +1065,13 @@
             <a:ext cx="6096000" cy="3429000"/>
           </a:xfrm>
           <a:custGeom>
-            <a:rect b="b" l="l" r="r" t="t"/>
+            <a:avLst/>
+            <a:gdLst/>
+            <a:ahLst/>
+            <a:cxnLst/>
+            <a:rect l="l" t="t" r="r" b="b"/>
             <a:pathLst>
-              <a:path extrusionOk="0" h="120000" w="120000">
+              <a:path w="120000" h="120000" extrusionOk="0">
                 <a:moveTo>
                   <a:pt x="0" y="0"/>
                 </a:moveTo>
@@ -1057,9 +1093,11 @@
       <p:sp>
         <p:nvSpPr>
           <p:cNvPr id="135" name="Google Shape;135;g8f72228936_2_5:notes"/>
-          <p:cNvSpPr txBox="1"/>
+          <p:cNvSpPr txBox="1">
+            <a:spLocks noGrp="1"/>
+          </p:cNvSpPr>
           <p:nvPr>
-            <p:ph idx="1" type="body"/>
+            <p:ph type="body" idx="1"/>
           </p:nvPr>
         </p:nvSpPr>
         <p:spPr>
@@ -1072,12 +1110,12 @@
           </a:prstGeom>
         </p:spPr>
         <p:txBody>
-          <a:bodyPr anchorCtr="0" anchor="t" bIns="91425" lIns="91425" spcFirstLastPara="1" rIns="91425" wrap="square" tIns="91425">
+          <a:bodyPr spcFirstLastPara="1" wrap="square" lIns="91425" tIns="91425" rIns="91425" bIns="91425" anchor="t" anchorCtr="0">
             <a:noAutofit/>
           </a:bodyPr>
           <a:lstStyle/>
           <a:p>
-            <a:pPr indent="0" lvl="0" marL="0" rtl="0" algn="l">
+            <a:pPr marL="0" lvl="0" indent="0" algn="l" rtl="0">
               <a:spcBef>
                 <a:spcPts val="0"/>
               </a:spcBef>
@@ -1086,9 +1124,6 @@
               </a:spcAft>
               <a:buNone/>
             </a:pPr>
-            <a:r>
-              <a:t/>
-            </a:r>
             <a:endParaRPr/>
           </a:p>
         </p:txBody>
@@ -1102,11 +1137,11 @@
 </file>
 
 <file path=ppt/notesSlides/notesSlide2.xml><?xml version="1.0" encoding="utf-8"?>
-<p:notes xmlns:a="http://schemas.openxmlformats.org/drawingml/2006/main" xmlns:r="http://schemas.openxmlformats.org/officeDocument/2006/relationships" xmlns:mc="http://schemas.openxmlformats.org/markup-compatibility/2006" xmlns:mv="urn:schemas-microsoft-com:mac:vml" xmlns:p="http://schemas.openxmlformats.org/presentationml/2006/main" xmlns:c="http://schemas.openxmlformats.org/drawingml/2006/chart" xmlns:dgm="http://schemas.openxmlformats.org/drawingml/2006/diagram" xmlns:o="urn:schemas-microsoft-com:office:office" xmlns:v="urn:schemas-microsoft-com:vml" xmlns:pvml="urn:schemas-microsoft-com:office:powerpoint" xmlns:com="http://schemas.openxmlformats.org/drawingml/2006/compatibility" xmlns:p14="http://schemas.microsoft.com/office/powerpoint/2010/main" xmlns:p15="http://schemas.microsoft.com/office/powerpoint/2012/main" xmlns:ahyp="http://schemas.microsoft.com/office/drawing/2018/hyperlinkcolor" showMasterPhAnim="0" showMasterSp="0">
+<p:notes xmlns:a="http://schemas.openxmlformats.org/drawingml/2006/main" xmlns:r="http://schemas.openxmlformats.org/officeDocument/2006/relationships" xmlns:p="http://schemas.openxmlformats.org/presentationml/2006/main" showMasterSp="0" showMasterPhAnim="0">
   <p:cSld>
     <p:spTree>
       <p:nvGrpSpPr>
-        <p:cNvPr id="63" name="Shape 63"/>
+        <p:cNvPr id="1" name="Shape 63"/>
         <p:cNvGrpSpPr/>
         <p:nvPr/>
       </p:nvGrpSpPr>
@@ -1121,9 +1156,11 @@
       <p:sp>
         <p:nvSpPr>
           <p:cNvPr id="64" name="Google Shape;64;p:notes"/>
-          <p:cNvSpPr/>
+          <p:cNvSpPr>
+            <a:spLocks noGrp="1" noRot="1" noChangeAspect="1"/>
+          </p:cNvSpPr>
           <p:nvPr>
-            <p:ph idx="2" type="sldImg"/>
+            <p:ph type="sldImg" idx="2"/>
           </p:nvPr>
         </p:nvSpPr>
         <p:spPr>
@@ -1132,9 +1169,13 @@
             <a:ext cx="6096075" cy="3429000"/>
           </a:xfrm>
           <a:custGeom>
-            <a:rect b="b" l="l" r="r" t="t"/>
+            <a:avLst/>
+            <a:gdLst/>
+            <a:ahLst/>
+            <a:cxnLst/>
+            <a:rect l="l" t="t" r="r" b="b"/>
             <a:pathLst>
-              <a:path extrusionOk="0" h="120000" w="120000">
+              <a:path w="120000" h="120000" extrusionOk="0">
                 <a:moveTo>
                   <a:pt x="0" y="0"/>
                 </a:moveTo>
@@ -1156,9 +1197,11 @@
       <p:sp>
         <p:nvSpPr>
           <p:cNvPr id="65" name="Google Shape;65;p:notes"/>
-          <p:cNvSpPr txBox="1"/>
+          <p:cNvSpPr txBox="1">
+            <a:spLocks noGrp="1"/>
+          </p:cNvSpPr>
           <p:nvPr>
-            <p:ph idx="1" type="body"/>
+            <p:ph type="body" idx="1"/>
           </p:nvPr>
         </p:nvSpPr>
         <p:spPr>
@@ -1171,12 +1214,12 @@
           </a:prstGeom>
         </p:spPr>
         <p:txBody>
-          <a:bodyPr anchorCtr="0" anchor="t" bIns="91425" lIns="91425" spcFirstLastPara="1" rIns="91425" wrap="square" tIns="91425">
+          <a:bodyPr spcFirstLastPara="1" wrap="square" lIns="91425" tIns="91425" rIns="91425" bIns="91425" anchor="t" anchorCtr="0">
             <a:noAutofit/>
           </a:bodyPr>
           <a:lstStyle/>
           <a:p>
-            <a:pPr indent="0" lvl="0" marL="0" rtl="0" algn="l">
+            <a:pPr marL="0" lvl="0" indent="0" algn="l" rtl="0">
               <a:spcBef>
                 <a:spcPts val="0"/>
               </a:spcBef>
@@ -1185,9 +1228,6 @@
               </a:spcAft>
               <a:buNone/>
             </a:pPr>
-            <a:r>
-              <a:t/>
-            </a:r>
             <a:endParaRPr/>
           </a:p>
         </p:txBody>
@@ -1201,11 +1241,11 @@
 </file>
 
 <file path=ppt/notesSlides/notesSlide3.xml><?xml version="1.0" encoding="utf-8"?>
-<p:notes xmlns:a="http://schemas.openxmlformats.org/drawingml/2006/main" xmlns:r="http://schemas.openxmlformats.org/officeDocument/2006/relationships" xmlns:mc="http://schemas.openxmlformats.org/markup-compatibility/2006" xmlns:mv="urn:schemas-microsoft-com:mac:vml" xmlns:p="http://schemas.openxmlformats.org/presentationml/2006/main" xmlns:c="http://schemas.openxmlformats.org/drawingml/2006/chart" xmlns:dgm="http://schemas.openxmlformats.org/drawingml/2006/diagram" xmlns:o="urn:schemas-microsoft-com:office:office" xmlns:v="urn:schemas-microsoft-com:vml" xmlns:pvml="urn:schemas-microsoft-com:office:powerpoint" xmlns:com="http://schemas.openxmlformats.org/drawingml/2006/compatibility" xmlns:p14="http://schemas.microsoft.com/office/powerpoint/2010/main" xmlns:p15="http://schemas.microsoft.com/office/powerpoint/2012/main" xmlns:ahyp="http://schemas.microsoft.com/office/drawing/2018/hyperlinkcolor" showMasterPhAnim="0" showMasterSp="0">
+<p:notes xmlns:a="http://schemas.openxmlformats.org/drawingml/2006/main" xmlns:r="http://schemas.openxmlformats.org/officeDocument/2006/relationships" xmlns:p="http://schemas.openxmlformats.org/presentationml/2006/main" showMasterSp="0" showMasterPhAnim="0">
   <p:cSld>
     <p:spTree>
       <p:nvGrpSpPr>
-        <p:cNvPr id="70" name="Shape 70"/>
+        <p:cNvPr id="1" name="Shape 70"/>
         <p:cNvGrpSpPr/>
         <p:nvPr/>
       </p:nvGrpSpPr>
@@ -1220,9 +1260,11 @@
       <p:sp>
         <p:nvSpPr>
           <p:cNvPr id="71" name="Google Shape;71;g8f72228869_0_6:notes"/>
-          <p:cNvSpPr/>
+          <p:cNvSpPr>
+            <a:spLocks noGrp="1" noRot="1" noChangeAspect="1"/>
+          </p:cNvSpPr>
           <p:nvPr>
-            <p:ph idx="2" type="sldImg"/>
+            <p:ph type="sldImg" idx="2"/>
           </p:nvPr>
         </p:nvSpPr>
         <p:spPr>
@@ -1231,9 +1273,13 @@
             <a:ext cx="6096000" cy="3429000"/>
           </a:xfrm>
           <a:custGeom>
-            <a:rect b="b" l="l" r="r" t="t"/>
+            <a:avLst/>
+            <a:gdLst/>
+            <a:ahLst/>
+            <a:cxnLst/>
+            <a:rect l="l" t="t" r="r" b="b"/>
             <a:pathLst>
-              <a:path extrusionOk="0" h="120000" w="120000">
+              <a:path w="120000" h="120000" extrusionOk="0">
                 <a:moveTo>
                   <a:pt x="0" y="0"/>
                 </a:moveTo>
@@ -1255,9 +1301,11 @@
       <p:sp>
         <p:nvSpPr>
           <p:cNvPr id="72" name="Google Shape;72;g8f72228869_0_6:notes"/>
-          <p:cNvSpPr txBox="1"/>
+          <p:cNvSpPr txBox="1">
+            <a:spLocks noGrp="1"/>
+          </p:cNvSpPr>
           <p:nvPr>
-            <p:ph idx="1" type="body"/>
+            <p:ph type="body" idx="1"/>
           </p:nvPr>
         </p:nvSpPr>
         <p:spPr>
@@ -1270,12 +1318,12 @@
           </a:prstGeom>
         </p:spPr>
         <p:txBody>
-          <a:bodyPr anchorCtr="0" anchor="t" bIns="91425" lIns="91425" spcFirstLastPara="1" rIns="91425" wrap="square" tIns="91425">
+          <a:bodyPr spcFirstLastPara="1" wrap="square" lIns="91425" tIns="91425" rIns="91425" bIns="91425" anchor="t" anchorCtr="0">
             <a:noAutofit/>
           </a:bodyPr>
           <a:lstStyle/>
           <a:p>
-            <a:pPr indent="0" lvl="0" marL="0" rtl="0" algn="l">
+            <a:pPr marL="0" lvl="0" indent="0" algn="l" rtl="0">
               <a:spcBef>
                 <a:spcPts val="0"/>
               </a:spcBef>
@@ -1284,9 +1332,6 @@
               </a:spcAft>
               <a:buNone/>
             </a:pPr>
-            <a:r>
-              <a:t/>
-            </a:r>
             <a:endParaRPr/>
           </a:p>
         </p:txBody>
@@ -1300,11 +1345,11 @@
 </file>
 
 <file path=ppt/notesSlides/notesSlide4.xml><?xml version="1.0" encoding="utf-8"?>
-<p:notes xmlns:a="http://schemas.openxmlformats.org/drawingml/2006/main" xmlns:r="http://schemas.openxmlformats.org/officeDocument/2006/relationships" xmlns:mc="http://schemas.openxmlformats.org/markup-compatibility/2006" xmlns:mv="urn:schemas-microsoft-com:mac:vml" xmlns:p="http://schemas.openxmlformats.org/presentationml/2006/main" xmlns:c="http://schemas.openxmlformats.org/drawingml/2006/chart" xmlns:dgm="http://schemas.openxmlformats.org/drawingml/2006/diagram" xmlns:o="urn:schemas-microsoft-com:office:office" xmlns:v="urn:schemas-microsoft-com:vml" xmlns:pvml="urn:schemas-microsoft-com:office:powerpoint" xmlns:com="http://schemas.openxmlformats.org/drawingml/2006/compatibility" xmlns:p14="http://schemas.microsoft.com/office/powerpoint/2010/main" xmlns:p15="http://schemas.microsoft.com/office/powerpoint/2012/main" xmlns:ahyp="http://schemas.microsoft.com/office/drawing/2018/hyperlinkcolor" showMasterPhAnim="0" showMasterSp="0">
+<p:notes xmlns:a="http://schemas.openxmlformats.org/drawingml/2006/main" xmlns:r="http://schemas.openxmlformats.org/officeDocument/2006/relationships" xmlns:p="http://schemas.openxmlformats.org/presentationml/2006/main" showMasterSp="0" showMasterPhAnim="0">
   <p:cSld>
     <p:spTree>
       <p:nvGrpSpPr>
-        <p:cNvPr id="78" name="Shape 78"/>
+        <p:cNvPr id="1" name="Shape 78"/>
         <p:cNvGrpSpPr/>
         <p:nvPr/>
       </p:nvGrpSpPr>
@@ -1319,9 +1364,11 @@
       <p:sp>
         <p:nvSpPr>
           <p:cNvPr id="79" name="Google Shape;79;g8f72228869_0_11:notes"/>
-          <p:cNvSpPr/>
+          <p:cNvSpPr>
+            <a:spLocks noGrp="1" noRot="1" noChangeAspect="1"/>
+          </p:cNvSpPr>
           <p:nvPr>
-            <p:ph idx="2" type="sldImg"/>
+            <p:ph type="sldImg" idx="2"/>
           </p:nvPr>
         </p:nvSpPr>
         <p:spPr>
@@ -1330,9 +1377,13 @@
             <a:ext cx="6096000" cy="3429000"/>
           </a:xfrm>
           <a:custGeom>
-            <a:rect b="b" l="l" r="r" t="t"/>
+            <a:avLst/>
+            <a:gdLst/>
+            <a:ahLst/>
+            <a:cxnLst/>
+            <a:rect l="l" t="t" r="r" b="b"/>
             <a:pathLst>
-              <a:path extrusionOk="0" h="120000" w="120000">
+              <a:path w="120000" h="120000" extrusionOk="0">
                 <a:moveTo>
                   <a:pt x="0" y="0"/>
                 </a:moveTo>
@@ -1354,9 +1405,11 @@
       <p:sp>
         <p:nvSpPr>
           <p:cNvPr id="80" name="Google Shape;80;g8f72228869_0_11:notes"/>
-          <p:cNvSpPr txBox="1"/>
+          <p:cNvSpPr txBox="1">
+            <a:spLocks noGrp="1"/>
+          </p:cNvSpPr>
           <p:nvPr>
-            <p:ph idx="1" type="body"/>
+            <p:ph type="body" idx="1"/>
           </p:nvPr>
         </p:nvSpPr>
         <p:spPr>
@@ -1369,12 +1422,12 @@
           </a:prstGeom>
         </p:spPr>
         <p:txBody>
-          <a:bodyPr anchorCtr="0" anchor="t" bIns="91425" lIns="91425" spcFirstLastPara="1" rIns="91425" wrap="square" tIns="91425">
+          <a:bodyPr spcFirstLastPara="1" wrap="square" lIns="91425" tIns="91425" rIns="91425" bIns="91425" anchor="t" anchorCtr="0">
             <a:noAutofit/>
           </a:bodyPr>
           <a:lstStyle/>
           <a:p>
-            <a:pPr indent="0" lvl="0" marL="0" rtl="0" algn="l">
+            <a:pPr marL="0" lvl="0" indent="0" algn="l" rtl="0">
               <a:spcBef>
                 <a:spcPts val="0"/>
               </a:spcBef>
@@ -1383,9 +1436,6 @@
               </a:spcAft>
               <a:buNone/>
             </a:pPr>
-            <a:r>
-              <a:t/>
-            </a:r>
             <a:endParaRPr/>
           </a:p>
         </p:txBody>
@@ -1399,11 +1449,11 @@
 </file>
 
 <file path=ppt/notesSlides/notesSlide5.xml><?xml version="1.0" encoding="utf-8"?>
-<p:notes xmlns:a="http://schemas.openxmlformats.org/drawingml/2006/main" xmlns:r="http://schemas.openxmlformats.org/officeDocument/2006/relationships" xmlns:mc="http://schemas.openxmlformats.org/markup-compatibility/2006" xmlns:mv="urn:schemas-microsoft-com:mac:vml" xmlns:p="http://schemas.openxmlformats.org/presentationml/2006/main" xmlns:c="http://schemas.openxmlformats.org/drawingml/2006/chart" xmlns:dgm="http://schemas.openxmlformats.org/drawingml/2006/diagram" xmlns:o="urn:schemas-microsoft-com:office:office" xmlns:v="urn:schemas-microsoft-com:vml" xmlns:pvml="urn:schemas-microsoft-com:office:powerpoint" xmlns:com="http://schemas.openxmlformats.org/drawingml/2006/compatibility" xmlns:p14="http://schemas.microsoft.com/office/powerpoint/2010/main" xmlns:p15="http://schemas.microsoft.com/office/powerpoint/2012/main" xmlns:ahyp="http://schemas.microsoft.com/office/drawing/2018/hyperlinkcolor" showMasterPhAnim="0" showMasterSp="0">
+<p:notes xmlns:a="http://schemas.openxmlformats.org/drawingml/2006/main" xmlns:r="http://schemas.openxmlformats.org/officeDocument/2006/relationships" xmlns:p="http://schemas.openxmlformats.org/presentationml/2006/main" showMasterSp="0" showMasterPhAnim="0">
   <p:cSld>
     <p:spTree>
       <p:nvGrpSpPr>
-        <p:cNvPr id="86" name="Shape 86"/>
+        <p:cNvPr id="1" name="Shape 86"/>
         <p:cNvGrpSpPr/>
         <p:nvPr/>
       </p:nvGrpSpPr>
@@ -1418,9 +1468,11 @@
       <p:sp>
         <p:nvSpPr>
           <p:cNvPr id="87" name="Google Shape;87;g8f72228869_0_16:notes"/>
-          <p:cNvSpPr/>
+          <p:cNvSpPr>
+            <a:spLocks noGrp="1" noRot="1" noChangeAspect="1"/>
+          </p:cNvSpPr>
           <p:nvPr>
-            <p:ph idx="2" type="sldImg"/>
+            <p:ph type="sldImg" idx="2"/>
           </p:nvPr>
         </p:nvSpPr>
         <p:spPr>
@@ -1429,9 +1481,13 @@
             <a:ext cx="6096000" cy="3429000"/>
           </a:xfrm>
           <a:custGeom>
-            <a:rect b="b" l="l" r="r" t="t"/>
+            <a:avLst/>
+            <a:gdLst/>
+            <a:ahLst/>
+            <a:cxnLst/>
+            <a:rect l="l" t="t" r="r" b="b"/>
             <a:pathLst>
-              <a:path extrusionOk="0" h="120000" w="120000">
+              <a:path w="120000" h="120000" extrusionOk="0">
                 <a:moveTo>
                   <a:pt x="0" y="0"/>
                 </a:moveTo>
@@ -1453,9 +1509,11 @@
       <p:sp>
         <p:nvSpPr>
           <p:cNvPr id="88" name="Google Shape;88;g8f72228869_0_16:notes"/>
-          <p:cNvSpPr txBox="1"/>
+          <p:cNvSpPr txBox="1">
+            <a:spLocks noGrp="1"/>
+          </p:cNvSpPr>
           <p:nvPr>
-            <p:ph idx="1" type="body"/>
+            <p:ph type="body" idx="1"/>
           </p:nvPr>
         </p:nvSpPr>
         <p:spPr>
@@ -1468,12 +1526,12 @@
           </a:prstGeom>
         </p:spPr>
         <p:txBody>
-          <a:bodyPr anchorCtr="0" anchor="t" bIns="91425" lIns="91425" spcFirstLastPara="1" rIns="91425" wrap="square" tIns="91425">
+          <a:bodyPr spcFirstLastPara="1" wrap="square" lIns="91425" tIns="91425" rIns="91425" bIns="91425" anchor="t" anchorCtr="0">
             <a:noAutofit/>
           </a:bodyPr>
           <a:lstStyle/>
           <a:p>
-            <a:pPr indent="0" lvl="0" marL="0" rtl="0" algn="l">
+            <a:pPr marL="0" lvl="0" indent="0" algn="l" rtl="0">
               <a:spcBef>
                 <a:spcPts val="0"/>
               </a:spcBef>
@@ -1482,9 +1540,6 @@
               </a:spcAft>
               <a:buNone/>
             </a:pPr>
-            <a:r>
-              <a:t/>
-            </a:r>
             <a:endParaRPr/>
           </a:p>
         </p:txBody>
@@ -1498,11 +1553,11 @@
 </file>
 
 <file path=ppt/notesSlides/notesSlide6.xml><?xml version="1.0" encoding="utf-8"?>
-<p:notes xmlns:a="http://schemas.openxmlformats.org/drawingml/2006/main" xmlns:r="http://schemas.openxmlformats.org/officeDocument/2006/relationships" xmlns:mc="http://schemas.openxmlformats.org/markup-compatibility/2006" xmlns:mv="urn:schemas-microsoft-com:mac:vml" xmlns:p="http://schemas.openxmlformats.org/presentationml/2006/main" xmlns:c="http://schemas.openxmlformats.org/drawingml/2006/chart" xmlns:dgm="http://schemas.openxmlformats.org/drawingml/2006/diagram" xmlns:o="urn:schemas-microsoft-com:office:office" xmlns:v="urn:schemas-microsoft-com:vml" xmlns:pvml="urn:schemas-microsoft-com:office:powerpoint" xmlns:com="http://schemas.openxmlformats.org/drawingml/2006/compatibility" xmlns:p14="http://schemas.microsoft.com/office/powerpoint/2010/main" xmlns:p15="http://schemas.microsoft.com/office/powerpoint/2012/main" xmlns:ahyp="http://schemas.microsoft.com/office/drawing/2018/hyperlinkcolor" showMasterPhAnim="0" showMasterSp="0">
+<p:notes xmlns:a="http://schemas.openxmlformats.org/drawingml/2006/main" xmlns:r="http://schemas.openxmlformats.org/officeDocument/2006/relationships" xmlns:p="http://schemas.openxmlformats.org/presentationml/2006/main" showMasterSp="0" showMasterPhAnim="0">
   <p:cSld>
     <p:spTree>
       <p:nvGrpSpPr>
-        <p:cNvPr id="91" name="Shape 91"/>
+        <p:cNvPr id="1" name="Shape 91"/>
         <p:cNvGrpSpPr/>
         <p:nvPr/>
       </p:nvGrpSpPr>
@@ -1517,9 +1572,11 @@
       <p:sp>
         <p:nvSpPr>
           <p:cNvPr id="92" name="Google Shape;92;g8f72228936_1_400:notes"/>
-          <p:cNvSpPr/>
+          <p:cNvSpPr>
+            <a:spLocks noGrp="1" noRot="1" noChangeAspect="1"/>
+          </p:cNvSpPr>
           <p:nvPr>
-            <p:ph idx="2" type="sldImg"/>
+            <p:ph type="sldImg" idx="2"/>
           </p:nvPr>
         </p:nvSpPr>
         <p:spPr>
@@ -1528,9 +1585,13 @@
             <a:ext cx="6096000" cy="3429000"/>
           </a:xfrm>
           <a:custGeom>
-            <a:rect b="b" l="l" r="r" t="t"/>
+            <a:avLst/>
+            <a:gdLst/>
+            <a:ahLst/>
+            <a:cxnLst/>
+            <a:rect l="l" t="t" r="r" b="b"/>
             <a:pathLst>
-              <a:path extrusionOk="0" h="120000" w="120000">
+              <a:path w="120000" h="120000" extrusionOk="0">
                 <a:moveTo>
                   <a:pt x="0" y="0"/>
                 </a:moveTo>
@@ -1552,9 +1613,11 @@
       <p:sp>
         <p:nvSpPr>
           <p:cNvPr id="93" name="Google Shape;93;g8f72228936_1_400:notes"/>
-          <p:cNvSpPr txBox="1"/>
+          <p:cNvSpPr txBox="1">
+            <a:spLocks noGrp="1"/>
+          </p:cNvSpPr>
           <p:nvPr>
-            <p:ph idx="1" type="body"/>
+            <p:ph type="body" idx="1"/>
           </p:nvPr>
         </p:nvSpPr>
         <p:spPr>
@@ -1567,12 +1630,12 @@
           </a:prstGeom>
         </p:spPr>
         <p:txBody>
-          <a:bodyPr anchorCtr="0" anchor="t" bIns="91425" lIns="91425" spcFirstLastPara="1" rIns="91425" wrap="square" tIns="91425">
+          <a:bodyPr spcFirstLastPara="1" wrap="square" lIns="91425" tIns="91425" rIns="91425" bIns="91425" anchor="t" anchorCtr="0">
             <a:noAutofit/>
           </a:bodyPr>
           <a:lstStyle/>
           <a:p>
-            <a:pPr indent="0" lvl="0" marL="0" rtl="0" algn="l">
+            <a:pPr marL="0" lvl="0" indent="0" algn="l" rtl="0">
               <a:spcBef>
                 <a:spcPts val="0"/>
               </a:spcBef>
@@ -1581,9 +1644,6 @@
               </a:spcAft>
               <a:buNone/>
             </a:pPr>
-            <a:r>
-              <a:t/>
-            </a:r>
             <a:endParaRPr/>
           </a:p>
         </p:txBody>
@@ -1597,11 +1657,11 @@
 </file>
 
 <file path=ppt/notesSlides/notesSlide7.xml><?xml version="1.0" encoding="utf-8"?>
-<p:notes xmlns:a="http://schemas.openxmlformats.org/drawingml/2006/main" xmlns:r="http://schemas.openxmlformats.org/officeDocument/2006/relationships" xmlns:mc="http://schemas.openxmlformats.org/markup-compatibility/2006" xmlns:mv="urn:schemas-microsoft-com:mac:vml" xmlns:p="http://schemas.openxmlformats.org/presentationml/2006/main" xmlns:c="http://schemas.openxmlformats.org/drawingml/2006/chart" xmlns:dgm="http://schemas.openxmlformats.org/drawingml/2006/diagram" xmlns:o="urn:schemas-microsoft-com:office:office" xmlns:v="urn:schemas-microsoft-com:vml" xmlns:pvml="urn:schemas-microsoft-com:office:powerpoint" xmlns:com="http://schemas.openxmlformats.org/drawingml/2006/compatibility" xmlns:p14="http://schemas.microsoft.com/office/powerpoint/2010/main" xmlns:p15="http://schemas.microsoft.com/office/powerpoint/2012/main" xmlns:ahyp="http://schemas.microsoft.com/office/drawing/2018/hyperlinkcolor" showMasterPhAnim="0" showMasterSp="0">
+<p:notes xmlns:a="http://schemas.openxmlformats.org/drawingml/2006/main" xmlns:r="http://schemas.openxmlformats.org/officeDocument/2006/relationships" xmlns:p="http://schemas.openxmlformats.org/presentationml/2006/main" showMasterSp="0" showMasterPhAnim="0">
   <p:cSld>
     <p:spTree>
       <p:nvGrpSpPr>
-        <p:cNvPr id="98" name="Shape 98"/>
+        <p:cNvPr id="1" name="Shape 98"/>
         <p:cNvGrpSpPr/>
         <p:nvPr/>
       </p:nvGrpSpPr>
@@ -1616,9 +1676,11 @@
       <p:sp>
         <p:nvSpPr>
           <p:cNvPr id="99" name="Google Shape;99;g8f72228936_1_787:notes"/>
-          <p:cNvSpPr/>
+          <p:cNvSpPr>
+            <a:spLocks noGrp="1" noRot="1" noChangeAspect="1"/>
+          </p:cNvSpPr>
           <p:nvPr>
-            <p:ph idx="2" type="sldImg"/>
+            <p:ph type="sldImg" idx="2"/>
           </p:nvPr>
         </p:nvSpPr>
         <p:spPr>
@@ -1627,9 +1689,13 @@
             <a:ext cx="6096000" cy="3429000"/>
           </a:xfrm>
           <a:custGeom>
-            <a:rect b="b" l="l" r="r" t="t"/>
+            <a:avLst/>
+            <a:gdLst/>
+            <a:ahLst/>
+            <a:cxnLst/>
+            <a:rect l="l" t="t" r="r" b="b"/>
             <a:pathLst>
-              <a:path extrusionOk="0" h="120000" w="120000">
+              <a:path w="120000" h="120000" extrusionOk="0">
                 <a:moveTo>
                   <a:pt x="0" y="0"/>
                 </a:moveTo>
@@ -1651,9 +1717,11 @@
       <p:sp>
         <p:nvSpPr>
           <p:cNvPr id="100" name="Google Shape;100;g8f72228936_1_787:notes"/>
-          <p:cNvSpPr txBox="1"/>
+          <p:cNvSpPr txBox="1">
+            <a:spLocks noGrp="1"/>
+          </p:cNvSpPr>
           <p:nvPr>
-            <p:ph idx="1" type="body"/>
+            <p:ph type="body" idx="1"/>
           </p:nvPr>
         </p:nvSpPr>
         <p:spPr>
@@ -1666,12 +1734,12 @@
           </a:prstGeom>
         </p:spPr>
         <p:txBody>
-          <a:bodyPr anchorCtr="0" anchor="t" bIns="91425" lIns="91425" spcFirstLastPara="1" rIns="91425" wrap="square" tIns="91425">
+          <a:bodyPr spcFirstLastPara="1" wrap="square" lIns="91425" tIns="91425" rIns="91425" bIns="91425" anchor="t" anchorCtr="0">
             <a:noAutofit/>
           </a:bodyPr>
           <a:lstStyle/>
           <a:p>
-            <a:pPr indent="0" lvl="0" marL="0" rtl="0" algn="l">
+            <a:pPr marL="0" lvl="0" indent="0" algn="l" rtl="0">
               <a:spcBef>
                 <a:spcPts val="0"/>
               </a:spcBef>
@@ -1680,9 +1748,6 @@
               </a:spcAft>
               <a:buNone/>
             </a:pPr>
-            <a:r>
-              <a:t/>
-            </a:r>
             <a:endParaRPr/>
           </a:p>
         </p:txBody>
@@ -1696,11 +1761,11 @@
 </file>
 
 <file path=ppt/notesSlides/notesSlide8.xml><?xml version="1.0" encoding="utf-8"?>
-<p:notes xmlns:a="http://schemas.openxmlformats.org/drawingml/2006/main" xmlns:r="http://schemas.openxmlformats.org/officeDocument/2006/relationships" xmlns:mc="http://schemas.openxmlformats.org/markup-compatibility/2006" xmlns:mv="urn:schemas-microsoft-com:mac:vml" xmlns:p="http://schemas.openxmlformats.org/presentationml/2006/main" xmlns:c="http://schemas.openxmlformats.org/drawingml/2006/chart" xmlns:dgm="http://schemas.openxmlformats.org/drawingml/2006/diagram" xmlns:o="urn:schemas-microsoft-com:office:office" xmlns:v="urn:schemas-microsoft-com:vml" xmlns:pvml="urn:schemas-microsoft-com:office:powerpoint" xmlns:com="http://schemas.openxmlformats.org/drawingml/2006/compatibility" xmlns:p14="http://schemas.microsoft.com/office/powerpoint/2010/main" xmlns:p15="http://schemas.microsoft.com/office/powerpoint/2012/main" xmlns:ahyp="http://schemas.microsoft.com/office/drawing/2018/hyperlinkcolor" showMasterPhAnim="0" showMasterSp="0">
+<p:notes xmlns:a="http://schemas.openxmlformats.org/drawingml/2006/main" xmlns:r="http://schemas.openxmlformats.org/officeDocument/2006/relationships" xmlns:p="http://schemas.openxmlformats.org/presentationml/2006/main" showMasterSp="0" showMasterPhAnim="0">
   <p:cSld>
     <p:spTree>
       <p:nvGrpSpPr>
-        <p:cNvPr id="105" name="Shape 105"/>
+        <p:cNvPr id="1" name="Shape 105"/>
         <p:cNvGrpSpPr/>
         <p:nvPr/>
       </p:nvGrpSpPr>
@@ -1715,9 +1780,11 @@
       <p:sp>
         <p:nvSpPr>
           <p:cNvPr id="106" name="Google Shape;106;g8f72228936_1_406:notes"/>
-          <p:cNvSpPr/>
+          <p:cNvSpPr>
+            <a:spLocks noGrp="1" noRot="1" noChangeAspect="1"/>
+          </p:cNvSpPr>
           <p:nvPr>
-            <p:ph idx="2" type="sldImg"/>
+            <p:ph type="sldImg" idx="2"/>
           </p:nvPr>
         </p:nvSpPr>
         <p:spPr>
@@ -1726,9 +1793,13 @@
             <a:ext cx="6096000" cy="3429000"/>
           </a:xfrm>
           <a:custGeom>
-            <a:rect b="b" l="l" r="r" t="t"/>
+            <a:avLst/>
+            <a:gdLst/>
+            <a:ahLst/>
+            <a:cxnLst/>
+            <a:rect l="l" t="t" r="r" b="b"/>
             <a:pathLst>
-              <a:path extrusionOk="0" h="120000" w="120000">
+              <a:path w="120000" h="120000" extrusionOk="0">
                 <a:moveTo>
                   <a:pt x="0" y="0"/>
                 </a:moveTo>
@@ -1750,9 +1821,11 @@
       <p:sp>
         <p:nvSpPr>
           <p:cNvPr id="107" name="Google Shape;107;g8f72228936_1_406:notes"/>
-          <p:cNvSpPr txBox="1"/>
+          <p:cNvSpPr txBox="1">
+            <a:spLocks noGrp="1"/>
+          </p:cNvSpPr>
           <p:nvPr>
-            <p:ph idx="1" type="body"/>
+            <p:ph type="body" idx="1"/>
           </p:nvPr>
         </p:nvSpPr>
         <p:spPr>
@@ -1765,12 +1838,12 @@
           </a:prstGeom>
         </p:spPr>
         <p:txBody>
-          <a:bodyPr anchorCtr="0" anchor="t" bIns="91425" lIns="91425" spcFirstLastPara="1" rIns="91425" wrap="square" tIns="91425">
+          <a:bodyPr spcFirstLastPara="1" wrap="square" lIns="91425" tIns="91425" rIns="91425" bIns="91425" anchor="t" anchorCtr="0">
             <a:noAutofit/>
           </a:bodyPr>
           <a:lstStyle/>
           <a:p>
-            <a:pPr indent="0" lvl="0" marL="0" rtl="0" algn="l">
+            <a:pPr marL="0" lvl="0" indent="0" algn="l" rtl="0">
               <a:spcBef>
                 <a:spcPts val="0"/>
               </a:spcBef>
@@ -1779,9 +1852,6 @@
               </a:spcAft>
               <a:buNone/>
             </a:pPr>
-            <a:r>
-              <a:t/>
-            </a:r>
             <a:endParaRPr/>
           </a:p>
         </p:txBody>
@@ -1795,11 +1865,11 @@
 </file>
 
 <file path=ppt/notesSlides/notesSlide9.xml><?xml version="1.0" encoding="utf-8"?>
-<p:notes xmlns:a="http://schemas.openxmlformats.org/drawingml/2006/main" xmlns:r="http://schemas.openxmlformats.org/officeDocument/2006/relationships" xmlns:mc="http://schemas.openxmlformats.org/markup-compatibility/2006" xmlns:mv="urn:schemas-microsoft-com:mac:vml" xmlns:p="http://schemas.openxmlformats.org/presentationml/2006/main" xmlns:c="http://schemas.openxmlformats.org/drawingml/2006/chart" xmlns:dgm="http://schemas.openxmlformats.org/drawingml/2006/diagram" xmlns:o="urn:schemas-microsoft-com:office:office" xmlns:v="urn:schemas-microsoft-com:vml" xmlns:pvml="urn:schemas-microsoft-com:office:powerpoint" xmlns:com="http://schemas.openxmlformats.org/drawingml/2006/compatibility" xmlns:p14="http://schemas.microsoft.com/office/powerpoint/2010/main" xmlns:p15="http://schemas.microsoft.com/office/powerpoint/2012/main" xmlns:ahyp="http://schemas.microsoft.com/office/drawing/2018/hyperlinkcolor" showMasterPhAnim="0" showMasterSp="0">
+<p:notes xmlns:a="http://schemas.openxmlformats.org/drawingml/2006/main" xmlns:r="http://schemas.openxmlformats.org/officeDocument/2006/relationships" xmlns:p="http://schemas.openxmlformats.org/presentationml/2006/main" showMasterSp="0" showMasterPhAnim="0">
   <p:cSld>
     <p:spTree>
       <p:nvGrpSpPr>
-        <p:cNvPr id="112" name="Shape 112"/>
+        <p:cNvPr id="1" name="Shape 112"/>
         <p:cNvGrpSpPr/>
         <p:nvPr/>
       </p:nvGrpSpPr>
@@ -1814,9 +1884,11 @@
       <p:sp>
         <p:nvSpPr>
           <p:cNvPr id="113" name="Google Shape;113;g8f72228936_1_412:notes"/>
-          <p:cNvSpPr/>
+          <p:cNvSpPr>
+            <a:spLocks noGrp="1" noRot="1" noChangeAspect="1"/>
+          </p:cNvSpPr>
           <p:nvPr>
-            <p:ph idx="2" type="sldImg"/>
+            <p:ph type="sldImg" idx="2"/>
           </p:nvPr>
         </p:nvSpPr>
         <p:spPr>
@@ -1825,9 +1897,13 @@
             <a:ext cx="6096000" cy="3429000"/>
           </a:xfrm>
           <a:custGeom>
-            <a:rect b="b" l="l" r="r" t="t"/>
+            <a:avLst/>
+            <a:gdLst/>
+            <a:ahLst/>
+            <a:cxnLst/>
+            <a:rect l="l" t="t" r="r" b="b"/>
             <a:pathLst>
-              <a:path extrusionOk="0" h="120000" w="120000">
+              <a:path w="120000" h="120000" extrusionOk="0">
                 <a:moveTo>
                   <a:pt x="0" y="0"/>
                 </a:moveTo>
@@ -1849,9 +1925,11 @@
       <p:sp>
         <p:nvSpPr>
           <p:cNvPr id="114" name="Google Shape;114;g8f72228936_1_412:notes"/>
-          <p:cNvSpPr txBox="1"/>
+          <p:cNvSpPr txBox="1">
+            <a:spLocks noGrp="1"/>
+          </p:cNvSpPr>
           <p:nvPr>
-            <p:ph idx="1" type="body"/>
+            <p:ph type="body" idx="1"/>
           </p:nvPr>
         </p:nvSpPr>
         <p:spPr>
@@ -1864,12 +1942,12 @@
           </a:prstGeom>
         </p:spPr>
         <p:txBody>
-          <a:bodyPr anchorCtr="0" anchor="t" bIns="91425" lIns="91425" spcFirstLastPara="1" rIns="91425" wrap="square" tIns="91425">
+          <a:bodyPr spcFirstLastPara="1" wrap="square" lIns="91425" tIns="91425" rIns="91425" bIns="91425" anchor="t" anchorCtr="0">
             <a:noAutofit/>
           </a:bodyPr>
           <a:lstStyle/>
           <a:p>
-            <a:pPr indent="0" lvl="0" marL="0" rtl="0" algn="l">
+            <a:pPr marL="0" lvl="0" indent="0" algn="l" rtl="0">
               <a:spcBef>
                 <a:spcPts val="0"/>
               </a:spcBef>
@@ -1878,9 +1956,6 @@
               </a:spcAft>
               <a:buNone/>
             </a:pPr>
-            <a:r>
-              <a:t/>
-            </a:r>
             <a:endParaRPr/>
           </a:p>
         </p:txBody>
@@ -1894,18 +1969,19 @@
 </file>
 
 <file path=ppt/slideLayouts/slideLayout1.xml><?xml version="1.0" encoding="utf-8"?>
-<p:sldLayout xmlns:a="http://schemas.openxmlformats.org/drawingml/2006/main" xmlns:r="http://schemas.openxmlformats.org/officeDocument/2006/relationships" xmlns:mc="http://schemas.openxmlformats.org/markup-compatibility/2006" xmlns:mv="urn:schemas-microsoft-com:mac:vml" xmlns:p="http://schemas.openxmlformats.org/presentationml/2006/main" xmlns:c="http://schemas.openxmlformats.org/drawingml/2006/chart" xmlns:dgm="http://schemas.openxmlformats.org/drawingml/2006/diagram" xmlns:o="urn:schemas-microsoft-com:office:office" xmlns:v="urn:schemas-microsoft-com:vml" xmlns:pvml="urn:schemas-microsoft-com:office:powerpoint" xmlns:com="http://schemas.openxmlformats.org/drawingml/2006/compatibility" xmlns:p14="http://schemas.microsoft.com/office/powerpoint/2010/main" xmlns:p15="http://schemas.microsoft.com/office/powerpoint/2012/main" xmlns:ahyp="http://schemas.microsoft.com/office/drawing/2018/hyperlinkcolor" matchingName="Title slide" type="title">
+<p:sldLayout xmlns:a="http://schemas.openxmlformats.org/drawingml/2006/main" xmlns:r="http://schemas.openxmlformats.org/officeDocument/2006/relationships" xmlns:p="http://schemas.openxmlformats.org/presentationml/2006/main" matchingName="Title slide" type="title">
   <p:cSld name="TITLE">
     <p:bg>
       <p:bgPr>
         <a:solidFill>
           <a:schemeClr val="dk1"/>
         </a:solidFill>
+        <a:effectLst/>
       </p:bgPr>
     </p:bg>
     <p:spTree>
       <p:nvGrpSpPr>
-        <p:cNvPr id="9" name="Shape 9"/>
+        <p:cNvPr id="1" name="Shape 9"/>
         <p:cNvGrpSpPr/>
         <p:nvPr/>
       </p:nvGrpSpPr>
@@ -1939,12 +2015,12 @@
           </a:ln>
         </p:spPr>
         <p:txBody>
-          <a:bodyPr anchorCtr="0" anchor="ctr" bIns="91425" lIns="91425" spcFirstLastPara="1" rIns="91425" wrap="square" tIns="91425">
+          <a:bodyPr spcFirstLastPara="1" wrap="square" lIns="91425" tIns="91425" rIns="91425" bIns="91425" anchor="ctr" anchorCtr="0">
             <a:noAutofit/>
           </a:bodyPr>
           <a:lstStyle/>
           <a:p>
-            <a:pPr indent="0" lvl="0" marL="0" rtl="0" algn="l">
+            <a:pPr marL="0" lvl="0" indent="0" algn="l" rtl="0">
               <a:spcBef>
                 <a:spcPts val="0"/>
               </a:spcBef>
@@ -1953,9 +2029,6 @@
               </a:spcAft>
               <a:buNone/>
             </a:pPr>
-            <a:r>
-              <a:t/>
-            </a:r>
             <a:endParaRPr/>
           </a:p>
         </p:txBody>
@@ -1975,21 +2048,23 @@
             <a:avLst/>
           </a:prstGeom>
           <a:noFill/>
-          <a:ln cap="flat" cmpd="sng" w="28575">
+          <a:ln w="28575" cap="flat" cmpd="sng">
             <a:solidFill>
               <a:schemeClr val="accent1"/>
             </a:solidFill>
             <a:prstDash val="solid"/>
             <a:round/>
-            <a:headEnd len="sm" w="sm" type="none"/>
-            <a:tailEnd len="sm" w="sm" type="none"/>
+            <a:headEnd type="none" w="sm" len="sm"/>
+            <a:tailEnd type="none" w="sm" len="sm"/>
           </a:ln>
         </p:spPr>
       </p:cxnSp>
       <p:sp>
         <p:nvSpPr>
           <p:cNvPr id="12" name="Google Shape;12;p2"/>
-          <p:cNvSpPr txBox="1"/>
+          <p:cNvSpPr txBox="1">
+            <a:spLocks noGrp="1"/>
+          </p:cNvSpPr>
           <p:nvPr>
             <p:ph type="ctrTitle"/>
           </p:nvPr>
@@ -2004,7 +2079,7 @@
           </a:prstGeom>
         </p:spPr>
         <p:txBody>
-          <a:bodyPr anchorCtr="0" anchor="b" bIns="91425" lIns="91425" spcFirstLastPara="1" rIns="91425" wrap="square" tIns="91425">
+          <a:bodyPr spcFirstLastPara="1" wrap="square" lIns="91425" tIns="91425" rIns="91425" bIns="91425" anchor="b" anchorCtr="0">
             <a:noAutofit/>
           </a:bodyPr>
           <a:lstStyle>
@@ -2171,15 +2246,19 @@
               </a:defRPr>
             </a:lvl9pPr>
           </a:lstStyle>
-          <a:p/>
+          <a:p>
+            <a:endParaRPr/>
+          </a:p>
         </p:txBody>
       </p:sp>
       <p:sp>
         <p:nvSpPr>
           <p:cNvPr id="13" name="Google Shape;13;p2"/>
-          <p:cNvSpPr txBox="1"/>
+          <p:cNvSpPr txBox="1">
+            <a:spLocks noGrp="1"/>
+          </p:cNvSpPr>
           <p:nvPr>
-            <p:ph idx="1" type="subTitle"/>
+            <p:ph type="subTitle" idx="1"/>
           </p:nvPr>
         </p:nvSpPr>
         <p:spPr>
@@ -2192,7 +2271,7 @@
           </a:prstGeom>
         </p:spPr>
         <p:txBody>
-          <a:bodyPr anchorCtr="0" anchor="t" bIns="91425" lIns="91425" spcFirstLastPara="1" rIns="91425" wrap="square" tIns="91425">
+          <a:bodyPr spcFirstLastPara="1" wrap="square" lIns="91425" tIns="91425" rIns="91425" bIns="91425" anchor="t" anchorCtr="0">
             <a:noAutofit/>
           </a:bodyPr>
           <a:lstStyle>
@@ -2386,15 +2465,19 @@
               </a:defRPr>
             </a:lvl9pPr>
           </a:lstStyle>
-          <a:p/>
+          <a:p>
+            <a:endParaRPr/>
+          </a:p>
         </p:txBody>
       </p:sp>
       <p:sp>
         <p:nvSpPr>
           <p:cNvPr id="14" name="Google Shape;14;p2"/>
-          <p:cNvSpPr txBox="1"/>
+          <p:cNvSpPr txBox="1">
+            <a:spLocks noGrp="1"/>
+          </p:cNvSpPr>
           <p:nvPr>
-            <p:ph idx="12" type="sldNum"/>
+            <p:ph type="sldNum" idx="12"/>
           </p:nvPr>
         </p:nvSpPr>
         <p:spPr>
@@ -2407,7 +2490,7 @@
           </a:prstGeom>
         </p:spPr>
         <p:txBody>
-          <a:bodyPr anchorCtr="0" anchor="ctr" bIns="91425" lIns="91425" spcFirstLastPara="1" rIns="91425" wrap="square" tIns="91425">
+          <a:bodyPr spcFirstLastPara="1" wrap="square" lIns="91425" tIns="91425" rIns="91425" bIns="91425" anchor="ctr" anchorCtr="0">
             <a:noAutofit/>
           </a:bodyPr>
           <a:lstStyle>
@@ -2485,7 +2568,7 @@
             </a:lvl9pPr>
           </a:lstStyle>
           <a:p>
-            <a:pPr indent="0" lvl="0" marL="0" rtl="0" algn="r">
+            <a:pPr marL="0" lvl="0" indent="0" algn="r" rtl="0">
               <a:spcBef>
                 <a:spcPts val="0"/>
               </a:spcBef>
@@ -2511,11 +2594,11 @@
 </file>
 
 <file path=ppt/slideLayouts/slideLayout10.xml><?xml version="1.0" encoding="utf-8"?>
-<p:sldLayout xmlns:a="http://schemas.openxmlformats.org/drawingml/2006/main" xmlns:r="http://schemas.openxmlformats.org/officeDocument/2006/relationships" xmlns:mc="http://schemas.openxmlformats.org/markup-compatibility/2006" xmlns:mv="urn:schemas-microsoft-com:mac:vml" xmlns:p="http://schemas.openxmlformats.org/presentationml/2006/main" xmlns:c="http://schemas.openxmlformats.org/drawingml/2006/chart" xmlns:dgm="http://schemas.openxmlformats.org/drawingml/2006/diagram" xmlns:o="urn:schemas-microsoft-com:office:office" xmlns:v="urn:schemas-microsoft-com:vml" xmlns:pvml="urn:schemas-microsoft-com:office:powerpoint" xmlns:com="http://schemas.openxmlformats.org/drawingml/2006/compatibility" xmlns:p14="http://schemas.microsoft.com/office/powerpoint/2010/main" xmlns:p15="http://schemas.microsoft.com/office/powerpoint/2012/main" xmlns:ahyp="http://schemas.microsoft.com/office/drawing/2018/hyperlinkcolor" matchingName="Big number">
+<p:sldLayout xmlns:a="http://schemas.openxmlformats.org/drawingml/2006/main" xmlns:r="http://schemas.openxmlformats.org/officeDocument/2006/relationships" xmlns:p="http://schemas.openxmlformats.org/presentationml/2006/main" matchingName="Big number">
   <p:cSld name="BIG_NUMBER">
     <p:spTree>
       <p:nvGrpSpPr>
-        <p:cNvPr id="49" name="Shape 49"/>
+        <p:cNvPr id="1" name="Shape 49"/>
         <p:cNvGrpSpPr/>
         <p:nvPr/>
       </p:nvGrpSpPr>
@@ -2530,9 +2613,11 @@
       <p:sp>
         <p:nvSpPr>
           <p:cNvPr id="50" name="Google Shape;50;p11"/>
-          <p:cNvSpPr txBox="1"/>
+          <p:cNvSpPr txBox="1">
+            <a:spLocks noGrp="1"/>
+          </p:cNvSpPr>
           <p:nvPr>
-            <p:ph hasCustomPrompt="1" type="title"/>
+            <p:ph type="title" hasCustomPrompt="1"/>
           </p:nvPr>
         </p:nvSpPr>
         <p:spPr>
@@ -2545,7 +2630,7 @@
           </a:prstGeom>
         </p:spPr>
         <p:txBody>
-          <a:bodyPr anchorCtr="0" anchor="b" bIns="91425" lIns="91425" spcFirstLastPara="1" rIns="91425" wrap="square" tIns="91425">
+          <a:bodyPr spcFirstLastPara="1" wrap="square" lIns="91425" tIns="91425" rIns="91425" bIns="91425" anchor="b" anchorCtr="0">
             <a:noAutofit/>
           </a:bodyPr>
           <a:lstStyle>
@@ -2558,7 +2643,7 @@
               </a:spcAft>
               <a:buSzPts val="14000"/>
               <a:buNone/>
-              <a:defRPr b="1" sz="14000"/>
+              <a:defRPr sz="14000" b="1"/>
             </a:lvl1pPr>
             <a:lvl2pPr lvl="1" algn="ctr">
               <a:spcBef>
@@ -2569,7 +2654,7 @@
               </a:spcAft>
               <a:buSzPts val="14000"/>
               <a:buNone/>
-              <a:defRPr b="1" sz="14000"/>
+              <a:defRPr sz="14000" b="1"/>
             </a:lvl2pPr>
             <a:lvl3pPr lvl="2" algn="ctr">
               <a:spcBef>
@@ -2580,7 +2665,7 @@
               </a:spcAft>
               <a:buSzPts val="14000"/>
               <a:buNone/>
-              <a:defRPr b="1" sz="14000"/>
+              <a:defRPr sz="14000" b="1"/>
             </a:lvl3pPr>
             <a:lvl4pPr lvl="3" algn="ctr">
               <a:spcBef>
@@ -2591,7 +2676,7 @@
               </a:spcAft>
               <a:buSzPts val="14000"/>
               <a:buNone/>
-              <a:defRPr b="1" sz="14000"/>
+              <a:defRPr sz="14000" b="1"/>
             </a:lvl4pPr>
             <a:lvl5pPr lvl="4" algn="ctr">
               <a:spcBef>
@@ -2602,7 +2687,7 @@
               </a:spcAft>
               <a:buSzPts val="14000"/>
               <a:buNone/>
-              <a:defRPr b="1" sz="14000"/>
+              <a:defRPr sz="14000" b="1"/>
             </a:lvl5pPr>
             <a:lvl6pPr lvl="5" algn="ctr">
               <a:spcBef>
@@ -2613,7 +2698,7 @@
               </a:spcAft>
               <a:buSzPts val="14000"/>
               <a:buNone/>
-              <a:defRPr b="1" sz="14000"/>
+              <a:defRPr sz="14000" b="1"/>
             </a:lvl6pPr>
             <a:lvl7pPr lvl="6" algn="ctr">
               <a:spcBef>
@@ -2624,7 +2709,7 @@
               </a:spcAft>
               <a:buSzPts val="14000"/>
               <a:buNone/>
-              <a:defRPr b="1" sz="14000"/>
+              <a:defRPr sz="14000" b="1"/>
             </a:lvl7pPr>
             <a:lvl8pPr lvl="7" algn="ctr">
               <a:spcBef>
@@ -2635,7 +2720,7 @@
               </a:spcAft>
               <a:buSzPts val="14000"/>
               <a:buNone/>
-              <a:defRPr b="1" sz="14000"/>
+              <a:defRPr sz="14000" b="1"/>
             </a:lvl8pPr>
             <a:lvl9pPr lvl="8" algn="ctr">
               <a:spcBef>
@@ -2646,7 +2731,7 @@
               </a:spcAft>
               <a:buSzPts val="14000"/>
               <a:buNone/>
-              <a:defRPr b="1" sz="14000"/>
+              <a:defRPr sz="14000" b="1"/>
             </a:lvl9pPr>
           </a:lstStyle>
           <a:p>
@@ -2659,9 +2744,11 @@
       <p:sp>
         <p:nvSpPr>
           <p:cNvPr id="51" name="Google Shape;51;p11"/>
-          <p:cNvSpPr txBox="1"/>
+          <p:cNvSpPr txBox="1">
+            <a:spLocks noGrp="1"/>
+          </p:cNvSpPr>
           <p:nvPr>
-            <p:ph idx="1" type="body"/>
+            <p:ph type="body" idx="1"/>
           </p:nvPr>
         </p:nvSpPr>
         <p:spPr>
@@ -2674,11 +2761,11 @@
           </a:prstGeom>
         </p:spPr>
         <p:txBody>
-          <a:bodyPr anchorCtr="0" anchor="t" bIns="91425" lIns="91425" spcFirstLastPara="1" rIns="91425" wrap="square" tIns="91425">
+          <a:bodyPr spcFirstLastPara="1" wrap="square" lIns="91425" tIns="91425" rIns="91425" bIns="91425" anchor="t" anchorCtr="0">
             <a:noAutofit/>
           </a:bodyPr>
           <a:lstStyle>
-            <a:lvl1pPr indent="-342900" lvl="0" marL="457200" algn="ctr">
+            <a:lvl1pPr marL="457200" lvl="0" indent="-342900" algn="ctr">
               <a:spcBef>
                 <a:spcPts val="0"/>
               </a:spcBef>
@@ -2689,7 +2776,7 @@
               <a:buChar char="●"/>
               <a:defRPr/>
             </a:lvl1pPr>
-            <a:lvl2pPr indent="-317500" lvl="1" marL="914400" algn="ctr">
+            <a:lvl2pPr marL="914400" lvl="1" indent="-317500" algn="ctr">
               <a:spcBef>
                 <a:spcPts val="1600"/>
               </a:spcBef>
@@ -2700,7 +2787,7 @@
               <a:buChar char="○"/>
               <a:defRPr/>
             </a:lvl2pPr>
-            <a:lvl3pPr indent="-317500" lvl="2" marL="1371600" algn="ctr">
+            <a:lvl3pPr marL="1371600" lvl="2" indent="-317500" algn="ctr">
               <a:spcBef>
                 <a:spcPts val="1600"/>
               </a:spcBef>
@@ -2711,7 +2798,7 @@
               <a:buChar char="■"/>
               <a:defRPr/>
             </a:lvl3pPr>
-            <a:lvl4pPr indent="-317500" lvl="3" marL="1828800" algn="ctr">
+            <a:lvl4pPr marL="1828800" lvl="3" indent="-317500" algn="ctr">
               <a:spcBef>
                 <a:spcPts val="1600"/>
               </a:spcBef>
@@ -2722,7 +2809,7 @@
               <a:buChar char="●"/>
               <a:defRPr/>
             </a:lvl4pPr>
-            <a:lvl5pPr indent="-317500" lvl="4" marL="2286000" algn="ctr">
+            <a:lvl5pPr marL="2286000" lvl="4" indent="-317500" algn="ctr">
               <a:spcBef>
                 <a:spcPts val="1600"/>
               </a:spcBef>
@@ -2733,7 +2820,7 @@
               <a:buChar char="○"/>
               <a:defRPr/>
             </a:lvl5pPr>
-            <a:lvl6pPr indent="-317500" lvl="5" marL="2743200" algn="ctr">
+            <a:lvl6pPr marL="2743200" lvl="5" indent="-317500" algn="ctr">
               <a:spcBef>
                 <a:spcPts val="1600"/>
               </a:spcBef>
@@ -2744,7 +2831,7 @@
               <a:buChar char="■"/>
               <a:defRPr/>
             </a:lvl6pPr>
-            <a:lvl7pPr indent="-317500" lvl="6" marL="3200400" algn="ctr">
+            <a:lvl7pPr marL="3200400" lvl="6" indent="-317500" algn="ctr">
               <a:spcBef>
                 <a:spcPts val="1600"/>
               </a:spcBef>
@@ -2755,7 +2842,7 @@
               <a:buChar char="●"/>
               <a:defRPr/>
             </a:lvl7pPr>
-            <a:lvl8pPr indent="-317500" lvl="7" marL="3657600" algn="ctr">
+            <a:lvl8pPr marL="3657600" lvl="7" indent="-317500" algn="ctr">
               <a:spcBef>
                 <a:spcPts val="1600"/>
               </a:spcBef>
@@ -2766,7 +2853,7 @@
               <a:buChar char="○"/>
               <a:defRPr/>
             </a:lvl8pPr>
-            <a:lvl9pPr indent="-317500" lvl="8" marL="4114800" algn="ctr">
+            <a:lvl9pPr marL="4114800" lvl="8" indent="-317500" algn="ctr">
               <a:spcBef>
                 <a:spcPts val="1600"/>
               </a:spcBef>
@@ -2778,15 +2865,19 @@
               <a:defRPr/>
             </a:lvl9pPr>
           </a:lstStyle>
-          <a:p/>
+          <a:p>
+            <a:endParaRPr/>
+          </a:p>
         </p:txBody>
       </p:sp>
       <p:sp>
         <p:nvSpPr>
           <p:cNvPr id="52" name="Google Shape;52;p11"/>
-          <p:cNvSpPr txBox="1"/>
+          <p:cNvSpPr txBox="1">
+            <a:spLocks noGrp="1"/>
+          </p:cNvSpPr>
           <p:nvPr>
-            <p:ph idx="12" type="sldNum"/>
+            <p:ph type="sldNum" idx="12"/>
           </p:nvPr>
         </p:nvSpPr>
         <p:spPr>
@@ -2799,7 +2890,7 @@
           </a:prstGeom>
         </p:spPr>
         <p:txBody>
-          <a:bodyPr anchorCtr="0" anchor="ctr" bIns="91425" lIns="91425" spcFirstLastPara="1" rIns="91425" wrap="square" tIns="91425">
+          <a:bodyPr spcFirstLastPara="1" wrap="square" lIns="91425" tIns="91425" rIns="91425" bIns="91425" anchor="ctr" anchorCtr="0">
             <a:noAutofit/>
           </a:bodyPr>
           <a:lstStyle>
@@ -2841,7 +2932,7 @@
             </a:lvl9pPr>
           </a:lstStyle>
           <a:p>
-            <a:pPr indent="0" lvl="0" marL="0" rtl="0" algn="r">
+            <a:pPr marL="0" lvl="0" indent="0" algn="r" rtl="0">
               <a:spcBef>
                 <a:spcPts val="0"/>
               </a:spcBef>
@@ -2867,11 +2958,11 @@
 </file>
 
 <file path=ppt/slideLayouts/slideLayout11.xml><?xml version="1.0" encoding="utf-8"?>
-<p:sldLayout xmlns:a="http://schemas.openxmlformats.org/drawingml/2006/main" xmlns:r="http://schemas.openxmlformats.org/officeDocument/2006/relationships" xmlns:mc="http://schemas.openxmlformats.org/markup-compatibility/2006" xmlns:mv="urn:schemas-microsoft-com:mac:vml" xmlns:p="http://schemas.openxmlformats.org/presentationml/2006/main" xmlns:c="http://schemas.openxmlformats.org/drawingml/2006/chart" xmlns:dgm="http://schemas.openxmlformats.org/drawingml/2006/diagram" xmlns:o="urn:schemas-microsoft-com:office:office" xmlns:v="urn:schemas-microsoft-com:vml" xmlns:pvml="urn:schemas-microsoft-com:office:powerpoint" xmlns:com="http://schemas.openxmlformats.org/drawingml/2006/compatibility" xmlns:p14="http://schemas.microsoft.com/office/powerpoint/2010/main" xmlns:p15="http://schemas.microsoft.com/office/powerpoint/2012/main" xmlns:ahyp="http://schemas.microsoft.com/office/drawing/2018/hyperlinkcolor" matchingName="Blank" type="blank">
+<p:sldLayout xmlns:a="http://schemas.openxmlformats.org/drawingml/2006/main" xmlns:r="http://schemas.openxmlformats.org/officeDocument/2006/relationships" xmlns:p="http://schemas.openxmlformats.org/presentationml/2006/main" matchingName="Blank" type="blank">
   <p:cSld name="BLANK">
     <p:spTree>
       <p:nvGrpSpPr>
-        <p:cNvPr id="53" name="Shape 53"/>
+        <p:cNvPr id="1" name="Shape 53"/>
         <p:cNvGrpSpPr/>
         <p:nvPr/>
       </p:nvGrpSpPr>
@@ -2886,9 +2977,11 @@
       <p:sp>
         <p:nvSpPr>
           <p:cNvPr id="54" name="Google Shape;54;p12"/>
-          <p:cNvSpPr txBox="1"/>
+          <p:cNvSpPr txBox="1">
+            <a:spLocks noGrp="1"/>
+          </p:cNvSpPr>
           <p:nvPr>
-            <p:ph idx="12" type="sldNum"/>
+            <p:ph type="sldNum" idx="12"/>
           </p:nvPr>
         </p:nvSpPr>
         <p:spPr>
@@ -2901,7 +2994,7 @@
           </a:prstGeom>
         </p:spPr>
         <p:txBody>
-          <a:bodyPr anchorCtr="0" anchor="ctr" bIns="91425" lIns="91425" spcFirstLastPara="1" rIns="91425" wrap="square" tIns="91425">
+          <a:bodyPr spcFirstLastPara="1" wrap="square" lIns="91425" tIns="91425" rIns="91425" bIns="91425" anchor="ctr" anchorCtr="0">
             <a:noAutofit/>
           </a:bodyPr>
           <a:lstStyle>
@@ -2943,7 +3036,7 @@
             </a:lvl9pPr>
           </a:lstStyle>
           <a:p>
-            <a:pPr indent="0" lvl="0" marL="0" rtl="0" algn="r">
+            <a:pPr marL="0" lvl="0" indent="0" algn="r" rtl="0">
               <a:spcBef>
                 <a:spcPts val="0"/>
               </a:spcBef>
@@ -2969,18 +3062,19 @@
 </file>
 
 <file path=ppt/slideLayouts/slideLayout2.xml><?xml version="1.0" encoding="utf-8"?>
-<p:sldLayout xmlns:a="http://schemas.openxmlformats.org/drawingml/2006/main" xmlns:r="http://schemas.openxmlformats.org/officeDocument/2006/relationships" xmlns:mc="http://schemas.openxmlformats.org/markup-compatibility/2006" xmlns:mv="urn:schemas-microsoft-com:mac:vml" xmlns:p="http://schemas.openxmlformats.org/presentationml/2006/main" xmlns:c="http://schemas.openxmlformats.org/drawingml/2006/chart" xmlns:dgm="http://schemas.openxmlformats.org/drawingml/2006/diagram" xmlns:o="urn:schemas-microsoft-com:office:office" xmlns:v="urn:schemas-microsoft-com:vml" xmlns:pvml="urn:schemas-microsoft-com:office:powerpoint" xmlns:com="http://schemas.openxmlformats.org/drawingml/2006/compatibility" xmlns:p14="http://schemas.microsoft.com/office/powerpoint/2010/main" xmlns:p15="http://schemas.microsoft.com/office/powerpoint/2012/main" xmlns:ahyp="http://schemas.microsoft.com/office/drawing/2018/hyperlinkcolor" matchingName="Section header" type="secHead">
+<p:sldLayout xmlns:a="http://schemas.openxmlformats.org/drawingml/2006/main" xmlns:r="http://schemas.openxmlformats.org/officeDocument/2006/relationships" xmlns:p="http://schemas.openxmlformats.org/presentationml/2006/main" matchingName="Section header" type="secHead">
   <p:cSld name="SECTION_HEADER">
     <p:bg>
       <p:bgPr>
         <a:solidFill>
           <a:schemeClr val="dk1"/>
         </a:solidFill>
+        <a:effectLst/>
       </p:bgPr>
     </p:bg>
     <p:spTree>
       <p:nvGrpSpPr>
-        <p:cNvPr id="15" name="Shape 15"/>
+        <p:cNvPr id="1" name="Shape 15"/>
         <p:cNvGrpSpPr/>
         <p:nvPr/>
       </p:nvGrpSpPr>
@@ -3007,21 +3101,23 @@
             <a:avLst/>
           </a:prstGeom>
           <a:noFill/>
-          <a:ln cap="flat" cmpd="sng" w="28575">
+          <a:ln w="28575" cap="flat" cmpd="sng">
             <a:solidFill>
               <a:schemeClr val="lt2"/>
             </a:solidFill>
             <a:prstDash val="solid"/>
             <a:round/>
-            <a:headEnd len="sm" w="sm" type="none"/>
-            <a:tailEnd len="sm" w="sm" type="none"/>
+            <a:headEnd type="none" w="sm" len="sm"/>
+            <a:tailEnd type="none" w="sm" len="sm"/>
           </a:ln>
         </p:spPr>
       </p:cxnSp>
       <p:sp>
         <p:nvSpPr>
           <p:cNvPr id="17" name="Google Shape;17;p3"/>
-          <p:cNvSpPr txBox="1"/>
+          <p:cNvSpPr txBox="1">
+            <a:spLocks noGrp="1"/>
+          </p:cNvSpPr>
           <p:nvPr>
             <p:ph type="title"/>
           </p:nvPr>
@@ -3036,7 +3132,7 @@
           </a:prstGeom>
         </p:spPr>
         <p:txBody>
-          <a:bodyPr anchorCtr="0" anchor="b" bIns="91425" lIns="91425" spcFirstLastPara="1" rIns="91425" wrap="square" tIns="91425">
+          <a:bodyPr spcFirstLastPara="1" wrap="square" lIns="91425" tIns="91425" rIns="91425" bIns="91425" anchor="b" anchorCtr="0">
             <a:noAutofit/>
           </a:bodyPr>
           <a:lstStyle>
@@ -3203,15 +3299,19 @@
               </a:defRPr>
             </a:lvl9pPr>
           </a:lstStyle>
-          <a:p/>
+          <a:p>
+            <a:endParaRPr/>
+          </a:p>
         </p:txBody>
       </p:sp>
       <p:sp>
         <p:nvSpPr>
           <p:cNvPr id="18" name="Google Shape;18;p3"/>
-          <p:cNvSpPr txBox="1"/>
+          <p:cNvSpPr txBox="1">
+            <a:spLocks noGrp="1"/>
+          </p:cNvSpPr>
           <p:nvPr>
-            <p:ph idx="12" type="sldNum"/>
+            <p:ph type="sldNum" idx="12"/>
           </p:nvPr>
         </p:nvSpPr>
         <p:spPr>
@@ -3224,7 +3324,7 @@
           </a:prstGeom>
         </p:spPr>
         <p:txBody>
-          <a:bodyPr anchorCtr="0" anchor="ctr" bIns="91425" lIns="91425" spcFirstLastPara="1" rIns="91425" wrap="square" tIns="91425">
+          <a:bodyPr spcFirstLastPara="1" wrap="square" lIns="91425" tIns="91425" rIns="91425" bIns="91425" anchor="ctr" anchorCtr="0">
             <a:noAutofit/>
           </a:bodyPr>
           <a:lstStyle>
@@ -3302,7 +3402,7 @@
             </a:lvl9pPr>
           </a:lstStyle>
           <a:p>
-            <a:pPr indent="0" lvl="0" marL="0" rtl="0" algn="r">
+            <a:pPr marL="0" lvl="0" indent="0" algn="r" rtl="0">
               <a:spcBef>
                 <a:spcPts val="0"/>
               </a:spcBef>
@@ -3328,11 +3428,11 @@
 </file>
 
 <file path=ppt/slideLayouts/slideLayout3.xml><?xml version="1.0" encoding="utf-8"?>
-<p:sldLayout xmlns:a="http://schemas.openxmlformats.org/drawingml/2006/main" xmlns:r="http://schemas.openxmlformats.org/officeDocument/2006/relationships" xmlns:mc="http://schemas.openxmlformats.org/markup-compatibility/2006" xmlns:mv="urn:schemas-microsoft-com:mac:vml" xmlns:p="http://schemas.openxmlformats.org/presentationml/2006/main" xmlns:c="http://schemas.openxmlformats.org/drawingml/2006/chart" xmlns:dgm="http://schemas.openxmlformats.org/drawingml/2006/diagram" xmlns:o="urn:schemas-microsoft-com:office:office" xmlns:v="urn:schemas-microsoft-com:vml" xmlns:pvml="urn:schemas-microsoft-com:office:powerpoint" xmlns:com="http://schemas.openxmlformats.org/drawingml/2006/compatibility" xmlns:p14="http://schemas.microsoft.com/office/powerpoint/2010/main" xmlns:p15="http://schemas.microsoft.com/office/powerpoint/2012/main" xmlns:ahyp="http://schemas.microsoft.com/office/drawing/2018/hyperlinkcolor" matchingName="Title and body" type="tx">
+<p:sldLayout xmlns:a="http://schemas.openxmlformats.org/drawingml/2006/main" xmlns:r="http://schemas.openxmlformats.org/officeDocument/2006/relationships" xmlns:p="http://schemas.openxmlformats.org/presentationml/2006/main" matchingName="Title and body" type="tx">
   <p:cSld name="TITLE_AND_BODY">
     <p:spTree>
       <p:nvGrpSpPr>
-        <p:cNvPr id="19" name="Shape 19"/>
+        <p:cNvPr id="1" name="Shape 19"/>
         <p:cNvGrpSpPr/>
         <p:nvPr/>
       </p:nvGrpSpPr>
@@ -3366,12 +3466,12 @@
           </a:ln>
         </p:spPr>
         <p:txBody>
-          <a:bodyPr anchorCtr="0" anchor="ctr" bIns="91425" lIns="91425" spcFirstLastPara="1" rIns="91425" wrap="square" tIns="91425">
+          <a:bodyPr spcFirstLastPara="1" wrap="square" lIns="91425" tIns="91425" rIns="91425" bIns="91425" anchor="ctr" anchorCtr="0">
             <a:noAutofit/>
           </a:bodyPr>
           <a:lstStyle/>
           <a:p>
-            <a:pPr indent="0" lvl="0" marL="0" rtl="0" algn="l">
+            <a:pPr marL="0" lvl="0" indent="0" algn="l" rtl="0">
               <a:spcBef>
                 <a:spcPts val="0"/>
               </a:spcBef>
@@ -3380,9 +3480,6 @@
               </a:spcAft>
               <a:buNone/>
             </a:pPr>
-            <a:r>
-              <a:t/>
-            </a:r>
             <a:endParaRPr/>
           </a:p>
         </p:txBody>
@@ -3390,7 +3487,9 @@
       <p:sp>
         <p:nvSpPr>
           <p:cNvPr id="21" name="Google Shape;21;p4"/>
-          <p:cNvSpPr txBox="1"/>
+          <p:cNvSpPr txBox="1">
+            <a:spLocks noGrp="1"/>
+          </p:cNvSpPr>
           <p:nvPr>
             <p:ph type="title"/>
           </p:nvPr>
@@ -3405,7 +3504,7 @@
           </a:prstGeom>
         </p:spPr>
         <p:txBody>
-          <a:bodyPr anchorCtr="0" anchor="t" bIns="91425" lIns="91425" spcFirstLastPara="1" rIns="91425" wrap="square" tIns="91425">
+          <a:bodyPr spcFirstLastPara="1" wrap="square" lIns="91425" tIns="91425" rIns="91425" bIns="91425" anchor="t" anchorCtr="0">
             <a:noAutofit/>
           </a:bodyPr>
           <a:lstStyle>
@@ -3509,15 +3608,19 @@
               <a:defRPr/>
             </a:lvl9pPr>
           </a:lstStyle>
-          <a:p/>
+          <a:p>
+            <a:endParaRPr/>
+          </a:p>
         </p:txBody>
       </p:sp>
       <p:sp>
         <p:nvSpPr>
           <p:cNvPr id="22" name="Google Shape;22;p4"/>
-          <p:cNvSpPr txBox="1"/>
+          <p:cNvSpPr txBox="1">
+            <a:spLocks noGrp="1"/>
+          </p:cNvSpPr>
           <p:nvPr>
-            <p:ph idx="1" type="body"/>
+            <p:ph type="body" idx="1"/>
           </p:nvPr>
         </p:nvSpPr>
         <p:spPr>
@@ -3530,11 +3633,11 @@
           </a:prstGeom>
         </p:spPr>
         <p:txBody>
-          <a:bodyPr anchorCtr="0" anchor="t" bIns="91425" lIns="91425" spcFirstLastPara="1" rIns="91425" wrap="square" tIns="91425">
+          <a:bodyPr spcFirstLastPara="1" wrap="square" lIns="91425" tIns="91425" rIns="91425" bIns="91425" anchor="t" anchorCtr="0">
             <a:noAutofit/>
           </a:bodyPr>
           <a:lstStyle>
-            <a:lvl1pPr indent="-342900" lvl="0" marL="457200">
+            <a:lvl1pPr marL="457200" lvl="0" indent="-342900">
               <a:spcBef>
                 <a:spcPts val="0"/>
               </a:spcBef>
@@ -3545,7 +3648,7 @@
               <a:buChar char="●"/>
               <a:defRPr/>
             </a:lvl1pPr>
-            <a:lvl2pPr indent="-317500" lvl="1" marL="914400">
+            <a:lvl2pPr marL="914400" lvl="1" indent="-317500">
               <a:spcBef>
                 <a:spcPts val="1600"/>
               </a:spcBef>
@@ -3556,7 +3659,7 @@
               <a:buChar char="○"/>
               <a:defRPr/>
             </a:lvl2pPr>
-            <a:lvl3pPr indent="-317500" lvl="2" marL="1371600">
+            <a:lvl3pPr marL="1371600" lvl="2" indent="-317500">
               <a:spcBef>
                 <a:spcPts val="1600"/>
               </a:spcBef>
@@ -3567,7 +3670,7 @@
               <a:buChar char="■"/>
               <a:defRPr/>
             </a:lvl3pPr>
-            <a:lvl4pPr indent="-317500" lvl="3" marL="1828800">
+            <a:lvl4pPr marL="1828800" lvl="3" indent="-317500">
               <a:spcBef>
                 <a:spcPts val="1600"/>
               </a:spcBef>
@@ -3578,7 +3681,7 @@
               <a:buChar char="●"/>
               <a:defRPr/>
             </a:lvl4pPr>
-            <a:lvl5pPr indent="-317500" lvl="4" marL="2286000">
+            <a:lvl5pPr marL="2286000" lvl="4" indent="-317500">
               <a:spcBef>
                 <a:spcPts val="1600"/>
               </a:spcBef>
@@ -3589,7 +3692,7 @@
               <a:buChar char="○"/>
               <a:defRPr/>
             </a:lvl5pPr>
-            <a:lvl6pPr indent="-317500" lvl="5" marL="2743200">
+            <a:lvl6pPr marL="2743200" lvl="5" indent="-317500">
               <a:spcBef>
                 <a:spcPts val="1600"/>
               </a:spcBef>
@@ -3600,7 +3703,7 @@
               <a:buChar char="■"/>
               <a:defRPr/>
             </a:lvl6pPr>
-            <a:lvl7pPr indent="-317500" lvl="6" marL="3200400">
+            <a:lvl7pPr marL="3200400" lvl="6" indent="-317500">
               <a:spcBef>
                 <a:spcPts val="1600"/>
               </a:spcBef>
@@ -3611,7 +3714,7 @@
               <a:buChar char="●"/>
               <a:defRPr/>
             </a:lvl7pPr>
-            <a:lvl8pPr indent="-317500" lvl="7" marL="3657600">
+            <a:lvl8pPr marL="3657600" lvl="7" indent="-317500">
               <a:spcBef>
                 <a:spcPts val="1600"/>
               </a:spcBef>
@@ -3622,7 +3725,7 @@
               <a:buChar char="○"/>
               <a:defRPr/>
             </a:lvl8pPr>
-            <a:lvl9pPr indent="-317500" lvl="8" marL="4114800">
+            <a:lvl9pPr marL="4114800" lvl="8" indent="-317500">
               <a:spcBef>
                 <a:spcPts val="1600"/>
               </a:spcBef>
@@ -3634,15 +3737,19 @@
               <a:defRPr/>
             </a:lvl9pPr>
           </a:lstStyle>
-          <a:p/>
+          <a:p>
+            <a:endParaRPr/>
+          </a:p>
         </p:txBody>
       </p:sp>
       <p:sp>
         <p:nvSpPr>
           <p:cNvPr id="23" name="Google Shape;23;p4"/>
-          <p:cNvSpPr txBox="1"/>
+          <p:cNvSpPr txBox="1">
+            <a:spLocks noGrp="1"/>
+          </p:cNvSpPr>
           <p:nvPr>
-            <p:ph idx="12" type="sldNum"/>
+            <p:ph type="sldNum" idx="12"/>
           </p:nvPr>
         </p:nvSpPr>
         <p:spPr>
@@ -3655,7 +3762,7 @@
           </a:prstGeom>
         </p:spPr>
         <p:txBody>
-          <a:bodyPr anchorCtr="0" anchor="ctr" bIns="91425" lIns="91425" spcFirstLastPara="1" rIns="91425" wrap="square" tIns="91425">
+          <a:bodyPr spcFirstLastPara="1" wrap="square" lIns="91425" tIns="91425" rIns="91425" bIns="91425" anchor="ctr" anchorCtr="0">
             <a:noAutofit/>
           </a:bodyPr>
           <a:lstStyle>
@@ -3697,7 +3804,7 @@
             </a:lvl9pPr>
           </a:lstStyle>
           <a:p>
-            <a:pPr indent="0" lvl="0" marL="0" rtl="0" algn="r">
+            <a:pPr marL="0" lvl="0" indent="0" algn="r" rtl="0">
               <a:spcBef>
                 <a:spcPts val="0"/>
               </a:spcBef>
@@ -3723,11 +3830,11 @@
 </file>
 
 <file path=ppt/slideLayouts/slideLayout4.xml><?xml version="1.0" encoding="utf-8"?>
-<p:sldLayout xmlns:a="http://schemas.openxmlformats.org/drawingml/2006/main" xmlns:r="http://schemas.openxmlformats.org/officeDocument/2006/relationships" xmlns:mc="http://schemas.openxmlformats.org/markup-compatibility/2006" xmlns:mv="urn:schemas-microsoft-com:mac:vml" xmlns:p="http://schemas.openxmlformats.org/presentationml/2006/main" xmlns:c="http://schemas.openxmlformats.org/drawingml/2006/chart" xmlns:dgm="http://schemas.openxmlformats.org/drawingml/2006/diagram" xmlns:o="urn:schemas-microsoft-com:office:office" xmlns:v="urn:schemas-microsoft-com:vml" xmlns:pvml="urn:schemas-microsoft-com:office:powerpoint" xmlns:com="http://schemas.openxmlformats.org/drawingml/2006/compatibility" xmlns:p14="http://schemas.microsoft.com/office/powerpoint/2010/main" xmlns:p15="http://schemas.microsoft.com/office/powerpoint/2012/main" xmlns:ahyp="http://schemas.microsoft.com/office/drawing/2018/hyperlinkcolor" matchingName="Title and two columns" type="twoColTx">
+<p:sldLayout xmlns:a="http://schemas.openxmlformats.org/drawingml/2006/main" xmlns:r="http://schemas.openxmlformats.org/officeDocument/2006/relationships" xmlns:p="http://schemas.openxmlformats.org/presentationml/2006/main" matchingName="Title and two columns" type="twoColTx">
   <p:cSld name="TITLE_AND_TWO_COLUMNS">
     <p:spTree>
       <p:nvGrpSpPr>
-        <p:cNvPr id="24" name="Shape 24"/>
+        <p:cNvPr id="1" name="Shape 24"/>
         <p:cNvGrpSpPr/>
         <p:nvPr/>
       </p:nvGrpSpPr>
@@ -3742,7 +3849,9 @@
       <p:sp>
         <p:nvSpPr>
           <p:cNvPr id="25" name="Google Shape;25;p5"/>
-          <p:cNvSpPr txBox="1"/>
+          <p:cNvSpPr txBox="1">
+            <a:spLocks noGrp="1"/>
+          </p:cNvSpPr>
           <p:nvPr>
             <p:ph type="title"/>
           </p:nvPr>
@@ -3757,7 +3866,7 @@
           </a:prstGeom>
         </p:spPr>
         <p:txBody>
-          <a:bodyPr anchorCtr="0" anchor="t" bIns="91425" lIns="91425" spcFirstLastPara="1" rIns="91425" wrap="square" tIns="91425">
+          <a:bodyPr spcFirstLastPara="1" wrap="square" lIns="91425" tIns="91425" rIns="91425" bIns="91425" anchor="t" anchorCtr="0">
             <a:noAutofit/>
           </a:bodyPr>
           <a:lstStyle>
@@ -3861,15 +3970,19 @@
               <a:defRPr/>
             </a:lvl9pPr>
           </a:lstStyle>
-          <a:p/>
+          <a:p>
+            <a:endParaRPr/>
+          </a:p>
         </p:txBody>
       </p:sp>
       <p:sp>
         <p:nvSpPr>
           <p:cNvPr id="26" name="Google Shape;26;p5"/>
-          <p:cNvSpPr txBox="1"/>
+          <p:cNvSpPr txBox="1">
+            <a:spLocks noGrp="1"/>
+          </p:cNvSpPr>
           <p:nvPr>
-            <p:ph idx="1" type="body"/>
+            <p:ph type="body" idx="1"/>
           </p:nvPr>
         </p:nvSpPr>
         <p:spPr>
@@ -3882,11 +3995,11 @@
           </a:prstGeom>
         </p:spPr>
         <p:txBody>
-          <a:bodyPr anchorCtr="0" anchor="t" bIns="91425" lIns="91425" spcFirstLastPara="1" rIns="91425" wrap="square" tIns="91425">
+          <a:bodyPr spcFirstLastPara="1" wrap="square" lIns="91425" tIns="91425" rIns="91425" bIns="91425" anchor="t" anchorCtr="0">
             <a:noAutofit/>
           </a:bodyPr>
           <a:lstStyle>
-            <a:lvl1pPr indent="-317500" lvl="0" marL="457200">
+            <a:lvl1pPr marL="457200" lvl="0" indent="-317500">
               <a:spcBef>
                 <a:spcPts val="0"/>
               </a:spcBef>
@@ -3897,7 +4010,7 @@
               <a:buChar char="●"/>
               <a:defRPr sz="1400"/>
             </a:lvl1pPr>
-            <a:lvl2pPr indent="-304800" lvl="1" marL="914400">
+            <a:lvl2pPr marL="914400" lvl="1" indent="-304800">
               <a:spcBef>
                 <a:spcPts val="1600"/>
               </a:spcBef>
@@ -3908,7 +4021,7 @@
               <a:buChar char="○"/>
               <a:defRPr sz="1200"/>
             </a:lvl2pPr>
-            <a:lvl3pPr indent="-304800" lvl="2" marL="1371600">
+            <a:lvl3pPr marL="1371600" lvl="2" indent="-304800">
               <a:spcBef>
                 <a:spcPts val="1600"/>
               </a:spcBef>
@@ -3919,7 +4032,7 @@
               <a:buChar char="■"/>
               <a:defRPr sz="1200"/>
             </a:lvl3pPr>
-            <a:lvl4pPr indent="-304800" lvl="3" marL="1828800">
+            <a:lvl4pPr marL="1828800" lvl="3" indent="-304800">
               <a:spcBef>
                 <a:spcPts val="1600"/>
               </a:spcBef>
@@ -3930,7 +4043,7 @@
               <a:buChar char="●"/>
               <a:defRPr sz="1200"/>
             </a:lvl4pPr>
-            <a:lvl5pPr indent="-304800" lvl="4" marL="2286000">
+            <a:lvl5pPr marL="2286000" lvl="4" indent="-304800">
               <a:spcBef>
                 <a:spcPts val="1600"/>
               </a:spcBef>
@@ -3941,7 +4054,7 @@
               <a:buChar char="○"/>
               <a:defRPr sz="1200"/>
             </a:lvl5pPr>
-            <a:lvl6pPr indent="-304800" lvl="5" marL="2743200">
+            <a:lvl6pPr marL="2743200" lvl="5" indent="-304800">
               <a:spcBef>
                 <a:spcPts val="1600"/>
               </a:spcBef>
@@ -3952,7 +4065,7 @@
               <a:buChar char="■"/>
               <a:defRPr sz="1200"/>
             </a:lvl6pPr>
-            <a:lvl7pPr indent="-304800" lvl="6" marL="3200400">
+            <a:lvl7pPr marL="3200400" lvl="6" indent="-304800">
               <a:spcBef>
                 <a:spcPts val="1600"/>
               </a:spcBef>
@@ -3963,7 +4076,7 @@
               <a:buChar char="●"/>
               <a:defRPr sz="1200"/>
             </a:lvl7pPr>
-            <a:lvl8pPr indent="-304800" lvl="7" marL="3657600">
+            <a:lvl8pPr marL="3657600" lvl="7" indent="-304800">
               <a:spcBef>
                 <a:spcPts val="1600"/>
               </a:spcBef>
@@ -3974,7 +4087,7 @@
               <a:buChar char="○"/>
               <a:defRPr sz="1200"/>
             </a:lvl8pPr>
-            <a:lvl9pPr indent="-304800" lvl="8" marL="4114800">
+            <a:lvl9pPr marL="4114800" lvl="8" indent="-304800">
               <a:spcBef>
                 <a:spcPts val="1600"/>
               </a:spcBef>
@@ -3986,15 +4099,19 @@
               <a:defRPr sz="1200"/>
             </a:lvl9pPr>
           </a:lstStyle>
-          <a:p/>
+          <a:p>
+            <a:endParaRPr/>
+          </a:p>
         </p:txBody>
       </p:sp>
       <p:sp>
         <p:nvSpPr>
           <p:cNvPr id="27" name="Google Shape;27;p5"/>
-          <p:cNvSpPr txBox="1"/>
+          <p:cNvSpPr txBox="1">
+            <a:spLocks noGrp="1"/>
+          </p:cNvSpPr>
           <p:nvPr>
-            <p:ph idx="2" type="body"/>
+            <p:ph type="body" idx="2"/>
           </p:nvPr>
         </p:nvSpPr>
         <p:spPr>
@@ -4007,11 +4124,11 @@
           </a:prstGeom>
         </p:spPr>
         <p:txBody>
-          <a:bodyPr anchorCtr="0" anchor="t" bIns="91425" lIns="91425" spcFirstLastPara="1" rIns="91425" wrap="square" tIns="91425">
+          <a:bodyPr spcFirstLastPara="1" wrap="square" lIns="91425" tIns="91425" rIns="91425" bIns="91425" anchor="t" anchorCtr="0">
             <a:noAutofit/>
           </a:bodyPr>
           <a:lstStyle>
-            <a:lvl1pPr indent="-317500" lvl="0" marL="457200">
+            <a:lvl1pPr marL="457200" lvl="0" indent="-317500">
               <a:spcBef>
                 <a:spcPts val="0"/>
               </a:spcBef>
@@ -4022,7 +4139,7 @@
               <a:buChar char="●"/>
               <a:defRPr sz="1400"/>
             </a:lvl1pPr>
-            <a:lvl2pPr indent="-304800" lvl="1" marL="914400">
+            <a:lvl2pPr marL="914400" lvl="1" indent="-304800">
               <a:spcBef>
                 <a:spcPts val="1600"/>
               </a:spcBef>
@@ -4033,7 +4150,7 @@
               <a:buChar char="○"/>
               <a:defRPr sz="1200"/>
             </a:lvl2pPr>
-            <a:lvl3pPr indent="-304800" lvl="2" marL="1371600">
+            <a:lvl3pPr marL="1371600" lvl="2" indent="-304800">
               <a:spcBef>
                 <a:spcPts val="1600"/>
               </a:spcBef>
@@ -4044,7 +4161,7 @@
               <a:buChar char="■"/>
               <a:defRPr sz="1200"/>
             </a:lvl3pPr>
-            <a:lvl4pPr indent="-304800" lvl="3" marL="1828800">
+            <a:lvl4pPr marL="1828800" lvl="3" indent="-304800">
               <a:spcBef>
                 <a:spcPts val="1600"/>
               </a:spcBef>
@@ -4055,7 +4172,7 @@
               <a:buChar char="●"/>
               <a:defRPr sz="1200"/>
             </a:lvl4pPr>
-            <a:lvl5pPr indent="-304800" lvl="4" marL="2286000">
+            <a:lvl5pPr marL="2286000" lvl="4" indent="-304800">
               <a:spcBef>
                 <a:spcPts val="1600"/>
               </a:spcBef>
@@ -4066,7 +4183,7 @@
               <a:buChar char="○"/>
               <a:defRPr sz="1200"/>
             </a:lvl5pPr>
-            <a:lvl6pPr indent="-304800" lvl="5" marL="2743200">
+            <a:lvl6pPr marL="2743200" lvl="5" indent="-304800">
               <a:spcBef>
                 <a:spcPts val="1600"/>
               </a:spcBef>
@@ -4077,7 +4194,7 @@
               <a:buChar char="■"/>
               <a:defRPr sz="1200"/>
             </a:lvl6pPr>
-            <a:lvl7pPr indent="-304800" lvl="6" marL="3200400">
+            <a:lvl7pPr marL="3200400" lvl="6" indent="-304800">
               <a:spcBef>
                 <a:spcPts val="1600"/>
               </a:spcBef>
@@ -4088,7 +4205,7 @@
               <a:buChar char="●"/>
               <a:defRPr sz="1200"/>
             </a:lvl7pPr>
-            <a:lvl8pPr indent="-304800" lvl="7" marL="3657600">
+            <a:lvl8pPr marL="3657600" lvl="7" indent="-304800">
               <a:spcBef>
                 <a:spcPts val="1600"/>
               </a:spcBef>
@@ -4099,7 +4216,7 @@
               <a:buChar char="○"/>
               <a:defRPr sz="1200"/>
             </a:lvl8pPr>
-            <a:lvl9pPr indent="-304800" lvl="8" marL="4114800">
+            <a:lvl9pPr marL="4114800" lvl="8" indent="-304800">
               <a:spcBef>
                 <a:spcPts val="1600"/>
               </a:spcBef>
@@ -4111,15 +4228,19 @@
               <a:defRPr sz="1200"/>
             </a:lvl9pPr>
           </a:lstStyle>
-          <a:p/>
+          <a:p>
+            <a:endParaRPr/>
+          </a:p>
         </p:txBody>
       </p:sp>
       <p:sp>
         <p:nvSpPr>
           <p:cNvPr id="28" name="Google Shape;28;p5"/>
-          <p:cNvSpPr txBox="1"/>
+          <p:cNvSpPr txBox="1">
+            <a:spLocks noGrp="1"/>
+          </p:cNvSpPr>
           <p:nvPr>
-            <p:ph idx="12" type="sldNum"/>
+            <p:ph type="sldNum" idx="12"/>
           </p:nvPr>
         </p:nvSpPr>
         <p:spPr>
@@ -4132,7 +4253,7 @@
           </a:prstGeom>
         </p:spPr>
         <p:txBody>
-          <a:bodyPr anchorCtr="0" anchor="ctr" bIns="91425" lIns="91425" spcFirstLastPara="1" rIns="91425" wrap="square" tIns="91425">
+          <a:bodyPr spcFirstLastPara="1" wrap="square" lIns="91425" tIns="91425" rIns="91425" bIns="91425" anchor="ctr" anchorCtr="0">
             <a:noAutofit/>
           </a:bodyPr>
           <a:lstStyle>
@@ -4174,7 +4295,7 @@
             </a:lvl9pPr>
           </a:lstStyle>
           <a:p>
-            <a:pPr indent="0" lvl="0" marL="0" rtl="0" algn="r">
+            <a:pPr marL="0" lvl="0" indent="0" algn="r" rtl="0">
               <a:spcBef>
                 <a:spcPts val="0"/>
               </a:spcBef>
@@ -4200,11 +4321,11 @@
 </file>
 
 <file path=ppt/slideLayouts/slideLayout5.xml><?xml version="1.0" encoding="utf-8"?>
-<p:sldLayout xmlns:a="http://schemas.openxmlformats.org/drawingml/2006/main" xmlns:r="http://schemas.openxmlformats.org/officeDocument/2006/relationships" xmlns:mc="http://schemas.openxmlformats.org/markup-compatibility/2006" xmlns:mv="urn:schemas-microsoft-com:mac:vml" xmlns:p="http://schemas.openxmlformats.org/presentationml/2006/main" xmlns:c="http://schemas.openxmlformats.org/drawingml/2006/chart" xmlns:dgm="http://schemas.openxmlformats.org/drawingml/2006/diagram" xmlns:o="urn:schemas-microsoft-com:office:office" xmlns:v="urn:schemas-microsoft-com:vml" xmlns:pvml="urn:schemas-microsoft-com:office:powerpoint" xmlns:com="http://schemas.openxmlformats.org/drawingml/2006/compatibility" xmlns:p14="http://schemas.microsoft.com/office/powerpoint/2010/main" xmlns:p15="http://schemas.microsoft.com/office/powerpoint/2012/main" xmlns:ahyp="http://schemas.microsoft.com/office/drawing/2018/hyperlinkcolor" matchingName="Title only" type="titleOnly">
+<p:sldLayout xmlns:a="http://schemas.openxmlformats.org/drawingml/2006/main" xmlns:r="http://schemas.openxmlformats.org/officeDocument/2006/relationships" xmlns:p="http://schemas.openxmlformats.org/presentationml/2006/main" matchingName="Title only" type="titleOnly">
   <p:cSld name="TITLE_ONLY">
     <p:spTree>
       <p:nvGrpSpPr>
-        <p:cNvPr id="29" name="Shape 29"/>
+        <p:cNvPr id="1" name="Shape 29"/>
         <p:cNvGrpSpPr/>
         <p:nvPr/>
       </p:nvGrpSpPr>
@@ -4219,7 +4340,9 @@
       <p:sp>
         <p:nvSpPr>
           <p:cNvPr id="30" name="Google Shape;30;p6"/>
-          <p:cNvSpPr txBox="1"/>
+          <p:cNvSpPr txBox="1">
+            <a:spLocks noGrp="1"/>
+          </p:cNvSpPr>
           <p:nvPr>
             <p:ph type="title"/>
           </p:nvPr>
@@ -4234,7 +4357,7 @@
           </a:prstGeom>
         </p:spPr>
         <p:txBody>
-          <a:bodyPr anchorCtr="0" anchor="t" bIns="91425" lIns="91425" spcFirstLastPara="1" rIns="91425" wrap="square" tIns="91425">
+          <a:bodyPr spcFirstLastPara="1" wrap="square" lIns="91425" tIns="91425" rIns="91425" bIns="91425" anchor="t" anchorCtr="0">
             <a:noAutofit/>
           </a:bodyPr>
           <a:lstStyle>
@@ -4338,15 +4461,19 @@
               <a:defRPr/>
             </a:lvl9pPr>
           </a:lstStyle>
-          <a:p/>
+          <a:p>
+            <a:endParaRPr/>
+          </a:p>
         </p:txBody>
       </p:sp>
       <p:sp>
         <p:nvSpPr>
           <p:cNvPr id="31" name="Google Shape;31;p6"/>
-          <p:cNvSpPr txBox="1"/>
+          <p:cNvSpPr txBox="1">
+            <a:spLocks noGrp="1"/>
+          </p:cNvSpPr>
           <p:nvPr>
-            <p:ph idx="12" type="sldNum"/>
+            <p:ph type="sldNum" idx="12"/>
           </p:nvPr>
         </p:nvSpPr>
         <p:spPr>
@@ -4359,7 +4486,7 @@
           </a:prstGeom>
         </p:spPr>
         <p:txBody>
-          <a:bodyPr anchorCtr="0" anchor="ctr" bIns="91425" lIns="91425" spcFirstLastPara="1" rIns="91425" wrap="square" tIns="91425">
+          <a:bodyPr spcFirstLastPara="1" wrap="square" lIns="91425" tIns="91425" rIns="91425" bIns="91425" anchor="ctr" anchorCtr="0">
             <a:noAutofit/>
           </a:bodyPr>
           <a:lstStyle>
@@ -4401,7 +4528,7 @@
             </a:lvl9pPr>
           </a:lstStyle>
           <a:p>
-            <a:pPr indent="0" lvl="0" marL="0" rtl="0" algn="r">
+            <a:pPr marL="0" lvl="0" indent="0" algn="r" rtl="0">
               <a:spcBef>
                 <a:spcPts val="0"/>
               </a:spcBef>
@@ -4427,11 +4554,11 @@
 </file>
 
 <file path=ppt/slideLayouts/slideLayout6.xml><?xml version="1.0" encoding="utf-8"?>
-<p:sldLayout xmlns:a="http://schemas.openxmlformats.org/drawingml/2006/main" xmlns:r="http://schemas.openxmlformats.org/officeDocument/2006/relationships" xmlns:mc="http://schemas.openxmlformats.org/markup-compatibility/2006" xmlns:mv="urn:schemas-microsoft-com:mac:vml" xmlns:p="http://schemas.openxmlformats.org/presentationml/2006/main" xmlns:c="http://schemas.openxmlformats.org/drawingml/2006/chart" xmlns:dgm="http://schemas.openxmlformats.org/drawingml/2006/diagram" xmlns:o="urn:schemas-microsoft-com:office:office" xmlns:v="urn:schemas-microsoft-com:vml" xmlns:pvml="urn:schemas-microsoft-com:office:powerpoint" xmlns:com="http://schemas.openxmlformats.org/drawingml/2006/compatibility" xmlns:p14="http://schemas.microsoft.com/office/powerpoint/2010/main" xmlns:p15="http://schemas.microsoft.com/office/powerpoint/2012/main" xmlns:ahyp="http://schemas.microsoft.com/office/drawing/2018/hyperlinkcolor" matchingName="One column text">
+<p:sldLayout xmlns:a="http://schemas.openxmlformats.org/drawingml/2006/main" xmlns:r="http://schemas.openxmlformats.org/officeDocument/2006/relationships" xmlns:p="http://schemas.openxmlformats.org/presentationml/2006/main" matchingName="One column text">
   <p:cSld name="ONE_COLUMN_TEXT">
     <p:spTree>
       <p:nvGrpSpPr>
-        <p:cNvPr id="32" name="Shape 32"/>
+        <p:cNvPr id="1" name="Shape 32"/>
         <p:cNvGrpSpPr/>
         <p:nvPr/>
       </p:nvGrpSpPr>
@@ -4446,7 +4573,9 @@
       <p:sp>
         <p:nvSpPr>
           <p:cNvPr id="33" name="Google Shape;33;p7"/>
-          <p:cNvSpPr txBox="1"/>
+          <p:cNvSpPr txBox="1">
+            <a:spLocks noGrp="1"/>
+          </p:cNvSpPr>
           <p:nvPr>
             <p:ph type="title"/>
           </p:nvPr>
@@ -4461,7 +4590,7 @@
           </a:prstGeom>
         </p:spPr>
         <p:txBody>
-          <a:bodyPr anchorCtr="0" anchor="b" bIns="91425" lIns="91425" spcFirstLastPara="1" rIns="91425" wrap="square" tIns="91425">
+          <a:bodyPr spcFirstLastPara="1" wrap="square" lIns="91425" tIns="91425" rIns="91425" bIns="91425" anchor="b" anchorCtr="0">
             <a:noAutofit/>
           </a:bodyPr>
           <a:lstStyle>
@@ -4565,15 +4694,19 @@
               <a:defRPr sz="2400"/>
             </a:lvl9pPr>
           </a:lstStyle>
-          <a:p/>
+          <a:p>
+            <a:endParaRPr/>
+          </a:p>
         </p:txBody>
       </p:sp>
       <p:sp>
         <p:nvSpPr>
           <p:cNvPr id="34" name="Google Shape;34;p7"/>
-          <p:cNvSpPr txBox="1"/>
+          <p:cNvSpPr txBox="1">
+            <a:spLocks noGrp="1"/>
+          </p:cNvSpPr>
           <p:nvPr>
-            <p:ph idx="1" type="body"/>
+            <p:ph type="body" idx="1"/>
           </p:nvPr>
         </p:nvSpPr>
         <p:spPr>
@@ -4586,11 +4719,11 @@
           </a:prstGeom>
         </p:spPr>
         <p:txBody>
-          <a:bodyPr anchorCtr="0" anchor="t" bIns="91425" lIns="91425" spcFirstLastPara="1" rIns="91425" wrap="square" tIns="91425">
+          <a:bodyPr spcFirstLastPara="1" wrap="square" lIns="91425" tIns="91425" rIns="91425" bIns="91425" anchor="t" anchorCtr="0">
             <a:noAutofit/>
           </a:bodyPr>
           <a:lstStyle>
-            <a:lvl1pPr indent="-304800" lvl="0" marL="457200">
+            <a:lvl1pPr marL="457200" lvl="0" indent="-304800">
               <a:spcBef>
                 <a:spcPts val="0"/>
               </a:spcBef>
@@ -4601,7 +4734,7 @@
               <a:buChar char="●"/>
               <a:defRPr sz="1200"/>
             </a:lvl1pPr>
-            <a:lvl2pPr indent="-304800" lvl="1" marL="914400">
+            <a:lvl2pPr marL="914400" lvl="1" indent="-304800">
               <a:spcBef>
                 <a:spcPts val="1600"/>
               </a:spcBef>
@@ -4612,7 +4745,7 @@
               <a:buChar char="○"/>
               <a:defRPr sz="1200"/>
             </a:lvl2pPr>
-            <a:lvl3pPr indent="-304800" lvl="2" marL="1371600">
+            <a:lvl3pPr marL="1371600" lvl="2" indent="-304800">
               <a:spcBef>
                 <a:spcPts val="1600"/>
               </a:spcBef>
@@ -4623,7 +4756,7 @@
               <a:buChar char="■"/>
               <a:defRPr sz="1200"/>
             </a:lvl3pPr>
-            <a:lvl4pPr indent="-304800" lvl="3" marL="1828800">
+            <a:lvl4pPr marL="1828800" lvl="3" indent="-304800">
               <a:spcBef>
                 <a:spcPts val="1600"/>
               </a:spcBef>
@@ -4634,7 +4767,7 @@
               <a:buChar char="●"/>
               <a:defRPr sz="1200"/>
             </a:lvl4pPr>
-            <a:lvl5pPr indent="-304800" lvl="4" marL="2286000">
+            <a:lvl5pPr marL="2286000" lvl="4" indent="-304800">
               <a:spcBef>
                 <a:spcPts val="1600"/>
               </a:spcBef>
@@ -4645,7 +4778,7 @@
               <a:buChar char="○"/>
               <a:defRPr sz="1200"/>
             </a:lvl5pPr>
-            <a:lvl6pPr indent="-304800" lvl="5" marL="2743200">
+            <a:lvl6pPr marL="2743200" lvl="5" indent="-304800">
               <a:spcBef>
                 <a:spcPts val="1600"/>
               </a:spcBef>
@@ -4656,7 +4789,7 @@
               <a:buChar char="■"/>
               <a:defRPr sz="1200"/>
             </a:lvl6pPr>
-            <a:lvl7pPr indent="-304800" lvl="6" marL="3200400">
+            <a:lvl7pPr marL="3200400" lvl="6" indent="-304800">
               <a:spcBef>
                 <a:spcPts val="1600"/>
               </a:spcBef>
@@ -4667,7 +4800,7 @@
               <a:buChar char="●"/>
               <a:defRPr sz="1200"/>
             </a:lvl7pPr>
-            <a:lvl8pPr indent="-304800" lvl="7" marL="3657600">
+            <a:lvl8pPr marL="3657600" lvl="7" indent="-304800">
               <a:spcBef>
                 <a:spcPts val="1600"/>
               </a:spcBef>
@@ -4678,7 +4811,7 @@
               <a:buChar char="○"/>
               <a:defRPr sz="1200"/>
             </a:lvl8pPr>
-            <a:lvl9pPr indent="-304800" lvl="8" marL="4114800">
+            <a:lvl9pPr marL="4114800" lvl="8" indent="-304800">
               <a:spcBef>
                 <a:spcPts val="1600"/>
               </a:spcBef>
@@ -4690,15 +4823,19 @@
               <a:defRPr sz="1200"/>
             </a:lvl9pPr>
           </a:lstStyle>
-          <a:p/>
+          <a:p>
+            <a:endParaRPr/>
+          </a:p>
         </p:txBody>
       </p:sp>
       <p:sp>
         <p:nvSpPr>
           <p:cNvPr id="35" name="Google Shape;35;p7"/>
-          <p:cNvSpPr txBox="1"/>
+          <p:cNvSpPr txBox="1">
+            <a:spLocks noGrp="1"/>
+          </p:cNvSpPr>
           <p:nvPr>
-            <p:ph idx="12" type="sldNum"/>
+            <p:ph type="sldNum" idx="12"/>
           </p:nvPr>
         </p:nvSpPr>
         <p:spPr>
@@ -4711,7 +4848,7 @@
           </a:prstGeom>
         </p:spPr>
         <p:txBody>
-          <a:bodyPr anchorCtr="0" anchor="ctr" bIns="91425" lIns="91425" spcFirstLastPara="1" rIns="91425" wrap="square" tIns="91425">
+          <a:bodyPr spcFirstLastPara="1" wrap="square" lIns="91425" tIns="91425" rIns="91425" bIns="91425" anchor="ctr" anchorCtr="0">
             <a:noAutofit/>
           </a:bodyPr>
           <a:lstStyle>
@@ -4753,7 +4890,7 @@
             </a:lvl9pPr>
           </a:lstStyle>
           <a:p>
-            <a:pPr indent="0" lvl="0" marL="0" rtl="0" algn="r">
+            <a:pPr marL="0" lvl="0" indent="0" algn="r" rtl="0">
               <a:spcBef>
                 <a:spcPts val="0"/>
               </a:spcBef>
@@ -4779,18 +4916,19 @@
 </file>
 
 <file path=ppt/slideLayouts/slideLayout7.xml><?xml version="1.0" encoding="utf-8"?>
-<p:sldLayout xmlns:a="http://schemas.openxmlformats.org/drawingml/2006/main" xmlns:r="http://schemas.openxmlformats.org/officeDocument/2006/relationships" xmlns:mc="http://schemas.openxmlformats.org/markup-compatibility/2006" xmlns:mv="urn:schemas-microsoft-com:mac:vml" xmlns:p="http://schemas.openxmlformats.org/presentationml/2006/main" xmlns:c="http://schemas.openxmlformats.org/drawingml/2006/chart" xmlns:dgm="http://schemas.openxmlformats.org/drawingml/2006/diagram" xmlns:o="urn:schemas-microsoft-com:office:office" xmlns:v="urn:schemas-microsoft-com:vml" xmlns:pvml="urn:schemas-microsoft-com:office:powerpoint" xmlns:com="http://schemas.openxmlformats.org/drawingml/2006/compatibility" xmlns:p14="http://schemas.microsoft.com/office/powerpoint/2010/main" xmlns:p15="http://schemas.microsoft.com/office/powerpoint/2012/main" xmlns:ahyp="http://schemas.microsoft.com/office/drawing/2018/hyperlinkcolor" matchingName="Main point">
+<p:sldLayout xmlns:a="http://schemas.openxmlformats.org/drawingml/2006/main" xmlns:r="http://schemas.openxmlformats.org/officeDocument/2006/relationships" xmlns:p="http://schemas.openxmlformats.org/presentationml/2006/main" matchingName="Main point">
   <p:cSld name="MAIN_POINT">
     <p:bg>
       <p:bgPr>
         <a:solidFill>
           <a:schemeClr val="lt2"/>
         </a:solidFill>
+        <a:effectLst/>
       </p:bgPr>
     </p:bg>
     <p:spTree>
       <p:nvGrpSpPr>
-        <p:cNvPr id="36" name="Shape 36"/>
+        <p:cNvPr id="1" name="Shape 36"/>
         <p:cNvGrpSpPr/>
         <p:nvPr/>
       </p:nvGrpSpPr>
@@ -4805,7 +4943,9 @@
       <p:sp>
         <p:nvSpPr>
           <p:cNvPr id="37" name="Google Shape;37;p8"/>
-          <p:cNvSpPr txBox="1"/>
+          <p:cNvSpPr txBox="1">
+            <a:spLocks noGrp="1"/>
+          </p:cNvSpPr>
           <p:nvPr>
             <p:ph type="title"/>
           </p:nvPr>
@@ -4820,7 +4960,7 @@
           </a:prstGeom>
         </p:spPr>
         <p:txBody>
-          <a:bodyPr anchorCtr="0" anchor="ctr" bIns="91425" lIns="91425" spcFirstLastPara="1" rIns="91425" wrap="square" tIns="91425">
+          <a:bodyPr spcFirstLastPara="1" wrap="square" lIns="91425" tIns="91425" rIns="91425" bIns="91425" anchor="ctr" anchorCtr="0">
             <a:noAutofit/>
           </a:bodyPr>
           <a:lstStyle>
@@ -4987,15 +5127,19 @@
               </a:defRPr>
             </a:lvl9pPr>
           </a:lstStyle>
-          <a:p/>
+          <a:p>
+            <a:endParaRPr/>
+          </a:p>
         </p:txBody>
       </p:sp>
       <p:sp>
         <p:nvSpPr>
           <p:cNvPr id="38" name="Google Shape;38;p8"/>
-          <p:cNvSpPr txBox="1"/>
+          <p:cNvSpPr txBox="1">
+            <a:spLocks noGrp="1"/>
+          </p:cNvSpPr>
           <p:nvPr>
-            <p:ph idx="12" type="sldNum"/>
+            <p:ph type="sldNum" idx="12"/>
           </p:nvPr>
         </p:nvSpPr>
         <p:spPr>
@@ -5008,7 +5152,7 @@
           </a:prstGeom>
         </p:spPr>
         <p:txBody>
-          <a:bodyPr anchorCtr="0" anchor="ctr" bIns="91425" lIns="91425" spcFirstLastPara="1" rIns="91425" wrap="square" tIns="91425">
+          <a:bodyPr spcFirstLastPara="1" wrap="square" lIns="91425" tIns="91425" rIns="91425" bIns="91425" anchor="ctr" anchorCtr="0">
             <a:noAutofit/>
           </a:bodyPr>
           <a:lstStyle>
@@ -5086,7 +5230,7 @@
             </a:lvl9pPr>
           </a:lstStyle>
           <a:p>
-            <a:pPr indent="0" lvl="0" marL="0" rtl="0" algn="r">
+            <a:pPr marL="0" lvl="0" indent="0" algn="r" rtl="0">
               <a:spcBef>
                 <a:spcPts val="0"/>
               </a:spcBef>
@@ -5112,11 +5256,11 @@
 </file>
 
 <file path=ppt/slideLayouts/slideLayout8.xml><?xml version="1.0" encoding="utf-8"?>
-<p:sldLayout xmlns:a="http://schemas.openxmlformats.org/drawingml/2006/main" xmlns:r="http://schemas.openxmlformats.org/officeDocument/2006/relationships" xmlns:mc="http://schemas.openxmlformats.org/markup-compatibility/2006" xmlns:mv="urn:schemas-microsoft-com:mac:vml" xmlns:p="http://schemas.openxmlformats.org/presentationml/2006/main" xmlns:c="http://schemas.openxmlformats.org/drawingml/2006/chart" xmlns:dgm="http://schemas.openxmlformats.org/drawingml/2006/diagram" xmlns:o="urn:schemas-microsoft-com:office:office" xmlns:v="urn:schemas-microsoft-com:vml" xmlns:pvml="urn:schemas-microsoft-com:office:powerpoint" xmlns:com="http://schemas.openxmlformats.org/drawingml/2006/compatibility" xmlns:p14="http://schemas.microsoft.com/office/powerpoint/2010/main" xmlns:p15="http://schemas.microsoft.com/office/powerpoint/2012/main" xmlns:ahyp="http://schemas.microsoft.com/office/drawing/2018/hyperlinkcolor" matchingName="Section title and description">
+<p:sldLayout xmlns:a="http://schemas.openxmlformats.org/drawingml/2006/main" xmlns:r="http://schemas.openxmlformats.org/officeDocument/2006/relationships" xmlns:p="http://schemas.openxmlformats.org/presentationml/2006/main" matchingName="Section title and description">
   <p:cSld name="SECTION_TITLE_AND_DESCRIPTION">
     <p:spTree>
       <p:nvGrpSpPr>
-        <p:cNvPr id="39" name="Shape 39"/>
+        <p:cNvPr id="1" name="Shape 39"/>
         <p:cNvGrpSpPr/>
         <p:nvPr/>
       </p:nvGrpSpPr>
@@ -5150,12 +5294,12 @@
           </a:ln>
         </p:spPr>
         <p:txBody>
-          <a:bodyPr anchorCtr="0" anchor="ctr" bIns="91425" lIns="91425" spcFirstLastPara="1" rIns="91425" wrap="square" tIns="91425">
+          <a:bodyPr spcFirstLastPara="1" wrap="square" lIns="91425" tIns="91425" rIns="91425" bIns="91425" anchor="ctr" anchorCtr="0">
             <a:noAutofit/>
           </a:bodyPr>
           <a:lstStyle/>
           <a:p>
-            <a:pPr indent="0" lvl="0" marL="0" rtl="0" algn="l">
+            <a:pPr marL="0" lvl="0" indent="0" algn="l" rtl="0">
               <a:spcBef>
                 <a:spcPts val="0"/>
               </a:spcBef>
@@ -5164,9 +5308,6 @@
               </a:spcAft>
               <a:buNone/>
             </a:pPr>
-            <a:r>
-              <a:t/>
-            </a:r>
             <a:endParaRPr/>
           </a:p>
         </p:txBody>
@@ -5186,21 +5327,23 @@
             <a:avLst/>
           </a:prstGeom>
           <a:noFill/>
-          <a:ln cap="flat" cmpd="sng" w="19050">
+          <a:ln w="19050" cap="flat" cmpd="sng">
             <a:solidFill>
               <a:schemeClr val="lt2"/>
             </a:solidFill>
             <a:prstDash val="solid"/>
             <a:round/>
-            <a:headEnd len="sm" w="sm" type="none"/>
-            <a:tailEnd len="sm" w="sm" type="none"/>
+            <a:headEnd type="none" w="sm" len="sm"/>
+            <a:tailEnd type="none" w="sm" len="sm"/>
           </a:ln>
         </p:spPr>
       </p:cxnSp>
       <p:sp>
         <p:nvSpPr>
           <p:cNvPr id="42" name="Google Shape;42;p9"/>
-          <p:cNvSpPr txBox="1"/>
+          <p:cNvSpPr txBox="1">
+            <a:spLocks noGrp="1"/>
+          </p:cNvSpPr>
           <p:nvPr>
             <p:ph type="title"/>
           </p:nvPr>
@@ -5215,7 +5358,7 @@
           </a:prstGeom>
         </p:spPr>
         <p:txBody>
-          <a:bodyPr anchorCtr="0" anchor="b" bIns="91425" lIns="91425" spcFirstLastPara="1" rIns="91425" wrap="square" tIns="91425">
+          <a:bodyPr spcFirstLastPara="1" wrap="square" lIns="91425" tIns="91425" rIns="91425" bIns="91425" anchor="b" anchorCtr="0">
             <a:noAutofit/>
           </a:bodyPr>
           <a:lstStyle>
@@ -5382,15 +5525,19 @@
               </a:defRPr>
             </a:lvl9pPr>
           </a:lstStyle>
-          <a:p/>
+          <a:p>
+            <a:endParaRPr/>
+          </a:p>
         </p:txBody>
       </p:sp>
       <p:sp>
         <p:nvSpPr>
           <p:cNvPr id="43" name="Google Shape;43;p9"/>
-          <p:cNvSpPr txBox="1"/>
+          <p:cNvSpPr txBox="1">
+            <a:spLocks noGrp="1"/>
+          </p:cNvSpPr>
           <p:nvPr>
-            <p:ph idx="1" type="subTitle"/>
+            <p:ph type="subTitle" idx="1"/>
           </p:nvPr>
         </p:nvSpPr>
         <p:spPr>
@@ -5403,7 +5550,7 @@
           </a:prstGeom>
         </p:spPr>
         <p:txBody>
-          <a:bodyPr anchorCtr="0" anchor="t" bIns="91425" lIns="91425" spcFirstLastPara="1" rIns="91425" wrap="square" tIns="91425">
+          <a:bodyPr spcFirstLastPara="1" wrap="square" lIns="91425" tIns="91425" rIns="91425" bIns="91425" anchor="t" anchorCtr="0">
             <a:noAutofit/>
           </a:bodyPr>
           <a:lstStyle>
@@ -5534,15 +5681,19 @@
               <a:defRPr sz="2100"/>
             </a:lvl9pPr>
           </a:lstStyle>
-          <a:p/>
+          <a:p>
+            <a:endParaRPr/>
+          </a:p>
         </p:txBody>
       </p:sp>
       <p:sp>
         <p:nvSpPr>
           <p:cNvPr id="44" name="Google Shape;44;p9"/>
-          <p:cNvSpPr txBox="1"/>
+          <p:cNvSpPr txBox="1">
+            <a:spLocks noGrp="1"/>
+          </p:cNvSpPr>
           <p:nvPr>
-            <p:ph idx="2" type="body"/>
+            <p:ph type="body" idx="2"/>
           </p:nvPr>
         </p:nvSpPr>
         <p:spPr>
@@ -5555,11 +5706,11 @@
           </a:prstGeom>
         </p:spPr>
         <p:txBody>
-          <a:bodyPr anchorCtr="0" anchor="ctr" bIns="91425" lIns="91425" spcFirstLastPara="1" rIns="91425" wrap="square" tIns="91425">
+          <a:bodyPr spcFirstLastPara="1" wrap="square" lIns="91425" tIns="91425" rIns="91425" bIns="91425" anchor="ctr" anchorCtr="0">
             <a:noAutofit/>
           </a:bodyPr>
           <a:lstStyle>
-            <a:lvl1pPr indent="-342900" lvl="0" marL="457200">
+            <a:lvl1pPr marL="457200" lvl="0" indent="-342900">
               <a:spcBef>
                 <a:spcPts val="0"/>
               </a:spcBef>
@@ -5577,7 +5728,7 @@
                 </a:solidFill>
               </a:defRPr>
             </a:lvl1pPr>
-            <a:lvl2pPr indent="-317500" lvl="1" marL="914400">
+            <a:lvl2pPr marL="914400" lvl="1" indent="-317500">
               <a:spcBef>
                 <a:spcPts val="1600"/>
               </a:spcBef>
@@ -5595,7 +5746,7 @@
                 </a:solidFill>
               </a:defRPr>
             </a:lvl2pPr>
-            <a:lvl3pPr indent="-317500" lvl="2" marL="1371600">
+            <a:lvl3pPr marL="1371600" lvl="2" indent="-317500">
               <a:spcBef>
                 <a:spcPts val="1600"/>
               </a:spcBef>
@@ -5613,7 +5764,7 @@
                 </a:solidFill>
               </a:defRPr>
             </a:lvl3pPr>
-            <a:lvl4pPr indent="-317500" lvl="3" marL="1828800">
+            <a:lvl4pPr marL="1828800" lvl="3" indent="-317500">
               <a:spcBef>
                 <a:spcPts val="1600"/>
               </a:spcBef>
@@ -5631,7 +5782,7 @@
                 </a:solidFill>
               </a:defRPr>
             </a:lvl4pPr>
-            <a:lvl5pPr indent="-317500" lvl="4" marL="2286000">
+            <a:lvl5pPr marL="2286000" lvl="4" indent="-317500">
               <a:spcBef>
                 <a:spcPts val="1600"/>
               </a:spcBef>
@@ -5649,7 +5800,7 @@
                 </a:solidFill>
               </a:defRPr>
             </a:lvl5pPr>
-            <a:lvl6pPr indent="-317500" lvl="5" marL="2743200">
+            <a:lvl6pPr marL="2743200" lvl="5" indent="-317500">
               <a:spcBef>
                 <a:spcPts val="1600"/>
               </a:spcBef>
@@ -5667,7 +5818,7 @@
                 </a:solidFill>
               </a:defRPr>
             </a:lvl6pPr>
-            <a:lvl7pPr indent="-317500" lvl="6" marL="3200400">
+            <a:lvl7pPr marL="3200400" lvl="6" indent="-317500">
               <a:spcBef>
                 <a:spcPts val="1600"/>
               </a:spcBef>
@@ -5685,7 +5836,7 @@
                 </a:solidFill>
               </a:defRPr>
             </a:lvl7pPr>
-            <a:lvl8pPr indent="-317500" lvl="7" marL="3657600">
+            <a:lvl8pPr marL="3657600" lvl="7" indent="-317500">
               <a:spcBef>
                 <a:spcPts val="1600"/>
               </a:spcBef>
@@ -5703,7 +5854,7 @@
                 </a:solidFill>
               </a:defRPr>
             </a:lvl8pPr>
-            <a:lvl9pPr indent="-317500" lvl="8" marL="4114800">
+            <a:lvl9pPr marL="4114800" lvl="8" indent="-317500">
               <a:spcBef>
                 <a:spcPts val="1600"/>
               </a:spcBef>
@@ -5722,15 +5873,19 @@
               </a:defRPr>
             </a:lvl9pPr>
           </a:lstStyle>
-          <a:p/>
+          <a:p>
+            <a:endParaRPr/>
+          </a:p>
         </p:txBody>
       </p:sp>
       <p:sp>
         <p:nvSpPr>
           <p:cNvPr id="45" name="Google Shape;45;p9"/>
-          <p:cNvSpPr txBox="1"/>
+          <p:cNvSpPr txBox="1">
+            <a:spLocks noGrp="1"/>
+          </p:cNvSpPr>
           <p:nvPr>
-            <p:ph idx="12" type="sldNum"/>
+            <p:ph type="sldNum" idx="12"/>
           </p:nvPr>
         </p:nvSpPr>
         <p:spPr>
@@ -5743,7 +5898,7 @@
           </a:prstGeom>
         </p:spPr>
         <p:txBody>
-          <a:bodyPr anchorCtr="0" anchor="ctr" bIns="91425" lIns="91425" spcFirstLastPara="1" rIns="91425" wrap="square" tIns="91425">
+          <a:bodyPr spcFirstLastPara="1" wrap="square" lIns="91425" tIns="91425" rIns="91425" bIns="91425" anchor="ctr" anchorCtr="0">
             <a:noAutofit/>
           </a:bodyPr>
           <a:lstStyle>
@@ -5821,7 +5976,7 @@
             </a:lvl9pPr>
           </a:lstStyle>
           <a:p>
-            <a:pPr indent="0" lvl="0" marL="0" rtl="0" algn="r">
+            <a:pPr marL="0" lvl="0" indent="0" algn="r" rtl="0">
               <a:spcBef>
                 <a:spcPts val="0"/>
               </a:spcBef>
@@ -5847,11 +6002,11 @@
 </file>
 
 <file path=ppt/slideLayouts/slideLayout9.xml><?xml version="1.0" encoding="utf-8"?>
-<p:sldLayout xmlns:a="http://schemas.openxmlformats.org/drawingml/2006/main" xmlns:r="http://schemas.openxmlformats.org/officeDocument/2006/relationships" xmlns:mc="http://schemas.openxmlformats.org/markup-compatibility/2006" xmlns:mv="urn:schemas-microsoft-com:mac:vml" xmlns:p="http://schemas.openxmlformats.org/presentationml/2006/main" xmlns:c="http://schemas.openxmlformats.org/drawingml/2006/chart" xmlns:dgm="http://schemas.openxmlformats.org/drawingml/2006/diagram" xmlns:o="urn:schemas-microsoft-com:office:office" xmlns:v="urn:schemas-microsoft-com:vml" xmlns:pvml="urn:schemas-microsoft-com:office:powerpoint" xmlns:com="http://schemas.openxmlformats.org/drawingml/2006/compatibility" xmlns:p14="http://schemas.microsoft.com/office/powerpoint/2010/main" xmlns:p15="http://schemas.microsoft.com/office/powerpoint/2012/main" xmlns:ahyp="http://schemas.microsoft.com/office/drawing/2018/hyperlinkcolor" matchingName="Caption">
+<p:sldLayout xmlns:a="http://schemas.openxmlformats.org/drawingml/2006/main" xmlns:r="http://schemas.openxmlformats.org/officeDocument/2006/relationships" xmlns:p="http://schemas.openxmlformats.org/presentationml/2006/main" matchingName="Caption">
   <p:cSld name="CAPTION_ONLY">
     <p:spTree>
       <p:nvGrpSpPr>
-        <p:cNvPr id="46" name="Shape 46"/>
+        <p:cNvPr id="1" name="Shape 46"/>
         <p:cNvGrpSpPr/>
         <p:nvPr/>
       </p:nvGrpSpPr>
@@ -5866,9 +6021,11 @@
       <p:sp>
         <p:nvSpPr>
           <p:cNvPr id="47" name="Google Shape;47;p10"/>
-          <p:cNvSpPr txBox="1"/>
+          <p:cNvSpPr txBox="1">
+            <a:spLocks noGrp="1"/>
+          </p:cNvSpPr>
           <p:nvPr>
-            <p:ph idx="1" type="body"/>
+            <p:ph type="body" idx="1"/>
           </p:nvPr>
         </p:nvSpPr>
         <p:spPr>
@@ -5881,11 +6038,11 @@
           </a:prstGeom>
         </p:spPr>
         <p:txBody>
-          <a:bodyPr anchorCtr="0" anchor="ctr" bIns="91425" lIns="91425" spcFirstLastPara="1" rIns="91425" wrap="square" tIns="91425">
+          <a:bodyPr spcFirstLastPara="1" wrap="square" lIns="91425" tIns="91425" rIns="91425" bIns="91425" anchor="ctr" anchorCtr="0">
             <a:noAutofit/>
           </a:bodyPr>
           <a:lstStyle>
-            <a:lvl1pPr indent="-228600" lvl="0" marL="457200">
+            <a:lvl1pPr marL="457200" lvl="0" indent="-228600">
               <a:lnSpc>
                 <a:spcPct val="100000"/>
               </a:lnSpc>
@@ -5900,15 +6057,19 @@
               <a:defRPr/>
             </a:lvl1pPr>
           </a:lstStyle>
-          <a:p/>
+          <a:p>
+            <a:endParaRPr/>
+          </a:p>
         </p:txBody>
       </p:sp>
       <p:sp>
         <p:nvSpPr>
           <p:cNvPr id="48" name="Google Shape;48;p10"/>
-          <p:cNvSpPr txBox="1"/>
+          <p:cNvSpPr txBox="1">
+            <a:spLocks noGrp="1"/>
+          </p:cNvSpPr>
           <p:nvPr>
-            <p:ph idx="12" type="sldNum"/>
+            <p:ph type="sldNum" idx="12"/>
           </p:nvPr>
         </p:nvSpPr>
         <p:spPr>
@@ -5921,7 +6082,7 @@
           </a:prstGeom>
         </p:spPr>
         <p:txBody>
-          <a:bodyPr anchorCtr="0" anchor="ctr" bIns="91425" lIns="91425" spcFirstLastPara="1" rIns="91425" wrap="square" tIns="91425">
+          <a:bodyPr spcFirstLastPara="1" wrap="square" lIns="91425" tIns="91425" rIns="91425" bIns="91425" anchor="ctr" anchorCtr="0">
             <a:noAutofit/>
           </a:bodyPr>
           <a:lstStyle>
@@ -5963,7 +6124,7 @@
             </a:lvl9pPr>
           </a:lstStyle>
           <a:p>
-            <a:pPr indent="0" lvl="0" marL="0" rtl="0" algn="r">
+            <a:pPr marL="0" lvl="0" indent="0" algn="r" rtl="0">
               <a:spcBef>
                 <a:spcPts val="0"/>
               </a:spcBef>
@@ -5989,18 +6150,19 @@
 </file>
 
 <file path=ppt/slideMasters/slideMaster1.xml><?xml version="1.0" encoding="utf-8"?>
-<p:sldMaster xmlns:a="http://schemas.openxmlformats.org/drawingml/2006/main" xmlns:r="http://schemas.openxmlformats.org/officeDocument/2006/relationships" xmlns:mc="http://schemas.openxmlformats.org/markup-compatibility/2006" xmlns:mv="urn:schemas-microsoft-com:mac:vml" xmlns:p="http://schemas.openxmlformats.org/presentationml/2006/main" xmlns:c="http://schemas.openxmlformats.org/drawingml/2006/chart" xmlns:dgm="http://schemas.openxmlformats.org/drawingml/2006/diagram" xmlns:o="urn:schemas-microsoft-com:office:office" xmlns:v="urn:schemas-microsoft-com:vml" xmlns:pvml="urn:schemas-microsoft-com:office:powerpoint" xmlns:com="http://schemas.openxmlformats.org/drawingml/2006/compatibility" xmlns:p14="http://schemas.microsoft.com/office/powerpoint/2010/main" xmlns:p15="http://schemas.microsoft.com/office/powerpoint/2012/main" xmlns:ahyp="http://schemas.microsoft.com/office/drawing/2018/hyperlinkcolor">
+<p:sldMaster xmlns:a="http://schemas.openxmlformats.org/drawingml/2006/main" xmlns:r="http://schemas.openxmlformats.org/officeDocument/2006/relationships" xmlns:p="http://schemas.openxmlformats.org/presentationml/2006/main">
   <p:cSld name="paperback">
     <p:bg>
       <p:bgPr>
         <a:solidFill>
           <a:schemeClr val="accent1"/>
         </a:solidFill>
+        <a:effectLst/>
       </p:bgPr>
     </p:bg>
     <p:spTree>
       <p:nvGrpSpPr>
-        <p:cNvPr id="5" name="Shape 5"/>
+        <p:cNvPr id="1" name="Shape 5"/>
         <p:cNvGrpSpPr/>
         <p:nvPr/>
       </p:nvGrpSpPr>
@@ -6015,7 +6177,9 @@
       <p:sp>
         <p:nvSpPr>
           <p:cNvPr id="6" name="Google Shape;6;p1"/>
-          <p:cNvSpPr txBox="1"/>
+          <p:cNvSpPr txBox="1">
+            <a:spLocks noGrp="1"/>
+          </p:cNvSpPr>
           <p:nvPr>
             <p:ph type="title"/>
           </p:nvPr>
@@ -6034,7 +6198,7 @@
           </a:ln>
         </p:spPr>
         <p:txBody>
-          <a:bodyPr anchorCtr="0" anchor="t" bIns="91425" lIns="91425" spcFirstLastPara="1" rIns="91425" wrap="square" tIns="91425">
+          <a:bodyPr spcFirstLastPara="1" wrap="square" lIns="91425" tIns="91425" rIns="91425" bIns="91425" anchor="t" anchorCtr="0">
             <a:noAutofit/>
           </a:bodyPr>
           <a:lstStyle>
@@ -6246,15 +6410,19 @@
               </a:defRPr>
             </a:lvl9pPr>
           </a:lstStyle>
-          <a:p/>
+          <a:p>
+            <a:endParaRPr/>
+          </a:p>
         </p:txBody>
       </p:sp>
       <p:sp>
         <p:nvSpPr>
           <p:cNvPr id="7" name="Google Shape;7;p1"/>
-          <p:cNvSpPr txBox="1"/>
+          <p:cNvSpPr txBox="1">
+            <a:spLocks noGrp="1"/>
+          </p:cNvSpPr>
           <p:nvPr>
-            <p:ph idx="1" type="body"/>
+            <p:ph type="body" idx="1"/>
           </p:nvPr>
         </p:nvSpPr>
         <p:spPr>
@@ -6271,11 +6439,11 @@
           </a:ln>
         </p:spPr>
         <p:txBody>
-          <a:bodyPr anchorCtr="0" anchor="t" bIns="91425" lIns="91425" spcFirstLastPara="1" rIns="91425" wrap="square" tIns="91425">
+          <a:bodyPr spcFirstLastPara="1" wrap="square" lIns="91425" tIns="91425" rIns="91425" bIns="91425" anchor="t" anchorCtr="0">
             <a:noAutofit/>
           </a:bodyPr>
           <a:lstStyle>
-            <a:lvl1pPr indent="-342900" lvl="0" marL="457200">
+            <a:lvl1pPr marL="457200" lvl="0" indent="-342900">
               <a:lnSpc>
                 <a:spcPct val="115000"/>
               </a:lnSpc>
@@ -6301,7 +6469,7 @@
                 <a:sym typeface="Old Standard TT"/>
               </a:defRPr>
             </a:lvl1pPr>
-            <a:lvl2pPr indent="-317500" lvl="1" marL="914400">
+            <a:lvl2pPr marL="914400" lvl="1" indent="-317500">
               <a:lnSpc>
                 <a:spcPct val="115000"/>
               </a:lnSpc>
@@ -6327,7 +6495,7 @@
                 <a:sym typeface="Old Standard TT"/>
               </a:defRPr>
             </a:lvl2pPr>
-            <a:lvl3pPr indent="-317500" lvl="2" marL="1371600">
+            <a:lvl3pPr marL="1371600" lvl="2" indent="-317500">
               <a:lnSpc>
                 <a:spcPct val="115000"/>
               </a:lnSpc>
@@ -6353,7 +6521,7 @@
                 <a:sym typeface="Old Standard TT"/>
               </a:defRPr>
             </a:lvl3pPr>
-            <a:lvl4pPr indent="-317500" lvl="3" marL="1828800">
+            <a:lvl4pPr marL="1828800" lvl="3" indent="-317500">
               <a:lnSpc>
                 <a:spcPct val="115000"/>
               </a:lnSpc>
@@ -6379,7 +6547,7 @@
                 <a:sym typeface="Old Standard TT"/>
               </a:defRPr>
             </a:lvl4pPr>
-            <a:lvl5pPr indent="-317500" lvl="4" marL="2286000">
+            <a:lvl5pPr marL="2286000" lvl="4" indent="-317500">
               <a:lnSpc>
                 <a:spcPct val="115000"/>
               </a:lnSpc>
@@ -6405,7 +6573,7 @@
                 <a:sym typeface="Old Standard TT"/>
               </a:defRPr>
             </a:lvl5pPr>
-            <a:lvl6pPr indent="-317500" lvl="5" marL="2743200">
+            <a:lvl6pPr marL="2743200" lvl="5" indent="-317500">
               <a:lnSpc>
                 <a:spcPct val="115000"/>
               </a:lnSpc>
@@ -6431,7 +6599,7 @@
                 <a:sym typeface="Old Standard TT"/>
               </a:defRPr>
             </a:lvl6pPr>
-            <a:lvl7pPr indent="-317500" lvl="6" marL="3200400">
+            <a:lvl7pPr marL="3200400" lvl="6" indent="-317500">
               <a:lnSpc>
                 <a:spcPct val="115000"/>
               </a:lnSpc>
@@ -6457,7 +6625,7 @@
                 <a:sym typeface="Old Standard TT"/>
               </a:defRPr>
             </a:lvl7pPr>
-            <a:lvl8pPr indent="-317500" lvl="7" marL="3657600">
+            <a:lvl8pPr marL="3657600" lvl="7" indent="-317500">
               <a:lnSpc>
                 <a:spcPct val="115000"/>
               </a:lnSpc>
@@ -6483,7 +6651,7 @@
                 <a:sym typeface="Old Standard TT"/>
               </a:defRPr>
             </a:lvl8pPr>
-            <a:lvl9pPr indent="-317500" lvl="8" marL="4114800">
+            <a:lvl9pPr marL="4114800" lvl="8" indent="-317500">
               <a:lnSpc>
                 <a:spcPct val="115000"/>
               </a:lnSpc>
@@ -6510,15 +6678,19 @@
               </a:defRPr>
             </a:lvl9pPr>
           </a:lstStyle>
-          <a:p/>
+          <a:p>
+            <a:endParaRPr/>
+          </a:p>
         </p:txBody>
       </p:sp>
       <p:sp>
         <p:nvSpPr>
           <p:cNvPr id="8" name="Google Shape;8;p1"/>
-          <p:cNvSpPr txBox="1"/>
+          <p:cNvSpPr txBox="1">
+            <a:spLocks noGrp="1"/>
+          </p:cNvSpPr>
           <p:nvPr>
-            <p:ph idx="12" type="sldNum"/>
+            <p:ph type="sldNum" idx="12"/>
           </p:nvPr>
         </p:nvSpPr>
         <p:spPr>
@@ -6535,7 +6707,7 @@
           </a:ln>
         </p:spPr>
         <p:txBody>
-          <a:bodyPr anchorCtr="0" anchor="ctr" bIns="91425" lIns="91425" spcFirstLastPara="1" rIns="91425" wrap="square" tIns="91425">
+          <a:bodyPr spcFirstLastPara="1" wrap="square" lIns="91425" tIns="91425" rIns="91425" bIns="91425" anchor="ctr" anchorCtr="0">
             <a:noAutofit/>
           </a:bodyPr>
           <a:lstStyle>
@@ -6649,7 +6821,7 @@
             </a:lvl9pPr>
           </a:lstStyle>
           <a:p>
-            <a:pPr indent="0" lvl="0" marL="0" rtl="0" algn="r">
+            <a:pPr marL="0" lvl="0" indent="0" algn="r" rtl="0">
               <a:spcBef>
                 <a:spcPts val="0"/>
               </a:spcBef>
@@ -6668,7 +6840,7 @@
       </p:sp>
     </p:spTree>
   </p:cSld>
-  <p:clrMap accent1="accent1" accent2="accent2" accent3="accent3" accent4="accent4" accent5="accent5" accent6="accent6" bg1="lt1" bg2="dk2" tx1="dk1" tx2="lt2" folHlink="folHlink" hlink="hlink"/>
+  <p:clrMap bg1="lt1" tx1="dk1" bg2="dk2" tx2="lt2" accent1="accent1" accent2="accent2" accent3="accent3" accent4="accent4" accent5="accent5" accent6="accent6" hlink="hlink" folHlink="folHlink"/>
   <p:sldLayoutIdLst>
     <p:sldLayoutId id="2147483648" r:id="rId1"/>
     <p:sldLayoutId id="2147483649" r:id="rId2"/>
@@ -6682,10 +6854,10 @@
     <p:sldLayoutId id="2147483657" r:id="rId10"/>
     <p:sldLayoutId id="2147483658" r:id="rId11"/>
   </p:sldLayoutIdLst>
-  <p:hf dt="0" ftr="0" hdr="0" sldNum="0"/>
+  <p:hf sldNum="0" hdr="0" ftr="0" dt="0"/>
   <p:txStyles>
     <p:titleStyle>
-      <a:defPPr lvl="0" marR="0" rtl="0" algn="l">
+      <a:defPPr marR="0" lvl="0" algn="l" rtl="0">
         <a:lnSpc>
           <a:spcPct val="100000"/>
         </a:lnSpc>
@@ -6696,7 +6868,7 @@
           <a:spcPts val="0"/>
         </a:spcAft>
       </a:defPPr>
-      <a:lvl1pPr lvl="0" marR="0" rtl="0" algn="l">
+      <a:lvl1pPr marR="0" lvl="0" algn="l" rtl="0">
         <a:lnSpc>
           <a:spcPct val="100000"/>
         </a:lnSpc>
@@ -6710,7 +6882,7 @@
           <a:srgbClr val="000000"/>
         </a:buClr>
         <a:buFont typeface="Arial"/>
-        <a:defRPr b="0" i="0" sz="1400" u="none" cap="none" strike="noStrike">
+        <a:defRPr sz="1400" b="0" i="0" u="none" strike="noStrike" cap="none">
           <a:solidFill>
             <a:srgbClr val="000000"/>
           </a:solidFill>
@@ -6720,7 +6892,7 @@
           <a:sym typeface="Arial"/>
         </a:defRPr>
       </a:lvl1pPr>
-      <a:lvl2pPr lvl="1" marR="0" rtl="0" algn="l">
+      <a:lvl2pPr marR="0" lvl="1" algn="l" rtl="0">
         <a:lnSpc>
           <a:spcPct val="100000"/>
         </a:lnSpc>
@@ -6734,7 +6906,7 @@
           <a:srgbClr val="000000"/>
         </a:buClr>
         <a:buFont typeface="Arial"/>
-        <a:defRPr b="0" i="0" sz="1400" u="none" cap="none" strike="noStrike">
+        <a:defRPr sz="1400" b="0" i="0" u="none" strike="noStrike" cap="none">
           <a:solidFill>
             <a:srgbClr val="000000"/>
           </a:solidFill>
@@ -6744,7 +6916,7 @@
           <a:sym typeface="Arial"/>
         </a:defRPr>
       </a:lvl2pPr>
-      <a:lvl3pPr lvl="2" marR="0" rtl="0" algn="l">
+      <a:lvl3pPr marR="0" lvl="2" algn="l" rtl="0">
         <a:lnSpc>
           <a:spcPct val="100000"/>
         </a:lnSpc>
@@ -6758,7 +6930,7 @@
           <a:srgbClr val="000000"/>
         </a:buClr>
         <a:buFont typeface="Arial"/>
-        <a:defRPr b="0" i="0" sz="1400" u="none" cap="none" strike="noStrike">
+        <a:defRPr sz="1400" b="0" i="0" u="none" strike="noStrike" cap="none">
           <a:solidFill>
             <a:srgbClr val="000000"/>
           </a:solidFill>
@@ -6768,7 +6940,7 @@
           <a:sym typeface="Arial"/>
         </a:defRPr>
       </a:lvl3pPr>
-      <a:lvl4pPr lvl="3" marR="0" rtl="0" algn="l">
+      <a:lvl4pPr marR="0" lvl="3" algn="l" rtl="0">
         <a:lnSpc>
           <a:spcPct val="100000"/>
         </a:lnSpc>
@@ -6782,7 +6954,7 @@
           <a:srgbClr val="000000"/>
         </a:buClr>
         <a:buFont typeface="Arial"/>
-        <a:defRPr b="0" i="0" sz="1400" u="none" cap="none" strike="noStrike">
+        <a:defRPr sz="1400" b="0" i="0" u="none" strike="noStrike" cap="none">
           <a:solidFill>
             <a:srgbClr val="000000"/>
           </a:solidFill>
@@ -6792,7 +6964,7 @@
           <a:sym typeface="Arial"/>
         </a:defRPr>
       </a:lvl4pPr>
-      <a:lvl5pPr lvl="4" marR="0" rtl="0" algn="l">
+      <a:lvl5pPr marR="0" lvl="4" algn="l" rtl="0">
         <a:lnSpc>
           <a:spcPct val="100000"/>
         </a:lnSpc>
@@ -6806,7 +6978,7 @@
           <a:srgbClr val="000000"/>
         </a:buClr>
         <a:buFont typeface="Arial"/>
-        <a:defRPr b="0" i="0" sz="1400" u="none" cap="none" strike="noStrike">
+        <a:defRPr sz="1400" b="0" i="0" u="none" strike="noStrike" cap="none">
           <a:solidFill>
             <a:srgbClr val="000000"/>
           </a:solidFill>
@@ -6816,7 +6988,7 @@
           <a:sym typeface="Arial"/>
         </a:defRPr>
       </a:lvl5pPr>
-      <a:lvl6pPr lvl="5" marR="0" rtl="0" algn="l">
+      <a:lvl6pPr marR="0" lvl="5" algn="l" rtl="0">
         <a:lnSpc>
           <a:spcPct val="100000"/>
         </a:lnSpc>
@@ -6830,7 +7002,7 @@
           <a:srgbClr val="000000"/>
         </a:buClr>
         <a:buFont typeface="Arial"/>
-        <a:defRPr b="0" i="0" sz="1400" u="none" cap="none" strike="noStrike">
+        <a:defRPr sz="1400" b="0" i="0" u="none" strike="noStrike" cap="none">
           <a:solidFill>
             <a:srgbClr val="000000"/>
           </a:solidFill>
@@ -6840,7 +7012,7 @@
           <a:sym typeface="Arial"/>
         </a:defRPr>
       </a:lvl6pPr>
-      <a:lvl7pPr lvl="6" marR="0" rtl="0" algn="l">
+      <a:lvl7pPr marR="0" lvl="6" algn="l" rtl="0">
         <a:lnSpc>
           <a:spcPct val="100000"/>
         </a:lnSpc>
@@ -6854,7 +7026,7 @@
           <a:srgbClr val="000000"/>
         </a:buClr>
         <a:buFont typeface="Arial"/>
-        <a:defRPr b="0" i="0" sz="1400" u="none" cap="none" strike="noStrike">
+        <a:defRPr sz="1400" b="0" i="0" u="none" strike="noStrike" cap="none">
           <a:solidFill>
             <a:srgbClr val="000000"/>
           </a:solidFill>
@@ -6864,7 +7036,7 @@
           <a:sym typeface="Arial"/>
         </a:defRPr>
       </a:lvl7pPr>
-      <a:lvl8pPr lvl="7" marR="0" rtl="0" algn="l">
+      <a:lvl8pPr marR="0" lvl="7" algn="l" rtl="0">
         <a:lnSpc>
           <a:spcPct val="100000"/>
         </a:lnSpc>
@@ -6878,7 +7050,7 @@
           <a:srgbClr val="000000"/>
         </a:buClr>
         <a:buFont typeface="Arial"/>
-        <a:defRPr b="0" i="0" sz="1400" u="none" cap="none" strike="noStrike">
+        <a:defRPr sz="1400" b="0" i="0" u="none" strike="noStrike" cap="none">
           <a:solidFill>
             <a:srgbClr val="000000"/>
           </a:solidFill>
@@ -6888,7 +7060,7 @@
           <a:sym typeface="Arial"/>
         </a:defRPr>
       </a:lvl8pPr>
-      <a:lvl9pPr lvl="8" marR="0" rtl="0" algn="l">
+      <a:lvl9pPr marR="0" lvl="8" algn="l" rtl="0">
         <a:lnSpc>
           <a:spcPct val="100000"/>
         </a:lnSpc>
@@ -6902,7 +7074,7 @@
           <a:srgbClr val="000000"/>
         </a:buClr>
         <a:buFont typeface="Arial"/>
-        <a:defRPr b="0" i="0" sz="1400" u="none" cap="none" strike="noStrike">
+        <a:defRPr sz="1400" b="0" i="0" u="none" strike="noStrike" cap="none">
           <a:solidFill>
             <a:srgbClr val="000000"/>
           </a:solidFill>
@@ -6914,7 +7086,7 @@
       </a:lvl9pPr>
     </p:titleStyle>
     <p:bodyStyle>
-      <a:defPPr lvl="0" marR="0" rtl="0" algn="l">
+      <a:defPPr marR="0" lvl="0" algn="l" rtl="0">
         <a:lnSpc>
           <a:spcPct val="100000"/>
         </a:lnSpc>
@@ -6925,7 +7097,7 @@
           <a:spcPts val="0"/>
         </a:spcAft>
       </a:defPPr>
-      <a:lvl1pPr lvl="0" marR="0" rtl="0" algn="l">
+      <a:lvl1pPr marR="0" lvl="0" algn="l" rtl="0">
         <a:lnSpc>
           <a:spcPct val="100000"/>
         </a:lnSpc>
@@ -6939,7 +7111,7 @@
           <a:srgbClr val="000000"/>
         </a:buClr>
         <a:buFont typeface="Arial"/>
-        <a:defRPr b="0" i="0" sz="1400" u="none" cap="none" strike="noStrike">
+        <a:defRPr sz="1400" b="0" i="0" u="none" strike="noStrike" cap="none">
           <a:solidFill>
             <a:srgbClr val="000000"/>
           </a:solidFill>
@@ -6949,7 +7121,7 @@
           <a:sym typeface="Arial"/>
         </a:defRPr>
       </a:lvl1pPr>
-      <a:lvl2pPr lvl="1" marR="0" rtl="0" algn="l">
+      <a:lvl2pPr marR="0" lvl="1" algn="l" rtl="0">
         <a:lnSpc>
           <a:spcPct val="100000"/>
         </a:lnSpc>
@@ -6963,7 +7135,7 @@
           <a:srgbClr val="000000"/>
         </a:buClr>
         <a:buFont typeface="Arial"/>
-        <a:defRPr b="0" i="0" sz="1400" u="none" cap="none" strike="noStrike">
+        <a:defRPr sz="1400" b="0" i="0" u="none" strike="noStrike" cap="none">
           <a:solidFill>
             <a:srgbClr val="000000"/>
           </a:solidFill>
@@ -6973,7 +7145,7 @@
           <a:sym typeface="Arial"/>
         </a:defRPr>
       </a:lvl2pPr>
-      <a:lvl3pPr lvl="2" marR="0" rtl="0" algn="l">
+      <a:lvl3pPr marR="0" lvl="2" algn="l" rtl="0">
         <a:lnSpc>
           <a:spcPct val="100000"/>
         </a:lnSpc>
@@ -6987,7 +7159,7 @@
           <a:srgbClr val="000000"/>
         </a:buClr>
         <a:buFont typeface="Arial"/>
-        <a:defRPr b="0" i="0" sz="1400" u="none" cap="none" strike="noStrike">
+        <a:defRPr sz="1400" b="0" i="0" u="none" strike="noStrike" cap="none">
           <a:solidFill>
             <a:srgbClr val="000000"/>
           </a:solidFill>
@@ -6997,7 +7169,7 @@
           <a:sym typeface="Arial"/>
         </a:defRPr>
       </a:lvl3pPr>
-      <a:lvl4pPr lvl="3" marR="0" rtl="0" algn="l">
+      <a:lvl4pPr marR="0" lvl="3" algn="l" rtl="0">
         <a:lnSpc>
           <a:spcPct val="100000"/>
         </a:lnSpc>
@@ -7011,7 +7183,7 @@
           <a:srgbClr val="000000"/>
         </a:buClr>
         <a:buFont typeface="Arial"/>
-        <a:defRPr b="0" i="0" sz="1400" u="none" cap="none" strike="noStrike">
+        <a:defRPr sz="1400" b="0" i="0" u="none" strike="noStrike" cap="none">
           <a:solidFill>
             <a:srgbClr val="000000"/>
           </a:solidFill>
@@ -7021,7 +7193,7 @@
           <a:sym typeface="Arial"/>
         </a:defRPr>
       </a:lvl4pPr>
-      <a:lvl5pPr lvl="4" marR="0" rtl="0" algn="l">
+      <a:lvl5pPr marR="0" lvl="4" algn="l" rtl="0">
         <a:lnSpc>
           <a:spcPct val="100000"/>
         </a:lnSpc>
@@ -7035,7 +7207,7 @@
           <a:srgbClr val="000000"/>
         </a:buClr>
         <a:buFont typeface="Arial"/>
-        <a:defRPr b="0" i="0" sz="1400" u="none" cap="none" strike="noStrike">
+        <a:defRPr sz="1400" b="0" i="0" u="none" strike="noStrike" cap="none">
           <a:solidFill>
             <a:srgbClr val="000000"/>
           </a:solidFill>
@@ -7045,7 +7217,7 @@
           <a:sym typeface="Arial"/>
         </a:defRPr>
       </a:lvl5pPr>
-      <a:lvl6pPr lvl="5" marR="0" rtl="0" algn="l">
+      <a:lvl6pPr marR="0" lvl="5" algn="l" rtl="0">
         <a:lnSpc>
           <a:spcPct val="100000"/>
         </a:lnSpc>
@@ -7059,7 +7231,7 @@
           <a:srgbClr val="000000"/>
         </a:buClr>
         <a:buFont typeface="Arial"/>
-        <a:defRPr b="0" i="0" sz="1400" u="none" cap="none" strike="noStrike">
+        <a:defRPr sz="1400" b="0" i="0" u="none" strike="noStrike" cap="none">
           <a:solidFill>
             <a:srgbClr val="000000"/>
           </a:solidFill>
@@ -7069,7 +7241,7 @@
           <a:sym typeface="Arial"/>
         </a:defRPr>
       </a:lvl6pPr>
-      <a:lvl7pPr lvl="6" marR="0" rtl="0" algn="l">
+      <a:lvl7pPr marR="0" lvl="6" algn="l" rtl="0">
         <a:lnSpc>
           <a:spcPct val="100000"/>
         </a:lnSpc>
@@ -7083,7 +7255,7 @@
           <a:srgbClr val="000000"/>
         </a:buClr>
         <a:buFont typeface="Arial"/>
-        <a:defRPr b="0" i="0" sz="1400" u="none" cap="none" strike="noStrike">
+        <a:defRPr sz="1400" b="0" i="0" u="none" strike="noStrike" cap="none">
           <a:solidFill>
             <a:srgbClr val="000000"/>
           </a:solidFill>
@@ -7093,7 +7265,7 @@
           <a:sym typeface="Arial"/>
         </a:defRPr>
       </a:lvl7pPr>
-      <a:lvl8pPr lvl="7" marR="0" rtl="0" algn="l">
+      <a:lvl8pPr marR="0" lvl="7" algn="l" rtl="0">
         <a:lnSpc>
           <a:spcPct val="100000"/>
         </a:lnSpc>
@@ -7107,7 +7279,7 @@
           <a:srgbClr val="000000"/>
         </a:buClr>
         <a:buFont typeface="Arial"/>
-        <a:defRPr b="0" i="0" sz="1400" u="none" cap="none" strike="noStrike">
+        <a:defRPr sz="1400" b="0" i="0" u="none" strike="noStrike" cap="none">
           <a:solidFill>
             <a:srgbClr val="000000"/>
           </a:solidFill>
@@ -7117,7 +7289,7 @@
           <a:sym typeface="Arial"/>
         </a:defRPr>
       </a:lvl8pPr>
-      <a:lvl9pPr lvl="8" marR="0" rtl="0" algn="l">
+      <a:lvl9pPr marR="0" lvl="8" algn="l" rtl="0">
         <a:lnSpc>
           <a:spcPct val="100000"/>
         </a:lnSpc>
@@ -7131,7 +7303,7 @@
           <a:srgbClr val="000000"/>
         </a:buClr>
         <a:buFont typeface="Arial"/>
-        <a:defRPr b="0" i="0" sz="1400" u="none" cap="none" strike="noStrike">
+        <a:defRPr sz="1400" b="0" i="0" u="none" strike="noStrike" cap="none">
           <a:solidFill>
             <a:srgbClr val="000000"/>
           </a:solidFill>
@@ -7143,7 +7315,7 @@
       </a:lvl9pPr>
     </p:bodyStyle>
     <p:otherStyle>
-      <a:defPPr lvl="0" marR="0" rtl="0" algn="l">
+      <a:defPPr marR="0" lvl="0" algn="l" rtl="0">
         <a:lnSpc>
           <a:spcPct val="100000"/>
         </a:lnSpc>
@@ -7154,7 +7326,7 @@
           <a:spcPts val="0"/>
         </a:spcAft>
       </a:defPPr>
-      <a:lvl1pPr lvl="0" marR="0" rtl="0" algn="l">
+      <a:lvl1pPr marR="0" lvl="0" algn="l" rtl="0">
         <a:lnSpc>
           <a:spcPct val="100000"/>
         </a:lnSpc>
@@ -7168,7 +7340,7 @@
           <a:srgbClr val="000000"/>
         </a:buClr>
         <a:buFont typeface="Arial"/>
-        <a:defRPr b="0" i="0" sz="1400" u="none" cap="none" strike="noStrike">
+        <a:defRPr sz="1400" b="0" i="0" u="none" strike="noStrike" cap="none">
           <a:solidFill>
             <a:srgbClr val="000000"/>
           </a:solidFill>
@@ -7178,7 +7350,7 @@
           <a:sym typeface="Arial"/>
         </a:defRPr>
       </a:lvl1pPr>
-      <a:lvl2pPr lvl="1" marR="0" rtl="0" algn="l">
+      <a:lvl2pPr marR="0" lvl="1" algn="l" rtl="0">
         <a:lnSpc>
           <a:spcPct val="100000"/>
         </a:lnSpc>
@@ -7192,7 +7364,7 @@
           <a:srgbClr val="000000"/>
         </a:buClr>
         <a:buFont typeface="Arial"/>
-        <a:defRPr b="0" i="0" sz="1400" u="none" cap="none" strike="noStrike">
+        <a:defRPr sz="1400" b="0" i="0" u="none" strike="noStrike" cap="none">
           <a:solidFill>
             <a:srgbClr val="000000"/>
           </a:solidFill>
@@ -7202,7 +7374,7 @@
           <a:sym typeface="Arial"/>
         </a:defRPr>
       </a:lvl2pPr>
-      <a:lvl3pPr lvl="2" marR="0" rtl="0" algn="l">
+      <a:lvl3pPr marR="0" lvl="2" algn="l" rtl="0">
         <a:lnSpc>
           <a:spcPct val="100000"/>
         </a:lnSpc>
@@ -7216,7 +7388,7 @@
           <a:srgbClr val="000000"/>
         </a:buClr>
         <a:buFont typeface="Arial"/>
-        <a:defRPr b="0" i="0" sz="1400" u="none" cap="none" strike="noStrike">
+        <a:defRPr sz="1400" b="0" i="0" u="none" strike="noStrike" cap="none">
           <a:solidFill>
             <a:srgbClr val="000000"/>
           </a:solidFill>
@@ -7226,7 +7398,7 @@
           <a:sym typeface="Arial"/>
         </a:defRPr>
       </a:lvl3pPr>
-      <a:lvl4pPr lvl="3" marR="0" rtl="0" algn="l">
+      <a:lvl4pPr marR="0" lvl="3" algn="l" rtl="0">
         <a:lnSpc>
           <a:spcPct val="100000"/>
         </a:lnSpc>
@@ -7240,7 +7412,7 @@
           <a:srgbClr val="000000"/>
         </a:buClr>
         <a:buFont typeface="Arial"/>
-        <a:defRPr b="0" i="0" sz="1400" u="none" cap="none" strike="noStrike">
+        <a:defRPr sz="1400" b="0" i="0" u="none" strike="noStrike" cap="none">
           <a:solidFill>
             <a:srgbClr val="000000"/>
           </a:solidFill>
@@ -7250,7 +7422,7 @@
           <a:sym typeface="Arial"/>
         </a:defRPr>
       </a:lvl4pPr>
-      <a:lvl5pPr lvl="4" marR="0" rtl="0" algn="l">
+      <a:lvl5pPr marR="0" lvl="4" algn="l" rtl="0">
         <a:lnSpc>
           <a:spcPct val="100000"/>
         </a:lnSpc>
@@ -7264,7 +7436,7 @@
           <a:srgbClr val="000000"/>
         </a:buClr>
         <a:buFont typeface="Arial"/>
-        <a:defRPr b="0" i="0" sz="1400" u="none" cap="none" strike="noStrike">
+        <a:defRPr sz="1400" b="0" i="0" u="none" strike="noStrike" cap="none">
           <a:solidFill>
             <a:srgbClr val="000000"/>
           </a:solidFill>
@@ -7274,7 +7446,7 @@
           <a:sym typeface="Arial"/>
         </a:defRPr>
       </a:lvl5pPr>
-      <a:lvl6pPr lvl="5" marR="0" rtl="0" algn="l">
+      <a:lvl6pPr marR="0" lvl="5" algn="l" rtl="0">
         <a:lnSpc>
           <a:spcPct val="100000"/>
         </a:lnSpc>
@@ -7288,7 +7460,7 @@
           <a:srgbClr val="000000"/>
         </a:buClr>
         <a:buFont typeface="Arial"/>
-        <a:defRPr b="0" i="0" sz="1400" u="none" cap="none" strike="noStrike">
+        <a:defRPr sz="1400" b="0" i="0" u="none" strike="noStrike" cap="none">
           <a:solidFill>
             <a:srgbClr val="000000"/>
           </a:solidFill>
@@ -7298,7 +7470,7 @@
           <a:sym typeface="Arial"/>
         </a:defRPr>
       </a:lvl6pPr>
-      <a:lvl7pPr lvl="6" marR="0" rtl="0" algn="l">
+      <a:lvl7pPr marR="0" lvl="6" algn="l" rtl="0">
         <a:lnSpc>
           <a:spcPct val="100000"/>
         </a:lnSpc>
@@ -7312,7 +7484,7 @@
           <a:srgbClr val="000000"/>
         </a:buClr>
         <a:buFont typeface="Arial"/>
-        <a:defRPr b="0" i="0" sz="1400" u="none" cap="none" strike="noStrike">
+        <a:defRPr sz="1400" b="0" i="0" u="none" strike="noStrike" cap="none">
           <a:solidFill>
             <a:srgbClr val="000000"/>
           </a:solidFill>
@@ -7322,7 +7494,7 @@
           <a:sym typeface="Arial"/>
         </a:defRPr>
       </a:lvl7pPr>
-      <a:lvl8pPr lvl="7" marR="0" rtl="0" algn="l">
+      <a:lvl8pPr marR="0" lvl="7" algn="l" rtl="0">
         <a:lnSpc>
           <a:spcPct val="100000"/>
         </a:lnSpc>
@@ -7336,7 +7508,7 @@
           <a:srgbClr val="000000"/>
         </a:buClr>
         <a:buFont typeface="Arial"/>
-        <a:defRPr b="0" i="0" sz="1400" u="none" cap="none" strike="noStrike">
+        <a:defRPr sz="1400" b="0" i="0" u="none" strike="noStrike" cap="none">
           <a:solidFill>
             <a:srgbClr val="000000"/>
           </a:solidFill>
@@ -7346,7 +7518,7 @@
           <a:sym typeface="Arial"/>
         </a:defRPr>
       </a:lvl8pPr>
-      <a:lvl9pPr lvl="8" marR="0" rtl="0" algn="l">
+      <a:lvl9pPr marR="0" lvl="8" algn="l" rtl="0">
         <a:lnSpc>
           <a:spcPct val="100000"/>
         </a:lnSpc>
@@ -7360,7 +7532,7 @@
           <a:srgbClr val="000000"/>
         </a:buClr>
         <a:buFont typeface="Arial"/>
-        <a:defRPr b="0" i="0" sz="1400" u="none" cap="none" strike="noStrike">
+        <a:defRPr sz="1400" b="0" i="0" u="none" strike="noStrike" cap="none">
           <a:solidFill>
             <a:srgbClr val="000000"/>
           </a:solidFill>
@@ -7376,11 +7548,11 @@
 </file>
 
 <file path=ppt/slides/slide1.xml><?xml version="1.0" encoding="utf-8"?>
-<p:sld xmlns:a="http://schemas.openxmlformats.org/drawingml/2006/main" xmlns:r="http://schemas.openxmlformats.org/officeDocument/2006/relationships" xmlns:mc="http://schemas.openxmlformats.org/markup-compatibility/2006" xmlns:mv="urn:schemas-microsoft-com:mac:vml" xmlns:p="http://schemas.openxmlformats.org/presentationml/2006/main" xmlns:c="http://schemas.openxmlformats.org/drawingml/2006/chart" xmlns:dgm="http://schemas.openxmlformats.org/drawingml/2006/diagram" xmlns:o="urn:schemas-microsoft-com:office:office" xmlns:v="urn:schemas-microsoft-com:vml" xmlns:pvml="urn:schemas-microsoft-com:office:powerpoint" xmlns:com="http://schemas.openxmlformats.org/drawingml/2006/compatibility" xmlns:p14="http://schemas.microsoft.com/office/powerpoint/2010/main" xmlns:p15="http://schemas.microsoft.com/office/powerpoint/2012/main" xmlns:ahyp="http://schemas.microsoft.com/office/drawing/2018/hyperlinkcolor">
+<p:sld xmlns:a="http://schemas.openxmlformats.org/drawingml/2006/main" xmlns:r="http://schemas.openxmlformats.org/officeDocument/2006/relationships" xmlns:p="http://schemas.openxmlformats.org/presentationml/2006/main">
   <p:cSld>
     <p:spTree>
       <p:nvGrpSpPr>
-        <p:cNvPr id="58" name="Shape 58"/>
+        <p:cNvPr id="1" name="Shape 58"/>
         <p:cNvGrpSpPr/>
         <p:nvPr/>
       </p:nvGrpSpPr>
@@ -7395,7 +7567,9 @@
       <p:sp>
         <p:nvSpPr>
           <p:cNvPr id="59" name="Google Shape;59;p13"/>
-          <p:cNvSpPr txBox="1"/>
+          <p:cNvSpPr txBox="1">
+            <a:spLocks noGrp="1"/>
+          </p:cNvSpPr>
           <p:nvPr>
             <p:ph type="ctrTitle"/>
           </p:nvPr>
@@ -7410,12 +7584,12 @@
           </a:prstGeom>
         </p:spPr>
         <p:txBody>
-          <a:bodyPr anchorCtr="0" anchor="b" bIns="91425" lIns="91425" spcFirstLastPara="1" rIns="91425" wrap="square" tIns="91425">
+          <a:bodyPr spcFirstLastPara="1" wrap="square" lIns="91425" tIns="91425" rIns="91425" bIns="91425" anchor="b" anchorCtr="0">
             <a:noAutofit/>
           </a:bodyPr>
           <a:lstStyle/>
           <a:p>
-            <a:pPr indent="0" lvl="0" marL="0" rtl="0" algn="l">
+            <a:pPr marL="0" lvl="0" indent="0" algn="l" rtl="0">
               <a:spcBef>
                 <a:spcPts val="0"/>
               </a:spcBef>
@@ -7426,15 +7600,7 @@
             </a:pPr>
             <a:r>
               <a:rPr lang="en"/>
-              <a:t>Product R</a:t>
-            </a:r>
-            <a:r>
-              <a:rPr lang="en"/>
-              <a:t>ecommendation System</a:t>
-            </a:r>
-            <a:r>
-              <a:rPr lang="en"/>
-              <a:t> </a:t>
+              <a:t>Product Recommendation System </a:t>
             </a:r>
             <a:endParaRPr/>
           </a:p>
@@ -7443,9 +7609,11 @@
       <p:sp>
         <p:nvSpPr>
           <p:cNvPr id="60" name="Google Shape;60;p13"/>
-          <p:cNvSpPr txBox="1"/>
+          <p:cNvSpPr txBox="1">
+            <a:spLocks noGrp="1"/>
+          </p:cNvSpPr>
           <p:nvPr>
-            <p:ph idx="1" type="subTitle"/>
+            <p:ph type="subTitle" idx="1"/>
           </p:nvPr>
         </p:nvSpPr>
         <p:spPr>
@@ -7458,12 +7626,12 @@
           </a:prstGeom>
         </p:spPr>
         <p:txBody>
-          <a:bodyPr anchorCtr="0" anchor="t" bIns="91425" lIns="91425" spcFirstLastPara="1" rIns="91425" wrap="square" tIns="91425">
+          <a:bodyPr spcFirstLastPara="1" wrap="square" lIns="91425" tIns="91425" rIns="91425" bIns="91425" anchor="t" anchorCtr="0">
             <a:noAutofit/>
           </a:bodyPr>
           <a:lstStyle/>
           <a:p>
-            <a:pPr indent="0" lvl="0" marL="0" rtl="0" algn="l">
+            <a:pPr marL="0" lvl="0" indent="0" algn="l" rtl="0">
               <a:spcBef>
                 <a:spcPts val="0"/>
               </a:spcBef>
@@ -7473,13 +7641,13 @@
               <a:buNone/>
             </a:pPr>
             <a:r>
-              <a:rPr lang="en" sz="1200"/>
-              <a:t>Namrata Ajmeri (11002</a:t>
+              <a:rPr lang="en" sz="1200" dirty="0"/>
+              <a:t>Namrata Ajmeri (110022098)</a:t>
             </a:r>
-            <a:endParaRPr sz="1200"/>
-          </a:p>
-          <a:p>
-            <a:pPr indent="0" lvl="0" marL="0" rtl="0" algn="l">
+            <a:endParaRPr sz="1200" dirty="0"/>
+          </a:p>
+          <a:p>
+            <a:pPr marL="0" lvl="0" indent="0" algn="l" rtl="0">
               <a:spcBef>
                 <a:spcPts val="0"/>
               </a:spcBef>
@@ -7489,13 +7657,13 @@
               <a:buNone/>
             </a:pPr>
             <a:r>
-              <a:rPr lang="en" sz="1200"/>
-              <a:t>Nishtha Patel</a:t>
+              <a:rPr lang="en" sz="1200" dirty="0"/>
+              <a:t>Nishtha Patel (110023893)</a:t>
             </a:r>
-            <a:endParaRPr sz="1200"/>
-          </a:p>
-          <a:p>
-            <a:pPr indent="0" lvl="0" marL="0" rtl="0" algn="l">
+            <a:endParaRPr sz="1200" dirty="0"/>
+          </a:p>
+          <a:p>
+            <a:pPr marL="0" lvl="0" indent="0" algn="l" rtl="0">
               <a:spcBef>
                 <a:spcPts val="0"/>
               </a:spcBef>
@@ -7505,13 +7673,13 @@
               <a:buNone/>
             </a:pPr>
             <a:r>
-              <a:rPr lang="en" sz="1200"/>
+              <a:rPr lang="en" sz="1200" dirty="0"/>
               <a:t>Richa Kansara(110023778)</a:t>
             </a:r>
-            <a:endParaRPr sz="1200"/>
-          </a:p>
-          <a:p>
-            <a:pPr indent="0" lvl="0" marL="0" rtl="0" algn="l">
+            <a:endParaRPr sz="1200" dirty="0"/>
+          </a:p>
+          <a:p>
+            <a:pPr marL="0" lvl="0" indent="0" algn="l" rtl="0">
               <a:spcBef>
                 <a:spcPts val="0"/>
               </a:spcBef>
@@ -7521,13 +7689,17 @@
               <a:buNone/>
             </a:pPr>
             <a:r>
+              <a:rPr lang="en" sz="1200" dirty="0"/>
+              <a:t>Jainam </a:t>
+            </a:r>
+            <a:r>
               <a:rPr lang="en" sz="1200"/>
-              <a:t>Jainam shah ()</a:t>
+              <a:t>shah (110024454)</a:t>
             </a:r>
-            <a:endParaRPr sz="1200"/>
-          </a:p>
-          <a:p>
-            <a:pPr indent="0" lvl="0" marL="0" rtl="0" algn="l">
+            <a:endParaRPr sz="1200" dirty="0"/>
+          </a:p>
+          <a:p>
+            <a:pPr marL="0" lvl="0" indent="0" algn="l" rtl="0">
               <a:spcBef>
                 <a:spcPts val="0"/>
               </a:spcBef>
@@ -7536,10 +7708,7 @@
               </a:spcAft>
               <a:buNone/>
             </a:pPr>
-            <a:r>
-              <a:t/>
-            </a:r>
-            <a:endParaRPr sz="1200"/>
+            <a:endParaRPr sz="1200" dirty="0"/>
           </a:p>
         </p:txBody>
       </p:sp>
@@ -7563,12 +7732,12 @@
           </a:ln>
         </p:spPr>
         <p:txBody>
-          <a:bodyPr anchorCtr="0" anchor="t" bIns="91425" lIns="91425" spcFirstLastPara="1" rIns="91425" wrap="square" tIns="91425">
+          <a:bodyPr spcFirstLastPara="1" wrap="square" lIns="91425" tIns="91425" rIns="91425" bIns="91425" anchor="t" anchorCtr="0">
             <a:noAutofit/>
           </a:bodyPr>
           <a:lstStyle/>
           <a:p>
-            <a:pPr indent="0" lvl="0" marL="0" rtl="0" algn="l">
+            <a:pPr marL="0" lvl="0" indent="0" algn="l" rtl="0">
               <a:spcBef>
                 <a:spcPts val="0"/>
               </a:spcBef>
@@ -7601,7 +7770,7 @@
             </a:endParaRPr>
           </a:p>
           <a:p>
-            <a:pPr indent="0" lvl="0" marL="0" rtl="0" algn="l">
+            <a:pPr marL="0" lvl="0" indent="0" algn="l" rtl="0">
               <a:spcBef>
                 <a:spcPts val="0"/>
               </a:spcBef>
@@ -7610,9 +7779,6 @@
               </a:spcAft>
               <a:buNone/>
             </a:pPr>
-            <a:r>
-              <a:t/>
-            </a:r>
             <a:endParaRPr>
               <a:solidFill>
                 <a:srgbClr val="CCCCCC"/>
@@ -7662,11 +7828,11 @@
 </file>
 
 <file path=ppt/slides/slide10.xml><?xml version="1.0" encoding="utf-8"?>
-<p:sld xmlns:a="http://schemas.openxmlformats.org/drawingml/2006/main" xmlns:r="http://schemas.openxmlformats.org/officeDocument/2006/relationships" xmlns:mc="http://schemas.openxmlformats.org/markup-compatibility/2006" xmlns:mv="urn:schemas-microsoft-com:mac:vml" xmlns:p="http://schemas.openxmlformats.org/presentationml/2006/main" xmlns:c="http://schemas.openxmlformats.org/drawingml/2006/chart" xmlns:dgm="http://schemas.openxmlformats.org/drawingml/2006/diagram" xmlns:o="urn:schemas-microsoft-com:office:office" xmlns:v="urn:schemas-microsoft-com:vml" xmlns:pvml="urn:schemas-microsoft-com:office:powerpoint" xmlns:com="http://schemas.openxmlformats.org/drawingml/2006/compatibility" xmlns:p14="http://schemas.microsoft.com/office/powerpoint/2010/main" xmlns:p15="http://schemas.microsoft.com/office/powerpoint/2012/main" xmlns:ahyp="http://schemas.microsoft.com/office/drawing/2018/hyperlinkcolor">
+<p:sld xmlns:a="http://schemas.openxmlformats.org/drawingml/2006/main" xmlns:r="http://schemas.openxmlformats.org/officeDocument/2006/relationships" xmlns:p="http://schemas.openxmlformats.org/presentationml/2006/main">
   <p:cSld>
     <p:spTree>
       <p:nvGrpSpPr>
-        <p:cNvPr id="122" name="Shape 122"/>
+        <p:cNvPr id="1" name="Shape 122"/>
         <p:cNvGrpSpPr/>
         <p:nvPr/>
       </p:nvGrpSpPr>
@@ -7681,7 +7847,9 @@
       <p:sp>
         <p:nvSpPr>
           <p:cNvPr id="123" name="Google Shape;123;p22"/>
-          <p:cNvSpPr txBox="1"/>
+          <p:cNvSpPr txBox="1">
+            <a:spLocks noGrp="1"/>
+          </p:cNvSpPr>
           <p:nvPr>
             <p:ph type="title"/>
           </p:nvPr>
@@ -7696,12 +7864,12 @@
           </a:prstGeom>
         </p:spPr>
         <p:txBody>
-          <a:bodyPr anchorCtr="0" anchor="t" bIns="91425" lIns="91425" spcFirstLastPara="1" rIns="91425" wrap="square" tIns="91425">
+          <a:bodyPr spcFirstLastPara="1" wrap="square" lIns="91425" tIns="91425" rIns="91425" bIns="91425" anchor="t" anchorCtr="0">
             <a:noAutofit/>
           </a:bodyPr>
           <a:lstStyle/>
           <a:p>
-            <a:pPr indent="0" lvl="0" marL="0" rtl="0" algn="l">
+            <a:pPr marL="0" lvl="0" indent="0" algn="l" rtl="0">
               <a:spcBef>
                 <a:spcPts val="0"/>
               </a:spcBef>
@@ -7729,9 +7897,11 @@
       <p:sp>
         <p:nvSpPr>
           <p:cNvPr id="124" name="Google Shape;124;p22"/>
-          <p:cNvSpPr txBox="1"/>
+          <p:cNvSpPr txBox="1">
+            <a:spLocks noGrp="1"/>
+          </p:cNvSpPr>
           <p:nvPr>
-            <p:ph idx="1" type="body"/>
+            <p:ph type="body" idx="1"/>
           </p:nvPr>
         </p:nvSpPr>
         <p:spPr>
@@ -7744,12 +7914,12 @@
           </a:prstGeom>
         </p:spPr>
         <p:txBody>
-          <a:bodyPr anchorCtr="0" anchor="t" bIns="91425" lIns="91425" spcFirstLastPara="1" rIns="91425" wrap="square" tIns="91425">
+          <a:bodyPr spcFirstLastPara="1" wrap="square" lIns="91425" tIns="91425" rIns="91425" bIns="91425" anchor="t" anchorCtr="0">
             <a:noAutofit/>
           </a:bodyPr>
           <a:lstStyle/>
           <a:p>
-            <a:pPr indent="-342900" lvl="0" marL="457200" rtl="0" algn="l">
+            <a:pPr marL="457200" lvl="0" indent="-342900" algn="l" rtl="0">
               <a:spcBef>
                 <a:spcPts val="0"/>
               </a:spcBef>
@@ -7766,7 +7936,7 @@
             <a:endParaRPr/>
           </a:p>
           <a:p>
-            <a:pPr indent="-342900" lvl="0" marL="457200" rtl="0" algn="l">
+            <a:pPr marL="457200" lvl="0" indent="-342900" algn="l" rtl="0">
               <a:spcBef>
                 <a:spcPts val="0"/>
               </a:spcBef>
@@ -7783,7 +7953,7 @@
             <a:endParaRPr/>
           </a:p>
           <a:p>
-            <a:pPr indent="-342900" lvl="0" marL="457200" rtl="0" algn="l">
+            <a:pPr marL="457200" lvl="0" indent="-342900" algn="l" rtl="0">
               <a:spcBef>
                 <a:spcPts val="0"/>
               </a:spcBef>
@@ -7838,11 +8008,11 @@
 </file>
 
 <file path=ppt/slides/slide11.xml><?xml version="1.0" encoding="utf-8"?>
-<p:sld xmlns:a="http://schemas.openxmlformats.org/drawingml/2006/main" xmlns:r="http://schemas.openxmlformats.org/officeDocument/2006/relationships" xmlns:mc="http://schemas.openxmlformats.org/markup-compatibility/2006" xmlns:mv="urn:schemas-microsoft-com:mac:vml" xmlns:p="http://schemas.openxmlformats.org/presentationml/2006/main" xmlns:c="http://schemas.openxmlformats.org/drawingml/2006/chart" xmlns:dgm="http://schemas.openxmlformats.org/drawingml/2006/diagram" xmlns:o="urn:schemas-microsoft-com:office:office" xmlns:v="urn:schemas-microsoft-com:vml" xmlns:pvml="urn:schemas-microsoft-com:office:powerpoint" xmlns:com="http://schemas.openxmlformats.org/drawingml/2006/compatibility" xmlns:p14="http://schemas.microsoft.com/office/powerpoint/2010/main" xmlns:p15="http://schemas.microsoft.com/office/powerpoint/2012/main" xmlns:ahyp="http://schemas.microsoft.com/office/drawing/2018/hyperlinkcolor">
+<p:sld xmlns:a="http://schemas.openxmlformats.org/drawingml/2006/main" xmlns:r="http://schemas.openxmlformats.org/officeDocument/2006/relationships" xmlns:p="http://schemas.openxmlformats.org/presentationml/2006/main">
   <p:cSld>
     <p:spTree>
       <p:nvGrpSpPr>
-        <p:cNvPr id="129" name="Shape 129"/>
+        <p:cNvPr id="1" name="Shape 129"/>
         <p:cNvGrpSpPr/>
         <p:nvPr/>
       </p:nvGrpSpPr>
@@ -7857,9 +8027,11 @@
       <p:sp>
         <p:nvSpPr>
           <p:cNvPr id="130" name="Google Shape;130;p23"/>
-          <p:cNvSpPr txBox="1"/>
+          <p:cNvSpPr txBox="1">
+            <a:spLocks noGrp="1"/>
+          </p:cNvSpPr>
           <p:nvPr>
-            <p:ph idx="1" type="body"/>
+            <p:ph type="body" idx="1"/>
           </p:nvPr>
         </p:nvSpPr>
         <p:spPr>
@@ -7872,12 +8044,12 @@
           </a:prstGeom>
         </p:spPr>
         <p:txBody>
-          <a:bodyPr anchorCtr="0" anchor="t" bIns="91425" lIns="91425" spcFirstLastPara="1" rIns="91425" wrap="square" tIns="91425">
+          <a:bodyPr spcFirstLastPara="1" wrap="square" lIns="91425" tIns="91425" rIns="91425" bIns="91425" anchor="t" anchorCtr="0">
             <a:noAutofit/>
           </a:bodyPr>
           <a:lstStyle/>
           <a:p>
-            <a:pPr indent="-342900" lvl="0" marL="457200" rtl="0" algn="l">
+            <a:pPr marL="457200" lvl="0" indent="-342900" algn="l" rtl="0">
               <a:spcBef>
                 <a:spcPts val="0"/>
               </a:spcBef>
@@ -7915,12 +8087,12 @@
           </a:ln>
         </p:spPr>
         <p:txBody>
-          <a:bodyPr anchorCtr="0" anchor="t" bIns="91425" lIns="91425" spcFirstLastPara="1" rIns="91425" wrap="square" tIns="91425">
+          <a:bodyPr spcFirstLastPara="1" wrap="square" lIns="91425" tIns="91425" rIns="91425" bIns="91425" anchor="t" anchorCtr="0">
             <a:noAutofit/>
           </a:bodyPr>
           <a:lstStyle/>
           <a:p>
-            <a:pPr indent="0" lvl="0" marL="0" rtl="0" algn="l">
+            <a:pPr marL="0" lvl="0" indent="0" algn="l" rtl="0">
               <a:spcBef>
                 <a:spcPts val="0"/>
               </a:spcBef>
@@ -7929,9 +8101,6 @@
               </a:spcAft>
               <a:buNone/>
             </a:pPr>
-            <a:r>
-              <a:t/>
-            </a:r>
             <a:endParaRPr>
               <a:latin typeface="Old Standard TT"/>
               <a:ea typeface="Old Standard TT"/>
@@ -7978,11 +8147,11 @@
 </file>
 
 <file path=ppt/slides/slide12.xml><?xml version="1.0" encoding="utf-8"?>
-<p:sld xmlns:a="http://schemas.openxmlformats.org/drawingml/2006/main" xmlns:r="http://schemas.openxmlformats.org/officeDocument/2006/relationships" xmlns:mc="http://schemas.openxmlformats.org/markup-compatibility/2006" xmlns:mv="urn:schemas-microsoft-com:mac:vml" xmlns:p="http://schemas.openxmlformats.org/presentationml/2006/main" xmlns:c="http://schemas.openxmlformats.org/drawingml/2006/chart" xmlns:dgm="http://schemas.openxmlformats.org/drawingml/2006/diagram" xmlns:o="urn:schemas-microsoft-com:office:office" xmlns:v="urn:schemas-microsoft-com:vml" xmlns:pvml="urn:schemas-microsoft-com:office:powerpoint" xmlns:com="http://schemas.openxmlformats.org/drawingml/2006/compatibility" xmlns:p14="http://schemas.microsoft.com/office/powerpoint/2010/main" xmlns:p15="http://schemas.microsoft.com/office/powerpoint/2012/main" xmlns:ahyp="http://schemas.microsoft.com/office/drawing/2018/hyperlinkcolor">
+<p:sld xmlns:a="http://schemas.openxmlformats.org/drawingml/2006/main" xmlns:r="http://schemas.openxmlformats.org/officeDocument/2006/relationships" xmlns:p="http://schemas.openxmlformats.org/presentationml/2006/main">
   <p:cSld>
     <p:spTree>
       <p:nvGrpSpPr>
-        <p:cNvPr id="136" name="Shape 136"/>
+        <p:cNvPr id="1" name="Shape 136"/>
         <p:cNvGrpSpPr/>
         <p:nvPr/>
       </p:nvGrpSpPr>
@@ -8031,11 +8200,11 @@
 </file>
 
 <file path=ppt/slides/slide2.xml><?xml version="1.0" encoding="utf-8"?>
-<p:sld xmlns:a="http://schemas.openxmlformats.org/drawingml/2006/main" xmlns:r="http://schemas.openxmlformats.org/officeDocument/2006/relationships" xmlns:mc="http://schemas.openxmlformats.org/markup-compatibility/2006" xmlns:mv="urn:schemas-microsoft-com:mac:vml" xmlns:p="http://schemas.openxmlformats.org/presentationml/2006/main" xmlns:c="http://schemas.openxmlformats.org/drawingml/2006/chart" xmlns:dgm="http://schemas.openxmlformats.org/drawingml/2006/diagram" xmlns:o="urn:schemas-microsoft-com:office:office" xmlns:v="urn:schemas-microsoft-com:vml" xmlns:pvml="urn:schemas-microsoft-com:office:powerpoint" xmlns:com="http://schemas.openxmlformats.org/drawingml/2006/compatibility" xmlns:p14="http://schemas.microsoft.com/office/powerpoint/2010/main" xmlns:p15="http://schemas.microsoft.com/office/powerpoint/2012/main" xmlns:ahyp="http://schemas.microsoft.com/office/drawing/2018/hyperlinkcolor">
+<p:sld xmlns:a="http://schemas.openxmlformats.org/drawingml/2006/main" xmlns:r="http://schemas.openxmlformats.org/officeDocument/2006/relationships" xmlns:p="http://schemas.openxmlformats.org/presentationml/2006/main">
   <p:cSld>
     <p:spTree>
       <p:nvGrpSpPr>
-        <p:cNvPr id="66" name="Shape 66"/>
+        <p:cNvPr id="1" name="Shape 66"/>
         <p:cNvGrpSpPr/>
         <p:nvPr/>
       </p:nvGrpSpPr>
@@ -8050,7 +8219,9 @@
       <p:sp>
         <p:nvSpPr>
           <p:cNvPr id="67" name="Google Shape;67;p14"/>
-          <p:cNvSpPr txBox="1"/>
+          <p:cNvSpPr txBox="1">
+            <a:spLocks noGrp="1"/>
+          </p:cNvSpPr>
           <p:nvPr>
             <p:ph type="title"/>
           </p:nvPr>
@@ -8065,12 +8236,12 @@
           </a:prstGeom>
         </p:spPr>
         <p:txBody>
-          <a:bodyPr anchorCtr="0" anchor="t" bIns="91425" lIns="91425" spcFirstLastPara="1" rIns="91425" wrap="square" tIns="91425">
+          <a:bodyPr spcFirstLastPara="1" wrap="square" lIns="91425" tIns="91425" rIns="91425" bIns="91425" anchor="t" anchorCtr="0">
             <a:noAutofit/>
           </a:bodyPr>
           <a:lstStyle/>
           <a:p>
-            <a:pPr indent="0" lvl="0" marL="0" marR="1790700" rtl="0" algn="l">
+            <a:pPr marL="0" marR="1790700" lvl="0" indent="0" algn="l" rtl="0">
               <a:spcBef>
                 <a:spcPts val="2100"/>
               </a:spcBef>
@@ -8094,9 +8265,11 @@
       <p:sp>
         <p:nvSpPr>
           <p:cNvPr id="68" name="Google Shape;68;p14"/>
-          <p:cNvSpPr txBox="1"/>
+          <p:cNvSpPr txBox="1">
+            <a:spLocks noGrp="1"/>
+          </p:cNvSpPr>
           <p:nvPr>
-            <p:ph idx="1" type="body"/>
+            <p:ph type="body" idx="1"/>
           </p:nvPr>
         </p:nvSpPr>
         <p:spPr>
@@ -8109,12 +8282,12 @@
           </a:prstGeom>
         </p:spPr>
         <p:txBody>
-          <a:bodyPr anchorCtr="0" anchor="t" bIns="91425" lIns="91425" spcFirstLastPara="1" rIns="91425" wrap="square" tIns="91425">
+          <a:bodyPr spcFirstLastPara="1" wrap="square" lIns="91425" tIns="91425" rIns="91425" bIns="91425" anchor="t" anchorCtr="0">
             <a:noAutofit/>
           </a:bodyPr>
           <a:lstStyle/>
           <a:p>
-            <a:pPr indent="-323850" lvl="0" marL="457200" marR="1790700" rtl="0" algn="just">
+            <a:pPr marL="457200" marR="1790700" lvl="0" indent="-323850" algn="just" rtl="0">
               <a:lnSpc>
                 <a:spcPct val="150000"/>
               </a:lnSpc>
@@ -8139,7 +8312,7 @@
               <a:t>The aim of </a:t>
             </a:r>
             <a:r>
-              <a:rPr b="1" lang="en" sz="1500">
+              <a:rPr lang="en" sz="1500" b="1">
                 <a:solidFill>
                   <a:srgbClr val="000000"/>
                 </a:solidFill>
@@ -8152,31 +8325,7 @@
                   <a:srgbClr val="000000"/>
                 </a:solidFill>
               </a:rPr>
-              <a:t> is to recommend product to the users based on their and other consumer’s search and </a:t>
-            </a:r>
-            <a:r>
-              <a:rPr lang="en" sz="1500">
-                <a:solidFill>
-                  <a:srgbClr val="000000"/>
-                </a:solidFill>
-              </a:rPr>
-              <a:t>search</a:t>
-            </a:r>
-            <a:r>
-              <a:rPr lang="en" sz="1500">
-                <a:solidFill>
-                  <a:srgbClr val="000000"/>
-                </a:solidFill>
-              </a:rPr>
-              <a:t> history</a:t>
-            </a:r>
-            <a:r>
-              <a:rPr lang="en" sz="1500">
-                <a:solidFill>
-                  <a:srgbClr val="000000"/>
-                </a:solidFill>
-              </a:rPr>
-              <a:t> using graph database. </a:t>
+              <a:t> is to recommend product to the users based on their and other consumer’s search and search history using graph database. </a:t>
             </a:r>
             <a:endParaRPr sz="1500">
               <a:solidFill>
@@ -8185,7 +8334,7 @@
             </a:endParaRPr>
           </a:p>
           <a:p>
-            <a:pPr indent="-323850" lvl="0" marL="457200" marR="1790700" rtl="0" algn="just">
+            <a:pPr marL="457200" marR="1790700" lvl="0" indent="-323850" algn="just" rtl="0">
               <a:lnSpc>
                 <a:spcPct val="150000"/>
               </a:lnSpc>
@@ -8216,7 +8365,7 @@
             </a:endParaRPr>
           </a:p>
           <a:p>
-            <a:pPr indent="-323850" lvl="0" marL="457200" marR="1790700" rtl="0" algn="just">
+            <a:pPr marL="457200" marR="1790700" lvl="0" indent="-323850" algn="just" rtl="0">
               <a:lnSpc>
                 <a:spcPct val="150000"/>
               </a:lnSpc>
@@ -8247,7 +8396,7 @@
             </a:endParaRPr>
           </a:p>
           <a:p>
-            <a:pPr indent="0" lvl="0" marL="0" marR="1790700" rtl="0" algn="l">
+            <a:pPr marL="0" marR="1790700" lvl="0" indent="0" algn="l" rtl="0">
               <a:lnSpc>
                 <a:spcPct val="100000"/>
               </a:lnSpc>
@@ -8259,9 +8408,6 @@
               </a:spcAft>
               <a:buNone/>
             </a:pPr>
-            <a:r>
-              <a:t/>
-            </a:r>
             <a:endParaRPr sz="1500">
               <a:solidFill>
                 <a:schemeClr val="dk1"/>
@@ -8272,7 +8418,7 @@
             </a:endParaRPr>
           </a:p>
           <a:p>
-            <a:pPr indent="0" lvl="0" marL="0" marR="1790700" rtl="0" algn="l">
+            <a:pPr marL="0" marR="1790700" lvl="0" indent="0" algn="l" rtl="0">
               <a:lnSpc>
                 <a:spcPct val="100000"/>
               </a:lnSpc>
@@ -8284,9 +8430,6 @@
               </a:spcAft>
               <a:buNone/>
             </a:pPr>
-            <a:r>
-              <a:t/>
-            </a:r>
             <a:endParaRPr sz="1500">
               <a:solidFill>
                 <a:schemeClr val="dk1"/>
@@ -8335,11 +8478,11 @@
 </file>
 
 <file path=ppt/slides/slide3.xml><?xml version="1.0" encoding="utf-8"?>
-<p:sld xmlns:a="http://schemas.openxmlformats.org/drawingml/2006/main" xmlns:r="http://schemas.openxmlformats.org/officeDocument/2006/relationships" xmlns:mc="http://schemas.openxmlformats.org/markup-compatibility/2006" xmlns:mv="urn:schemas-microsoft-com:mac:vml" xmlns:p="http://schemas.openxmlformats.org/presentationml/2006/main" xmlns:c="http://schemas.openxmlformats.org/drawingml/2006/chart" xmlns:dgm="http://schemas.openxmlformats.org/drawingml/2006/diagram" xmlns:o="urn:schemas-microsoft-com:office:office" xmlns:v="urn:schemas-microsoft-com:vml" xmlns:pvml="urn:schemas-microsoft-com:office:powerpoint" xmlns:com="http://schemas.openxmlformats.org/drawingml/2006/compatibility" xmlns:p14="http://schemas.microsoft.com/office/powerpoint/2010/main" xmlns:p15="http://schemas.microsoft.com/office/powerpoint/2012/main" xmlns:ahyp="http://schemas.microsoft.com/office/drawing/2018/hyperlinkcolor">
+<p:sld xmlns:a="http://schemas.openxmlformats.org/drawingml/2006/main" xmlns:r="http://schemas.openxmlformats.org/officeDocument/2006/relationships" xmlns:p="http://schemas.openxmlformats.org/presentationml/2006/main">
   <p:cSld>
     <p:spTree>
       <p:nvGrpSpPr>
-        <p:cNvPr id="73" name="Shape 73"/>
+        <p:cNvPr id="1" name="Shape 73"/>
         <p:cNvGrpSpPr/>
         <p:nvPr/>
       </p:nvGrpSpPr>
@@ -8354,7 +8497,9 @@
       <p:sp>
         <p:nvSpPr>
           <p:cNvPr id="74" name="Google Shape;74;p15"/>
-          <p:cNvSpPr txBox="1"/>
+          <p:cNvSpPr txBox="1">
+            <a:spLocks noGrp="1"/>
+          </p:cNvSpPr>
           <p:nvPr>
             <p:ph type="title"/>
           </p:nvPr>
@@ -8369,12 +8514,12 @@
           </a:prstGeom>
         </p:spPr>
         <p:txBody>
-          <a:bodyPr anchorCtr="0" anchor="t" bIns="91425" lIns="91425" spcFirstLastPara="1" rIns="91425" wrap="square" tIns="91425">
+          <a:bodyPr spcFirstLastPara="1" wrap="square" lIns="91425" tIns="91425" rIns="91425" bIns="91425" anchor="t" anchorCtr="0">
             <a:noAutofit/>
           </a:bodyPr>
           <a:lstStyle/>
           <a:p>
-            <a:pPr indent="0" lvl="0" marL="0" marR="1790700" rtl="0" algn="l">
+            <a:pPr marL="0" marR="1790700" lvl="0" indent="0" algn="l" rtl="0">
               <a:spcBef>
                 <a:spcPts val="2100"/>
               </a:spcBef>
@@ -8402,9 +8547,11 @@
       <p:sp>
         <p:nvSpPr>
           <p:cNvPr id="75" name="Google Shape;75;p15"/>
-          <p:cNvSpPr txBox="1"/>
+          <p:cNvSpPr txBox="1">
+            <a:spLocks noGrp="1"/>
+          </p:cNvSpPr>
           <p:nvPr>
-            <p:ph idx="1" type="body"/>
+            <p:ph type="body" idx="1"/>
           </p:nvPr>
         </p:nvSpPr>
         <p:spPr>
@@ -8417,12 +8564,12 @@
           </a:prstGeom>
         </p:spPr>
         <p:txBody>
-          <a:bodyPr anchorCtr="0" anchor="t" bIns="91425" lIns="91425" spcFirstLastPara="1" rIns="91425" wrap="square" tIns="91425">
+          <a:bodyPr spcFirstLastPara="1" wrap="square" lIns="91425" tIns="91425" rIns="91425" bIns="91425" anchor="t" anchorCtr="0">
             <a:noAutofit/>
           </a:bodyPr>
           <a:lstStyle/>
           <a:p>
-            <a:pPr indent="-323850" lvl="0" marL="457200" marR="1790700" rtl="0" algn="just">
+            <a:pPr marL="457200" marR="1790700" lvl="0" indent="-323850" algn="just" rtl="0">
               <a:spcBef>
                 <a:spcPts val="2100"/>
               </a:spcBef>
@@ -8434,28 +8581,12 @@
             </a:pPr>
             <a:r>
               <a:rPr lang="en" sz="1500"/>
-              <a:t>Every </a:t>
-            </a:r>
-            <a:r>
-              <a:rPr lang="en" sz="1500"/>
-              <a:t>ecommerce</a:t>
-            </a:r>
-            <a:r>
-              <a:rPr lang="en" sz="1500"/>
-              <a:t> </a:t>
-            </a:r>
-            <a:r>
-              <a:rPr lang="en" sz="1500"/>
-              <a:t>website</a:t>
-            </a:r>
-            <a:r>
-              <a:rPr lang="en" sz="1500"/>
-              <a:t> or social media website implements recommendation feature in their own way.</a:t>
+              <a:t>Every ecommerce website or social media website implements recommendation feature in their own way.</a:t>
             </a:r>
             <a:endParaRPr sz="1500"/>
           </a:p>
           <a:p>
-            <a:pPr indent="-323850" lvl="0" marL="457200" marR="1790700" rtl="0" algn="just">
+            <a:pPr marL="457200" marR="1790700" lvl="0" indent="-323850" algn="just" rtl="0">
               <a:spcBef>
                 <a:spcPts val="0"/>
               </a:spcBef>
@@ -8472,7 +8603,7 @@
             <a:endParaRPr sz="1500"/>
           </a:p>
           <a:p>
-            <a:pPr indent="-323850" lvl="0" marL="457200" marR="1790700" rtl="0" algn="just">
+            <a:pPr marL="457200" marR="1790700" lvl="0" indent="-323850" algn="just" rtl="0">
               <a:spcBef>
                 <a:spcPts val="0"/>
               </a:spcBef>
@@ -8489,7 +8620,7 @@
             <a:endParaRPr sz="1500"/>
           </a:p>
           <a:p>
-            <a:pPr indent="-323850" lvl="0" marL="457200" marR="1790700" rtl="0" algn="just">
+            <a:pPr marL="457200" marR="1790700" lvl="0" indent="-323850" algn="just" rtl="0">
               <a:spcBef>
                 <a:spcPts val="0"/>
               </a:spcBef>
@@ -8506,7 +8637,7 @@
             <a:endParaRPr sz="1500"/>
           </a:p>
           <a:p>
-            <a:pPr indent="0" lvl="0" marL="0" marR="1790700" rtl="0" algn="l">
+            <a:pPr marL="0" marR="1790700" lvl="0" indent="0" algn="l" rtl="0">
               <a:spcBef>
                 <a:spcPts val="2100"/>
               </a:spcBef>
@@ -8515,9 +8646,6 @@
               </a:spcAft>
               <a:buNone/>
             </a:pPr>
-            <a:r>
-              <a:t/>
-            </a:r>
             <a:endParaRPr sz="1500">
               <a:highlight>
                 <a:srgbClr val="FFFFFF"/>
@@ -8525,7 +8653,7 @@
             </a:endParaRPr>
           </a:p>
           <a:p>
-            <a:pPr indent="0" lvl="0" marL="0" rtl="0" algn="l">
+            <a:pPr marL="0" lvl="0" indent="0" algn="l" rtl="0">
               <a:spcBef>
                 <a:spcPts val="2100"/>
               </a:spcBef>
@@ -8534,9 +8662,6 @@
               </a:spcAft>
               <a:buNone/>
             </a:pPr>
-            <a:r>
-              <a:t/>
-            </a:r>
             <a:endParaRPr sz="1500"/>
           </a:p>
         </p:txBody>
@@ -8606,11 +8731,11 @@
 </file>
 
 <file path=ppt/slides/slide4.xml><?xml version="1.0" encoding="utf-8"?>
-<p:sld xmlns:a="http://schemas.openxmlformats.org/drawingml/2006/main" xmlns:r="http://schemas.openxmlformats.org/officeDocument/2006/relationships" xmlns:mc="http://schemas.openxmlformats.org/markup-compatibility/2006" xmlns:mv="urn:schemas-microsoft-com:mac:vml" xmlns:p="http://schemas.openxmlformats.org/presentationml/2006/main" xmlns:c="http://schemas.openxmlformats.org/drawingml/2006/chart" xmlns:dgm="http://schemas.openxmlformats.org/drawingml/2006/diagram" xmlns:o="urn:schemas-microsoft-com:office:office" xmlns:v="urn:schemas-microsoft-com:vml" xmlns:pvml="urn:schemas-microsoft-com:office:powerpoint" xmlns:com="http://schemas.openxmlformats.org/drawingml/2006/compatibility" xmlns:p14="http://schemas.microsoft.com/office/powerpoint/2010/main" xmlns:p15="http://schemas.microsoft.com/office/powerpoint/2012/main" xmlns:ahyp="http://schemas.microsoft.com/office/drawing/2018/hyperlinkcolor">
+<p:sld xmlns:a="http://schemas.openxmlformats.org/drawingml/2006/main" xmlns:r="http://schemas.openxmlformats.org/officeDocument/2006/relationships" xmlns:p="http://schemas.openxmlformats.org/presentationml/2006/main">
   <p:cSld>
     <p:spTree>
       <p:nvGrpSpPr>
-        <p:cNvPr id="81" name="Shape 81"/>
+        <p:cNvPr id="1" name="Shape 81"/>
         <p:cNvGrpSpPr/>
         <p:nvPr/>
       </p:nvGrpSpPr>
@@ -8625,7 +8750,9 @@
       <p:sp>
         <p:nvSpPr>
           <p:cNvPr id="82" name="Google Shape;82;p16"/>
-          <p:cNvSpPr txBox="1"/>
+          <p:cNvSpPr txBox="1">
+            <a:spLocks noGrp="1"/>
+          </p:cNvSpPr>
           <p:nvPr>
             <p:ph type="title"/>
           </p:nvPr>
@@ -8640,12 +8767,12 @@
           </a:prstGeom>
         </p:spPr>
         <p:txBody>
-          <a:bodyPr anchorCtr="0" anchor="t" bIns="91425" lIns="91425" spcFirstLastPara="1" rIns="91425" wrap="square" tIns="91425">
+          <a:bodyPr spcFirstLastPara="1" wrap="square" lIns="91425" tIns="91425" rIns="91425" bIns="91425" anchor="t" anchorCtr="0">
             <a:noAutofit/>
           </a:bodyPr>
           <a:lstStyle/>
           <a:p>
-            <a:pPr indent="0" lvl="0" marL="0" marR="1790700" rtl="0" algn="l">
+            <a:pPr marL="0" marR="1790700" lvl="0" indent="0" algn="l" rtl="0">
               <a:lnSpc>
                 <a:spcPct val="115000"/>
               </a:lnSpc>
@@ -8672,9 +8799,11 @@
       <p:sp>
         <p:nvSpPr>
           <p:cNvPr id="83" name="Google Shape;83;p16"/>
-          <p:cNvSpPr txBox="1"/>
+          <p:cNvSpPr txBox="1">
+            <a:spLocks noGrp="1"/>
+          </p:cNvSpPr>
           <p:nvPr>
-            <p:ph idx="1" type="body"/>
+            <p:ph type="body" idx="1"/>
           </p:nvPr>
         </p:nvSpPr>
         <p:spPr>
@@ -8687,12 +8816,12 @@
           </a:prstGeom>
         </p:spPr>
         <p:txBody>
-          <a:bodyPr anchorCtr="0" anchor="t" bIns="91425" lIns="91425" spcFirstLastPara="1" rIns="91425" wrap="square" tIns="91425">
+          <a:bodyPr spcFirstLastPara="1" wrap="square" lIns="91425" tIns="91425" rIns="91425" bIns="91425" anchor="t" anchorCtr="0">
             <a:noAutofit/>
           </a:bodyPr>
           <a:lstStyle/>
           <a:p>
-            <a:pPr indent="457200" lvl="0" marL="0" marR="1790700" rtl="0" algn="just">
+            <a:pPr marL="0" marR="1790700" lvl="0" indent="457200" algn="just" rtl="0">
               <a:lnSpc>
                 <a:spcPct val="100000"/>
               </a:lnSpc>
@@ -8711,7 +8840,7 @@
             <a:endParaRPr sz="1500"/>
           </a:p>
           <a:p>
-            <a:pPr indent="-323850" lvl="0" marL="457200" marR="1790700" rtl="0" algn="just">
+            <a:pPr marL="457200" marR="1790700" lvl="0" indent="-323850" algn="just" rtl="0">
               <a:spcBef>
                 <a:spcPts val="2100"/>
               </a:spcBef>
@@ -8731,7 +8860,7 @@
             <a:endParaRPr sz="1500"/>
           </a:p>
           <a:p>
-            <a:pPr indent="-323850" lvl="0" marL="457200" marR="1790700" rtl="0" algn="l">
+            <a:pPr marL="457200" marR="1790700" lvl="0" indent="-323850" algn="l" rtl="0">
               <a:spcBef>
                 <a:spcPts val="0"/>
               </a:spcBef>
@@ -8746,20 +8875,12 @@
             </a:pPr>
             <a:r>
               <a:rPr lang="en" sz="1500"/>
-              <a:t>Web Framework : Spring Boot enabled</a:t>
-            </a:r>
-            <a:r>
-              <a:rPr lang="en" sz="1500"/>
-              <a:t> </a:t>
-            </a:r>
-            <a:r>
-              <a:rPr lang="en" sz="1500"/>
-              <a:t>Spring-WebMVC, Spring-Data-Rest</a:t>
+              <a:t>Web Framework : Spring Boot enabled Spring-WebMVC, Spring-Data-Rest</a:t>
             </a:r>
             <a:endParaRPr sz="1500"/>
           </a:p>
           <a:p>
-            <a:pPr indent="-323850" lvl="0" marL="457200" marR="1790700" rtl="0" algn="just">
+            <a:pPr marL="457200" marR="1790700" lvl="0" indent="-323850" algn="just" rtl="0">
               <a:spcBef>
                 <a:spcPts val="0"/>
               </a:spcBef>
@@ -8779,7 +8900,7 @@
             <a:endParaRPr sz="1500"/>
           </a:p>
           <a:p>
-            <a:pPr indent="-323850" lvl="0" marL="457200" marR="1790700" rtl="0" algn="just">
+            <a:pPr marL="457200" marR="1790700" lvl="0" indent="-323850" algn="just" rtl="0">
               <a:spcBef>
                 <a:spcPts val="0"/>
               </a:spcBef>
@@ -8799,7 +8920,7 @@
             <a:endParaRPr sz="1500"/>
           </a:p>
           <a:p>
-            <a:pPr indent="-323850" lvl="0" marL="457200" marR="1790700" rtl="0" algn="just">
+            <a:pPr marL="457200" marR="1790700" lvl="0" indent="-323850" algn="just" rtl="0">
               <a:spcBef>
                 <a:spcPts val="0"/>
               </a:spcBef>
@@ -8819,7 +8940,7 @@
             <a:endParaRPr sz="1500"/>
           </a:p>
           <a:p>
-            <a:pPr indent="0" lvl="0" marL="0" rtl="0" algn="l">
+            <a:pPr marL="0" lvl="0" indent="0" algn="l" rtl="0">
               <a:spcBef>
                 <a:spcPts val="2100"/>
               </a:spcBef>
@@ -8828,9 +8949,6 @@
               </a:spcAft>
               <a:buNone/>
             </a:pPr>
-            <a:r>
-              <a:t/>
-            </a:r>
             <a:endParaRPr/>
           </a:p>
         </p:txBody>
@@ -8900,11 +9018,11 @@
 </file>
 
 <file path=ppt/slides/slide5.xml><?xml version="1.0" encoding="utf-8"?>
-<p:sld xmlns:a="http://schemas.openxmlformats.org/drawingml/2006/main" xmlns:r="http://schemas.openxmlformats.org/officeDocument/2006/relationships" xmlns:mc="http://schemas.openxmlformats.org/markup-compatibility/2006" xmlns:mv="urn:schemas-microsoft-com:mac:vml" xmlns:p="http://schemas.openxmlformats.org/presentationml/2006/main" xmlns:c="http://schemas.openxmlformats.org/drawingml/2006/chart" xmlns:dgm="http://schemas.openxmlformats.org/drawingml/2006/diagram" xmlns:o="urn:schemas-microsoft-com:office:office" xmlns:v="urn:schemas-microsoft-com:vml" xmlns:pvml="urn:schemas-microsoft-com:office:powerpoint" xmlns:com="http://schemas.openxmlformats.org/drawingml/2006/compatibility" xmlns:p14="http://schemas.microsoft.com/office/powerpoint/2010/main" xmlns:p15="http://schemas.microsoft.com/office/powerpoint/2012/main" xmlns:ahyp="http://schemas.microsoft.com/office/drawing/2018/hyperlinkcolor">
+<p:sld xmlns:a="http://schemas.openxmlformats.org/drawingml/2006/main" xmlns:r="http://schemas.openxmlformats.org/officeDocument/2006/relationships" xmlns:p="http://schemas.openxmlformats.org/presentationml/2006/main">
   <p:cSld>
     <p:spTree>
       <p:nvGrpSpPr>
-        <p:cNvPr id="89" name="Shape 89"/>
+        <p:cNvPr id="1" name="Shape 89"/>
         <p:cNvGrpSpPr/>
         <p:nvPr/>
       </p:nvGrpSpPr>
@@ -8919,7 +9037,9 @@
       <p:sp>
         <p:nvSpPr>
           <p:cNvPr id="90" name="Google Shape;90;p17"/>
-          <p:cNvSpPr txBox="1"/>
+          <p:cNvSpPr txBox="1">
+            <a:spLocks noGrp="1"/>
+          </p:cNvSpPr>
           <p:nvPr>
             <p:ph type="title"/>
           </p:nvPr>
@@ -8934,12 +9054,12 @@
           </a:prstGeom>
         </p:spPr>
         <p:txBody>
-          <a:bodyPr anchorCtr="0" anchor="t" bIns="91425" lIns="91425" spcFirstLastPara="1" rIns="91425" wrap="square" tIns="91425">
+          <a:bodyPr spcFirstLastPara="1" wrap="square" lIns="91425" tIns="91425" rIns="91425" bIns="91425" anchor="t" anchorCtr="0">
             <a:noAutofit/>
           </a:bodyPr>
           <a:lstStyle/>
           <a:p>
-            <a:pPr indent="0" lvl="0" marL="0" rtl="0" algn="ctr">
+            <a:pPr marL="0" lvl="0" indent="0" algn="ctr" rtl="0">
               <a:spcBef>
                 <a:spcPts val="0"/>
               </a:spcBef>
@@ -8973,11 +9093,11 @@
 </file>
 
 <file path=ppt/slides/slide6.xml><?xml version="1.0" encoding="utf-8"?>
-<p:sld xmlns:a="http://schemas.openxmlformats.org/drawingml/2006/main" xmlns:r="http://schemas.openxmlformats.org/officeDocument/2006/relationships" xmlns:mc="http://schemas.openxmlformats.org/markup-compatibility/2006" xmlns:mv="urn:schemas-microsoft-com:mac:vml" xmlns:p="http://schemas.openxmlformats.org/presentationml/2006/main" xmlns:c="http://schemas.openxmlformats.org/drawingml/2006/chart" xmlns:dgm="http://schemas.openxmlformats.org/drawingml/2006/diagram" xmlns:o="urn:schemas-microsoft-com:office:office" xmlns:v="urn:schemas-microsoft-com:vml" xmlns:pvml="urn:schemas-microsoft-com:office:powerpoint" xmlns:com="http://schemas.openxmlformats.org/drawingml/2006/compatibility" xmlns:p14="http://schemas.microsoft.com/office/powerpoint/2010/main" xmlns:p15="http://schemas.microsoft.com/office/powerpoint/2012/main" xmlns:ahyp="http://schemas.microsoft.com/office/drawing/2018/hyperlinkcolor">
+<p:sld xmlns:a="http://schemas.openxmlformats.org/drawingml/2006/main" xmlns:r="http://schemas.openxmlformats.org/officeDocument/2006/relationships" xmlns:p="http://schemas.openxmlformats.org/presentationml/2006/main">
   <p:cSld>
     <p:spTree>
       <p:nvGrpSpPr>
-        <p:cNvPr id="94" name="Shape 94"/>
+        <p:cNvPr id="1" name="Shape 94"/>
         <p:cNvGrpSpPr/>
         <p:nvPr/>
       </p:nvGrpSpPr>
@@ -8992,7 +9112,9 @@
       <p:sp>
         <p:nvSpPr>
           <p:cNvPr id="95" name="Google Shape;95;p18"/>
-          <p:cNvSpPr txBox="1"/>
+          <p:cNvSpPr txBox="1">
+            <a:spLocks noGrp="1"/>
+          </p:cNvSpPr>
           <p:nvPr>
             <p:ph type="title"/>
           </p:nvPr>
@@ -9007,12 +9129,12 @@
           </a:prstGeom>
         </p:spPr>
         <p:txBody>
-          <a:bodyPr anchorCtr="0" anchor="t" bIns="91425" lIns="91425" spcFirstLastPara="1" rIns="91425" wrap="square" tIns="91425">
+          <a:bodyPr spcFirstLastPara="1" wrap="square" lIns="91425" tIns="91425" rIns="91425" bIns="91425" anchor="t" anchorCtr="0">
             <a:noAutofit/>
           </a:bodyPr>
           <a:lstStyle/>
           <a:p>
-            <a:pPr indent="0" lvl="0" marL="0" rtl="0" algn="l">
+            <a:pPr marL="0" lvl="0" indent="0" algn="l" rtl="0">
               <a:spcBef>
                 <a:spcPts val="0"/>
               </a:spcBef>
@@ -9040,9 +9162,11 @@
       <p:sp>
         <p:nvSpPr>
           <p:cNvPr id="96" name="Google Shape;96;p18"/>
-          <p:cNvSpPr txBox="1"/>
+          <p:cNvSpPr txBox="1">
+            <a:spLocks noGrp="1"/>
+          </p:cNvSpPr>
           <p:nvPr>
-            <p:ph idx="1" type="body"/>
+            <p:ph type="body" idx="1"/>
           </p:nvPr>
         </p:nvSpPr>
         <p:spPr>
@@ -9055,12 +9179,12 @@
           </a:prstGeom>
         </p:spPr>
         <p:txBody>
-          <a:bodyPr anchorCtr="0" anchor="t" bIns="91425" lIns="91425" spcFirstLastPara="1" rIns="91425" wrap="square" tIns="91425">
+          <a:bodyPr spcFirstLastPara="1" wrap="square" lIns="91425" tIns="91425" rIns="91425" bIns="91425" anchor="t" anchorCtr="0">
             <a:noAutofit/>
           </a:bodyPr>
           <a:lstStyle/>
           <a:p>
-            <a:pPr indent="0" lvl="0" marL="0" rtl="0" algn="l">
+            <a:pPr marL="0" lvl="0" indent="0" algn="l" rtl="0">
               <a:spcBef>
                 <a:spcPts val="0"/>
               </a:spcBef>
@@ -9069,9 +9193,6 @@
               </a:spcAft>
               <a:buNone/>
             </a:pPr>
-            <a:r>
-              <a:t/>
-            </a:r>
             <a:endParaRPr/>
           </a:p>
         </p:txBody>
@@ -9113,11 +9234,11 @@
 </file>
 
 <file path=ppt/slides/slide7.xml><?xml version="1.0" encoding="utf-8"?>
-<p:sld xmlns:a="http://schemas.openxmlformats.org/drawingml/2006/main" xmlns:r="http://schemas.openxmlformats.org/officeDocument/2006/relationships" xmlns:mc="http://schemas.openxmlformats.org/markup-compatibility/2006" xmlns:mv="urn:schemas-microsoft-com:mac:vml" xmlns:p="http://schemas.openxmlformats.org/presentationml/2006/main" xmlns:c="http://schemas.openxmlformats.org/drawingml/2006/chart" xmlns:dgm="http://schemas.openxmlformats.org/drawingml/2006/diagram" xmlns:o="urn:schemas-microsoft-com:office:office" xmlns:v="urn:schemas-microsoft-com:vml" xmlns:pvml="urn:schemas-microsoft-com:office:powerpoint" xmlns:com="http://schemas.openxmlformats.org/drawingml/2006/compatibility" xmlns:p14="http://schemas.microsoft.com/office/powerpoint/2010/main" xmlns:p15="http://schemas.microsoft.com/office/powerpoint/2012/main" xmlns:ahyp="http://schemas.microsoft.com/office/drawing/2018/hyperlinkcolor">
+<p:sld xmlns:a="http://schemas.openxmlformats.org/drawingml/2006/main" xmlns:r="http://schemas.openxmlformats.org/officeDocument/2006/relationships" xmlns:p="http://schemas.openxmlformats.org/presentationml/2006/main">
   <p:cSld>
     <p:spTree>
       <p:nvGrpSpPr>
-        <p:cNvPr id="101" name="Shape 101"/>
+        <p:cNvPr id="1" name="Shape 101"/>
         <p:cNvGrpSpPr/>
         <p:nvPr/>
       </p:nvGrpSpPr>
@@ -9132,7 +9253,9 @@
       <p:sp>
         <p:nvSpPr>
           <p:cNvPr id="102" name="Google Shape;102;p19"/>
-          <p:cNvSpPr txBox="1"/>
+          <p:cNvSpPr txBox="1">
+            <a:spLocks noGrp="1"/>
+          </p:cNvSpPr>
           <p:nvPr>
             <p:ph type="title"/>
           </p:nvPr>
@@ -9147,12 +9270,12 @@
           </a:prstGeom>
         </p:spPr>
         <p:txBody>
-          <a:bodyPr anchorCtr="0" anchor="t" bIns="91425" lIns="91425" spcFirstLastPara="1" rIns="91425" wrap="square" tIns="91425">
+          <a:bodyPr spcFirstLastPara="1" wrap="square" lIns="91425" tIns="91425" rIns="91425" bIns="91425" anchor="t" anchorCtr="0">
             <a:noAutofit/>
           </a:bodyPr>
           <a:lstStyle/>
           <a:p>
-            <a:pPr indent="0" lvl="0" marL="0" rtl="0" algn="l">
+            <a:pPr marL="0" lvl="0" indent="0" algn="l" rtl="0">
               <a:spcBef>
                 <a:spcPts val="0"/>
               </a:spcBef>
@@ -9180,9 +9303,11 @@
       <p:sp>
         <p:nvSpPr>
           <p:cNvPr id="103" name="Google Shape;103;p19"/>
-          <p:cNvSpPr txBox="1"/>
+          <p:cNvSpPr txBox="1">
+            <a:spLocks noGrp="1"/>
+          </p:cNvSpPr>
           <p:nvPr>
-            <p:ph idx="1" type="body"/>
+            <p:ph type="body" idx="1"/>
           </p:nvPr>
         </p:nvSpPr>
         <p:spPr>
@@ -9195,12 +9320,12 @@
           </a:prstGeom>
         </p:spPr>
         <p:txBody>
-          <a:bodyPr anchorCtr="0" anchor="t" bIns="91425" lIns="91425" spcFirstLastPara="1" rIns="91425" wrap="square" tIns="91425">
+          <a:bodyPr spcFirstLastPara="1" wrap="square" lIns="91425" tIns="91425" rIns="91425" bIns="91425" anchor="t" anchorCtr="0">
             <a:noAutofit/>
           </a:bodyPr>
           <a:lstStyle/>
           <a:p>
-            <a:pPr indent="-342900" lvl="0" marL="457200" rtl="0" algn="l">
+            <a:pPr marL="457200" lvl="0" indent="-342900" algn="l" rtl="0">
               <a:lnSpc>
                 <a:spcPct val="150000"/>
               </a:lnSpc>
@@ -9218,7 +9343,7 @@
               <a:t>In graph database Neo4j, nodes of type </a:t>
             </a:r>
             <a:r>
-              <a:rPr b="1" lang="en"/>
+              <a:rPr lang="en" b="1"/>
               <a:t>Customer </a:t>
             </a:r>
             <a:r>
@@ -9226,7 +9351,7 @@
               <a:t>and </a:t>
             </a:r>
             <a:r>
-              <a:rPr b="1" lang="en"/>
+              <a:rPr lang="en" b="1"/>
               <a:t>product </a:t>
             </a:r>
             <a:r>
@@ -9234,13 +9359,13 @@
               <a:t>are created using </a:t>
             </a:r>
             <a:r>
-              <a:rPr b="1" lang="en"/>
+              <a:rPr lang="en" b="1"/>
               <a:t>Cypher query language</a:t>
             </a:r>
             <a:endParaRPr b="1"/>
           </a:p>
           <a:p>
-            <a:pPr indent="-342900" lvl="0" marL="457200" rtl="0" algn="l">
+            <a:pPr marL="457200" lvl="0" indent="-342900" algn="l" rtl="0">
               <a:lnSpc>
                 <a:spcPct val="200000"/>
               </a:lnSpc>
@@ -9260,7 +9385,7 @@
             <a:endParaRPr/>
           </a:p>
           <a:p>
-            <a:pPr indent="-342900" lvl="0" marL="457200" rtl="0" algn="l">
+            <a:pPr marL="457200" lvl="0" indent="-342900" algn="l" rtl="0">
               <a:lnSpc>
                 <a:spcPct val="200000"/>
               </a:lnSpc>
@@ -9280,7 +9405,7 @@
             <a:endParaRPr/>
           </a:p>
           <a:p>
-            <a:pPr indent="-342900" lvl="0" marL="457200" rtl="0" algn="l">
+            <a:pPr marL="457200" lvl="0" indent="-342900" algn="l" rtl="0">
               <a:lnSpc>
                 <a:spcPct val="100000"/>
               </a:lnSpc>
@@ -9300,7 +9425,7 @@
             <a:endParaRPr/>
           </a:p>
           <a:p>
-            <a:pPr indent="0" lvl="0" marL="457200" rtl="0" algn="l">
+            <a:pPr marL="457200" lvl="0" indent="0" algn="l" rtl="0">
               <a:lnSpc>
                 <a:spcPct val="100000"/>
               </a:lnSpc>
@@ -9317,13 +9442,13 @@
               <a:t>Hilroy is a </a:t>
             </a:r>
             <a:r>
-              <a:rPr b="1" lang="en"/>
+              <a:rPr lang="en" b="1"/>
               <a:t>Product</a:t>
             </a:r>
             <a:endParaRPr b="1"/>
           </a:p>
           <a:p>
-            <a:pPr indent="0" lvl="0" marL="457200" rtl="0" algn="l">
+            <a:pPr marL="457200" lvl="0" indent="0" algn="l" rtl="0">
               <a:lnSpc>
                 <a:spcPct val="100000"/>
               </a:lnSpc>
@@ -9340,13 +9465,13 @@
               <a:t>Namrata is the </a:t>
             </a:r>
             <a:r>
-              <a:rPr b="1" lang="en"/>
+              <a:rPr lang="en" b="1"/>
               <a:t>Customer</a:t>
             </a:r>
             <a:endParaRPr b="1"/>
           </a:p>
           <a:p>
-            <a:pPr indent="0" lvl="0" marL="457200" rtl="0" algn="l">
+            <a:pPr marL="457200" lvl="0" indent="0" algn="l" rtl="0">
               <a:lnSpc>
                 <a:spcPct val="100000"/>
               </a:lnSpc>
@@ -9363,13 +9488,13 @@
               <a:t>Search_for is the </a:t>
             </a:r>
             <a:r>
-              <a:rPr b="1" lang="en"/>
+              <a:rPr lang="en" b="1"/>
               <a:t>relation</a:t>
             </a:r>
             <a:endParaRPr b="1"/>
           </a:p>
           <a:p>
-            <a:pPr indent="0" lvl="0" marL="457200" rtl="0" algn="l">
+            <a:pPr marL="457200" lvl="0" indent="0" algn="l" rtl="0">
               <a:lnSpc>
                 <a:spcPct val="200000"/>
               </a:lnSpc>
@@ -9381,9 +9506,6 @@
               </a:spcAft>
               <a:buNone/>
             </a:pPr>
-            <a:r>
-              <a:t/>
-            </a:r>
             <a:endParaRPr/>
           </a:p>
         </p:txBody>
@@ -9425,11 +9547,11 @@
 </file>
 
 <file path=ppt/slides/slide8.xml><?xml version="1.0" encoding="utf-8"?>
-<p:sld xmlns:a="http://schemas.openxmlformats.org/drawingml/2006/main" xmlns:r="http://schemas.openxmlformats.org/officeDocument/2006/relationships" xmlns:mc="http://schemas.openxmlformats.org/markup-compatibility/2006" xmlns:mv="urn:schemas-microsoft-com:mac:vml" xmlns:p="http://schemas.openxmlformats.org/presentationml/2006/main" xmlns:c="http://schemas.openxmlformats.org/drawingml/2006/chart" xmlns:dgm="http://schemas.openxmlformats.org/drawingml/2006/diagram" xmlns:o="urn:schemas-microsoft-com:office:office" xmlns:v="urn:schemas-microsoft-com:vml" xmlns:pvml="urn:schemas-microsoft-com:office:powerpoint" xmlns:com="http://schemas.openxmlformats.org/drawingml/2006/compatibility" xmlns:p14="http://schemas.microsoft.com/office/powerpoint/2010/main" xmlns:p15="http://schemas.microsoft.com/office/powerpoint/2012/main" xmlns:ahyp="http://schemas.microsoft.com/office/drawing/2018/hyperlinkcolor">
+<p:sld xmlns:a="http://schemas.openxmlformats.org/drawingml/2006/main" xmlns:r="http://schemas.openxmlformats.org/officeDocument/2006/relationships" xmlns:p="http://schemas.openxmlformats.org/presentationml/2006/main">
   <p:cSld>
     <p:spTree>
       <p:nvGrpSpPr>
-        <p:cNvPr id="108" name="Shape 108"/>
+        <p:cNvPr id="1" name="Shape 108"/>
         <p:cNvGrpSpPr/>
         <p:nvPr/>
       </p:nvGrpSpPr>
@@ -9444,7 +9566,9 @@
       <p:sp>
         <p:nvSpPr>
           <p:cNvPr id="109" name="Google Shape;109;p20"/>
-          <p:cNvSpPr txBox="1"/>
+          <p:cNvSpPr txBox="1">
+            <a:spLocks noGrp="1"/>
+          </p:cNvSpPr>
           <p:nvPr>
             <p:ph type="title"/>
           </p:nvPr>
@@ -9459,12 +9583,12 @@
           </a:prstGeom>
         </p:spPr>
         <p:txBody>
-          <a:bodyPr anchorCtr="0" anchor="t" bIns="91425" lIns="91425" spcFirstLastPara="1" rIns="91425" wrap="square" tIns="91425">
+          <a:bodyPr spcFirstLastPara="1" wrap="square" lIns="91425" tIns="91425" rIns="91425" bIns="91425" anchor="t" anchorCtr="0">
             <a:noAutofit/>
           </a:bodyPr>
           <a:lstStyle/>
           <a:p>
-            <a:pPr indent="0" lvl="0" marL="0" rtl="0" algn="l">
+            <a:pPr marL="0" lvl="0" indent="0" algn="l" rtl="0">
               <a:spcBef>
                 <a:spcPts val="0"/>
               </a:spcBef>
@@ -9492,9 +9616,11 @@
       <p:sp>
         <p:nvSpPr>
           <p:cNvPr id="110" name="Google Shape;110;p20"/>
-          <p:cNvSpPr txBox="1"/>
+          <p:cNvSpPr txBox="1">
+            <a:spLocks noGrp="1"/>
+          </p:cNvSpPr>
           <p:nvPr>
-            <p:ph idx="1" type="body"/>
+            <p:ph type="body" idx="1"/>
           </p:nvPr>
         </p:nvSpPr>
         <p:spPr>
@@ -9507,12 +9633,12 @@
           </a:prstGeom>
         </p:spPr>
         <p:txBody>
-          <a:bodyPr anchorCtr="0" anchor="t" bIns="91425" lIns="91425" spcFirstLastPara="1" rIns="91425" wrap="square" tIns="91425">
+          <a:bodyPr spcFirstLastPara="1" wrap="square" lIns="91425" tIns="91425" rIns="91425" bIns="91425" anchor="t" anchorCtr="0">
             <a:noAutofit/>
           </a:bodyPr>
           <a:lstStyle/>
           <a:p>
-            <a:pPr indent="0" lvl="0" marL="0" rtl="0" algn="l">
+            <a:pPr marL="0" lvl="0" indent="0" algn="l" rtl="0">
               <a:spcBef>
                 <a:spcPts val="0"/>
               </a:spcBef>
@@ -9521,13 +9647,10 @@
               </a:spcAft>
               <a:buNone/>
             </a:pPr>
-            <a:r>
-              <a:t/>
-            </a:r>
             <a:endParaRPr/>
           </a:p>
           <a:p>
-            <a:pPr indent="0" lvl="0" marL="0" rtl="0" algn="l">
+            <a:pPr marL="0" lvl="0" indent="0" algn="l" rtl="0">
               <a:spcBef>
                 <a:spcPts val="1600"/>
               </a:spcBef>
@@ -9536,13 +9659,10 @@
               </a:spcAft>
               <a:buNone/>
             </a:pPr>
-            <a:r>
-              <a:t/>
-            </a:r>
             <a:endParaRPr/>
           </a:p>
           <a:p>
-            <a:pPr indent="0" lvl="0" marL="0" rtl="0" algn="l">
+            <a:pPr marL="0" lvl="0" indent="0" algn="l" rtl="0">
               <a:spcBef>
                 <a:spcPts val="1600"/>
               </a:spcBef>
@@ -9558,7 +9678,7 @@
             <a:endParaRPr/>
           </a:p>
           <a:p>
-            <a:pPr indent="0" lvl="0" marL="0" rtl="0" algn="l">
+            <a:pPr marL="0" lvl="0" indent="0" algn="l" rtl="0">
               <a:spcBef>
                 <a:spcPts val="1600"/>
               </a:spcBef>
@@ -9567,13 +9687,10 @@
               </a:spcAft>
               <a:buNone/>
             </a:pPr>
-            <a:r>
-              <a:t/>
-            </a:r>
             <a:endParaRPr/>
           </a:p>
           <a:p>
-            <a:pPr indent="-355600" lvl="0" marL="457200" rtl="0" algn="l">
+            <a:pPr marL="457200" lvl="0" indent="-355600" algn="l" rtl="0">
               <a:spcBef>
                 <a:spcPts val="1600"/>
               </a:spcBef>
@@ -9590,7 +9707,7 @@
             <a:endParaRPr sz="2000"/>
           </a:p>
           <a:p>
-            <a:pPr indent="-355600" lvl="0" marL="457200" rtl="0" algn="l">
+            <a:pPr marL="457200" lvl="0" indent="-355600" algn="l" rtl="0">
               <a:spcBef>
                 <a:spcPts val="0"/>
               </a:spcBef>
@@ -9607,7 +9724,7 @@
             <a:endParaRPr/>
           </a:p>
           <a:p>
-            <a:pPr indent="0" lvl="0" marL="0" rtl="0" algn="l">
+            <a:pPr marL="0" lvl="0" indent="0" algn="l" rtl="0">
               <a:spcBef>
                 <a:spcPts val="1600"/>
               </a:spcBef>
@@ -9616,9 +9733,6 @@
               </a:spcAft>
               <a:buNone/>
             </a:pPr>
-            <a:r>
-              <a:t/>
-            </a:r>
             <a:endParaRPr/>
           </a:p>
         </p:txBody>
@@ -9660,11 +9774,11 @@
 </file>
 
 <file path=ppt/slides/slide9.xml><?xml version="1.0" encoding="utf-8"?>
-<p:sld xmlns:a="http://schemas.openxmlformats.org/drawingml/2006/main" xmlns:r="http://schemas.openxmlformats.org/officeDocument/2006/relationships" xmlns:mc="http://schemas.openxmlformats.org/markup-compatibility/2006" xmlns:mv="urn:schemas-microsoft-com:mac:vml" xmlns:p="http://schemas.openxmlformats.org/presentationml/2006/main" xmlns:c="http://schemas.openxmlformats.org/drawingml/2006/chart" xmlns:dgm="http://schemas.openxmlformats.org/drawingml/2006/diagram" xmlns:o="urn:schemas-microsoft-com:office:office" xmlns:v="urn:schemas-microsoft-com:vml" xmlns:pvml="urn:schemas-microsoft-com:office:powerpoint" xmlns:com="http://schemas.openxmlformats.org/drawingml/2006/compatibility" xmlns:p14="http://schemas.microsoft.com/office/powerpoint/2010/main" xmlns:p15="http://schemas.microsoft.com/office/powerpoint/2012/main" xmlns:ahyp="http://schemas.microsoft.com/office/drawing/2018/hyperlinkcolor">
+<p:sld xmlns:a="http://schemas.openxmlformats.org/drawingml/2006/main" xmlns:r="http://schemas.openxmlformats.org/officeDocument/2006/relationships" xmlns:p="http://schemas.openxmlformats.org/presentationml/2006/main">
   <p:cSld>
     <p:spTree>
       <p:nvGrpSpPr>
-        <p:cNvPr id="115" name="Shape 115"/>
+        <p:cNvPr id="1" name="Shape 115"/>
         <p:cNvGrpSpPr/>
         <p:nvPr/>
       </p:nvGrpSpPr>
@@ -9679,7 +9793,9 @@
       <p:sp>
         <p:nvSpPr>
           <p:cNvPr id="116" name="Google Shape;116;p21"/>
-          <p:cNvSpPr txBox="1"/>
+          <p:cNvSpPr txBox="1">
+            <a:spLocks noGrp="1"/>
+          </p:cNvSpPr>
           <p:nvPr>
             <p:ph type="title"/>
           </p:nvPr>
@@ -9694,12 +9810,12 @@
           </a:prstGeom>
         </p:spPr>
         <p:txBody>
-          <a:bodyPr anchorCtr="0" anchor="t" bIns="91425" lIns="91425" spcFirstLastPara="1" rIns="91425" wrap="square" tIns="91425">
+          <a:bodyPr spcFirstLastPara="1" wrap="square" lIns="91425" tIns="91425" rIns="91425" bIns="91425" anchor="t" anchorCtr="0">
             <a:noAutofit/>
           </a:bodyPr>
           <a:lstStyle/>
           <a:p>
-            <a:pPr indent="0" lvl="0" marL="0" rtl="0" algn="l">
+            <a:pPr marL="0" lvl="0" indent="0" algn="l" rtl="0">
               <a:spcBef>
                 <a:spcPts val="0"/>
               </a:spcBef>
@@ -9727,9 +9843,11 @@
       <p:sp>
         <p:nvSpPr>
           <p:cNvPr id="117" name="Google Shape;117;p21"/>
-          <p:cNvSpPr txBox="1"/>
+          <p:cNvSpPr txBox="1">
+            <a:spLocks noGrp="1"/>
+          </p:cNvSpPr>
           <p:nvPr>
-            <p:ph idx="1" type="body"/>
+            <p:ph type="body" idx="1"/>
           </p:nvPr>
         </p:nvSpPr>
         <p:spPr>
@@ -9742,12 +9860,12 @@
           </a:prstGeom>
         </p:spPr>
         <p:txBody>
-          <a:bodyPr anchorCtr="0" anchor="t" bIns="91425" lIns="91425" spcFirstLastPara="1" rIns="91425" wrap="square" tIns="91425">
+          <a:bodyPr spcFirstLastPara="1" wrap="square" lIns="91425" tIns="91425" rIns="91425" bIns="91425" anchor="t" anchorCtr="0">
             <a:noAutofit/>
           </a:bodyPr>
           <a:lstStyle/>
           <a:p>
-            <a:pPr indent="-355600" lvl="0" marL="457200" rtl="0" algn="l">
+            <a:pPr marL="457200" lvl="0" indent="-355600" algn="l" rtl="0">
               <a:spcBef>
                 <a:spcPts val="0"/>
               </a:spcBef>
@@ -9764,7 +9882,7 @@
             <a:endParaRPr sz="2000"/>
           </a:p>
           <a:p>
-            <a:pPr indent="-355600" lvl="0" marL="457200" rtl="0" algn="l">
+            <a:pPr marL="457200" lvl="0" indent="-355600" algn="l" rtl="0">
               <a:spcBef>
                 <a:spcPts val="0"/>
               </a:spcBef>
@@ -9819,7 +9937,7 @@
 </file>
 
 <file path=ppt/theme/theme1.xml><?xml version="1.0" encoding="utf-8"?>
-<a:theme xmlns:a="http://schemas.openxmlformats.org/drawingml/2006/main" xmlns:r="http://schemas.openxmlformats.org/officeDocument/2006/relationships" name="Paperback">
+<a:theme xmlns:a="http://schemas.openxmlformats.org/drawingml/2006/main" name="Paperback">
   <a:themeElements>
     <a:clrScheme name="Paperback">
       <a:dk1>
@@ -10094,11 +10212,13 @@
       </a:bgFillStyleLst>
     </a:fmtScheme>
   </a:themeElements>
+  <a:objectDefaults/>
+  <a:extraClrSchemeLst/>
 </a:theme>
 </file>
 
 <file path=ppt/theme/theme2.xml><?xml version="1.0" encoding="utf-8"?>
-<a:theme xmlns:a="http://schemas.openxmlformats.org/drawingml/2006/main" xmlns:r="http://schemas.openxmlformats.org/officeDocument/2006/relationships">
+<a:theme xmlns:a="http://schemas.openxmlformats.org/drawingml/2006/main">
   <a:themeElements>
     <a:clrScheme name="Default">
       <a:dk1>
@@ -10373,5 +10493,7 @@
       </a:bgFillStyleLst>
     </a:fmtScheme>
   </a:themeElements>
+  <a:objectDefaults/>
+  <a:extraClrSchemeLst/>
 </a:theme>
 </file>